--- a/Cours 1er jalon.pptx
+++ b/Cours 1er jalon.pptx
@@ -6,7 +6,7 @@
     <p:sldMasterId id="2147483901" r:id="rId2"/>
   </p:sldMasterIdLst>
   <p:notesMasterIdLst>
-    <p:notesMasterId r:id="rId63"/>
+    <p:notesMasterId r:id="rId67"/>
   </p:notesMasterIdLst>
   <p:sldIdLst>
     <p:sldId id="256" r:id="rId3"/>
@@ -63,12 +63,16 @@
     <p:sldId id="313" r:id="rId54"/>
     <p:sldId id="303" r:id="rId55"/>
     <p:sldId id="305" r:id="rId56"/>
-    <p:sldId id="276" r:id="rId57"/>
-    <p:sldId id="277" r:id="rId58"/>
-    <p:sldId id="278" r:id="rId59"/>
-    <p:sldId id="280" r:id="rId60"/>
-    <p:sldId id="281" r:id="rId61"/>
-    <p:sldId id="279" r:id="rId62"/>
+    <p:sldId id="318" r:id="rId57"/>
+    <p:sldId id="320" r:id="rId58"/>
+    <p:sldId id="321" r:id="rId59"/>
+    <p:sldId id="319" r:id="rId60"/>
+    <p:sldId id="276" r:id="rId61"/>
+    <p:sldId id="277" r:id="rId62"/>
+    <p:sldId id="278" r:id="rId63"/>
+    <p:sldId id="280" r:id="rId64"/>
+    <p:sldId id="281" r:id="rId65"/>
+    <p:sldId id="279" r:id="rId66"/>
   </p:sldIdLst>
   <p:sldSz cx="12192000" cy="6858000"/>
   <p:notesSz cx="6858000" cy="9144000"/>
@@ -169,7 +173,7 @@
   </p:defaultTextStyle>
   <p:extLst>
     <p:ext uri="{EFAFB233-063F-42B5-8137-9DF3F51BA10A}">
-      <p15:sldGuideLst xmlns:p15="http://schemas.microsoft.com/office/powerpoint/2012/main" xmlns="">
+      <p15:sldGuideLst xmlns="" xmlns:p15="http://schemas.microsoft.com/office/powerpoint/2012/main">
         <p15:guide id="1" orient="horz" pos="2160" userDrawn="1">
           <p15:clr>
             <a:srgbClr val="A4A3A4"/>
@@ -269,7 +273,7 @@
             <a:fld id="{446F71C5-0581-41B4-A4E1-0C47AC21A2C1}" type="datetimeFigureOut">
               <a:rPr lang="fr-FR" smtClean="0"/>
               <a:pPr/>
-              <a:t>06/05/2016</a:t>
+              <a:t>10/05/2016</a:t>
             </a:fld>
             <a:endParaRPr lang="fr-FR"/>
           </a:p>
@@ -438,7 +442,7 @@
     </p:spTree>
     <p:extLst>
       <p:ext uri="{BB962C8B-B14F-4D97-AF65-F5344CB8AC3E}">
-        <p14:creationId xmlns:p14="http://schemas.microsoft.com/office/powerpoint/2010/main" xmlns="" val="974245300"/>
+        <p14:creationId xmlns="" xmlns:p14="http://schemas.microsoft.com/office/powerpoint/2010/main" val="974245300"/>
       </p:ext>
     </p:extLst>
   </p:cSld>
@@ -613,7 +617,7 @@
     </p:spTree>
     <p:extLst>
       <p:ext uri="{BB962C8B-B14F-4D97-AF65-F5344CB8AC3E}">
-        <p14:creationId xmlns:p14="http://schemas.microsoft.com/office/powerpoint/2010/main" xmlns="" val="960296223"/>
+        <p14:creationId xmlns="" xmlns:p14="http://schemas.microsoft.com/office/powerpoint/2010/main" val="960296223"/>
       </p:ext>
     </p:extLst>
   </p:cSld>
@@ -766,7 +770,7 @@
             <a:fld id="{D08B980E-29CB-4FC2-A234-5AF2DD000ADC}" type="datetime1">
               <a:rPr lang="fr-FR" smtClean="0"/>
               <a:pPr/>
-              <a:t>06/05/2016</a:t>
+              <a:t>10/05/2016</a:t>
             </a:fld>
             <a:endParaRPr lang="fr-FR"/>
           </a:p>
@@ -818,7 +822,7 @@
     </p:spTree>
     <p:extLst>
       <p:ext uri="{BB962C8B-B14F-4D97-AF65-F5344CB8AC3E}">
-        <p14:creationId xmlns:p14="http://schemas.microsoft.com/office/powerpoint/2010/main" xmlns="" val="2369015854"/>
+        <p14:creationId xmlns="" xmlns:p14="http://schemas.microsoft.com/office/powerpoint/2010/main" val="2369015854"/>
       </p:ext>
     </p:extLst>
   </p:cSld>
@@ -938,7 +942,7 @@
             <a:fld id="{C4B19F6B-5129-4F5E-8C98-9D41C68EE578}" type="datetime1">
               <a:rPr lang="fr-FR" smtClean="0"/>
               <a:pPr/>
-              <a:t>06/05/2016</a:t>
+              <a:t>10/05/2016</a:t>
             </a:fld>
             <a:endParaRPr lang="fr-FR"/>
           </a:p>
@@ -990,7 +994,7 @@
     </p:spTree>
     <p:extLst>
       <p:ext uri="{BB962C8B-B14F-4D97-AF65-F5344CB8AC3E}">
-        <p14:creationId xmlns:p14="http://schemas.microsoft.com/office/powerpoint/2010/main" xmlns="" val="68525895"/>
+        <p14:creationId xmlns="" xmlns:p14="http://schemas.microsoft.com/office/powerpoint/2010/main" val="68525895"/>
       </p:ext>
     </p:extLst>
   </p:cSld>
@@ -1120,7 +1124,7 @@
             <a:fld id="{E003548F-A18B-4016-844C-81357F92D5FC}" type="datetime1">
               <a:rPr lang="fr-FR" smtClean="0"/>
               <a:pPr/>
-              <a:t>06/05/2016</a:t>
+              <a:t>10/05/2016</a:t>
             </a:fld>
             <a:endParaRPr lang="fr-FR"/>
           </a:p>
@@ -1172,7 +1176,7 @@
     </p:spTree>
     <p:extLst>
       <p:ext uri="{BB962C8B-B14F-4D97-AF65-F5344CB8AC3E}">
-        <p14:creationId xmlns:p14="http://schemas.microsoft.com/office/powerpoint/2010/main" xmlns="" val="3420289673"/>
+        <p14:creationId xmlns="" xmlns:p14="http://schemas.microsoft.com/office/powerpoint/2010/main" val="3420289673"/>
       </p:ext>
     </p:extLst>
   </p:cSld>
@@ -1371,7 +1375,7 @@
             <a:fld id="{9C239F08-6D31-47CD-9949-80C3AC05AD83}" type="datetime1">
               <a:rPr lang="fr-FR" smtClean="0"/>
               <a:pPr/>
-              <a:t>06/05/2016</a:t>
+              <a:t>10/05/2016</a:t>
             </a:fld>
             <a:endParaRPr lang="fr-FR"/>
           </a:p>
@@ -1510,7 +1514,7 @@
     </p:spTree>
     <p:extLst>
       <p:ext uri="{BB962C8B-B14F-4D97-AF65-F5344CB8AC3E}">
-        <p14:creationId xmlns:p14="http://schemas.microsoft.com/office/powerpoint/2010/main" xmlns="" val="1358185527"/>
+        <p14:creationId xmlns="" xmlns:p14="http://schemas.microsoft.com/office/powerpoint/2010/main" val="1358185527"/>
       </p:ext>
     </p:extLst>
   </p:cSld>
@@ -1640,7 +1644,7 @@
             <a:fld id="{14618178-2834-4D02-802D-80CB8194628F}" type="datetime1">
               <a:rPr lang="fr-FR" smtClean="0"/>
               <a:pPr/>
-              <a:t>06/05/2016</a:t>
+              <a:t>10/05/2016</a:t>
             </a:fld>
             <a:endParaRPr lang="fr-FR"/>
           </a:p>
@@ -1774,7 +1778,7 @@
     </p:spTree>
     <p:extLst>
       <p:ext uri="{BB962C8B-B14F-4D97-AF65-F5344CB8AC3E}">
-        <p14:creationId xmlns:p14="http://schemas.microsoft.com/office/powerpoint/2010/main" xmlns="" val="1455133572"/>
+        <p14:creationId xmlns="" xmlns:p14="http://schemas.microsoft.com/office/powerpoint/2010/main" val="1455133572"/>
       </p:ext>
     </p:extLst>
   </p:cSld>
@@ -1971,7 +1975,7 @@
             <a:fld id="{743021F9-3724-4340-BE5D-61818F2B3106}" type="datetime1">
               <a:rPr lang="fr-FR" smtClean="0"/>
               <a:pPr/>
-              <a:t>06/05/2016</a:t>
+              <a:t>10/05/2016</a:t>
             </a:fld>
             <a:endParaRPr lang="fr-FR"/>
           </a:p>
@@ -2110,7 +2114,7 @@
     </p:spTree>
     <p:extLst>
       <p:ext uri="{BB962C8B-B14F-4D97-AF65-F5344CB8AC3E}">
-        <p14:creationId xmlns:p14="http://schemas.microsoft.com/office/powerpoint/2010/main" xmlns="" val="1764859372"/>
+        <p14:creationId xmlns="" xmlns:p14="http://schemas.microsoft.com/office/powerpoint/2010/main" val="1764859372"/>
       </p:ext>
     </p:extLst>
   </p:cSld>
@@ -2296,7 +2300,7 @@
             <a:fld id="{FF5501D7-03D7-4F48-909E-961B7BEBBF9B}" type="datetime1">
               <a:rPr lang="fr-FR" smtClean="0"/>
               <a:pPr/>
-              <a:t>06/05/2016</a:t>
+              <a:t>10/05/2016</a:t>
             </a:fld>
             <a:endParaRPr lang="fr-FR"/>
           </a:p>
@@ -2435,7 +2439,7 @@
     </p:spTree>
     <p:extLst>
       <p:ext uri="{BB962C8B-B14F-4D97-AF65-F5344CB8AC3E}">
-        <p14:creationId xmlns:p14="http://schemas.microsoft.com/office/powerpoint/2010/main" xmlns="" val="3389445632"/>
+        <p14:creationId xmlns="" xmlns:p14="http://schemas.microsoft.com/office/powerpoint/2010/main" val="3389445632"/>
       </p:ext>
     </p:extLst>
   </p:cSld>
@@ -2755,7 +2759,7 @@
             <a:fld id="{11355316-D3CF-403A-A9BA-ACFF8BBCF1A9}" type="datetime1">
               <a:rPr lang="fr-FR" smtClean="0"/>
               <a:pPr/>
-              <a:t>06/05/2016</a:t>
+              <a:t>10/05/2016</a:t>
             </a:fld>
             <a:endParaRPr lang="fr-FR"/>
           </a:p>
@@ -2894,7 +2898,7 @@
     </p:spTree>
     <p:extLst>
       <p:ext uri="{BB962C8B-B14F-4D97-AF65-F5344CB8AC3E}">
-        <p14:creationId xmlns:p14="http://schemas.microsoft.com/office/powerpoint/2010/main" xmlns="" val="2317896167"/>
+        <p14:creationId xmlns="" xmlns:p14="http://schemas.microsoft.com/office/powerpoint/2010/main" val="2317896167"/>
       </p:ext>
     </p:extLst>
   </p:cSld>
@@ -2962,7 +2966,7 @@
             <a:fld id="{242AF6AE-07E3-4FC9-8ACB-EA96575EEA99}" type="datetime1">
               <a:rPr lang="fr-FR" smtClean="0"/>
               <a:pPr/>
-              <a:t>06/05/2016</a:t>
+              <a:t>10/05/2016</a:t>
             </a:fld>
             <a:endParaRPr lang="fr-FR"/>
           </a:p>
@@ -3096,7 +3100,7 @@
     </p:spTree>
     <p:extLst>
       <p:ext uri="{BB962C8B-B14F-4D97-AF65-F5344CB8AC3E}">
-        <p14:creationId xmlns:p14="http://schemas.microsoft.com/office/powerpoint/2010/main" xmlns="" val="1851544024"/>
+        <p14:creationId xmlns="" xmlns:p14="http://schemas.microsoft.com/office/powerpoint/2010/main" val="1851544024"/>
       </p:ext>
     </p:extLst>
   </p:cSld>
@@ -3141,7 +3145,7 @@
             <a:fld id="{1BAD9540-EE29-434E-9F61-B8366FC924E7}" type="datetime1">
               <a:rPr lang="fr-FR" smtClean="0"/>
               <a:pPr/>
-              <a:t>06/05/2016</a:t>
+              <a:t>10/05/2016</a:t>
             </a:fld>
             <a:endParaRPr lang="fr-FR"/>
           </a:p>
@@ -3275,7 +3279,7 @@
     </p:spTree>
     <p:extLst>
       <p:ext uri="{BB962C8B-B14F-4D97-AF65-F5344CB8AC3E}">
-        <p14:creationId xmlns:p14="http://schemas.microsoft.com/office/powerpoint/2010/main" xmlns="" val="3232760509"/>
+        <p14:creationId xmlns="" xmlns:p14="http://schemas.microsoft.com/office/powerpoint/2010/main" val="3232760509"/>
       </p:ext>
     </p:extLst>
   </p:cSld>
@@ -3476,7 +3480,7 @@
             <a:fld id="{2C67D51E-A621-45D4-A224-050508F77447}" type="datetime1">
               <a:rPr lang="fr-FR" smtClean="0"/>
               <a:pPr/>
-              <a:t>06/05/2016</a:t>
+              <a:t>10/05/2016</a:t>
             </a:fld>
             <a:endParaRPr lang="fr-FR"/>
           </a:p>
@@ -3610,7 +3614,7 @@
     </p:spTree>
     <p:extLst>
       <p:ext uri="{BB962C8B-B14F-4D97-AF65-F5344CB8AC3E}">
-        <p14:creationId xmlns:p14="http://schemas.microsoft.com/office/powerpoint/2010/main" xmlns="" val="1336883438"/>
+        <p14:creationId xmlns="" xmlns:p14="http://schemas.microsoft.com/office/powerpoint/2010/main" val="1336883438"/>
       </p:ext>
     </p:extLst>
   </p:cSld>
@@ -3730,7 +3734,7 @@
             <a:fld id="{2F265C1C-A574-4840-A96E-14245BE68F29}" type="datetime1">
               <a:rPr lang="fr-FR" smtClean="0"/>
               <a:pPr/>
-              <a:t>06/05/2016</a:t>
+              <a:t>10/05/2016</a:t>
             </a:fld>
             <a:endParaRPr lang="fr-FR"/>
           </a:p>
@@ -3782,7 +3786,7 @@
     </p:spTree>
     <p:extLst>
       <p:ext uri="{BB962C8B-B14F-4D97-AF65-F5344CB8AC3E}">
-        <p14:creationId xmlns:p14="http://schemas.microsoft.com/office/powerpoint/2010/main" xmlns="" val="3853242279"/>
+        <p14:creationId xmlns="" xmlns:p14="http://schemas.microsoft.com/office/powerpoint/2010/main" val="3853242279"/>
       </p:ext>
     </p:extLst>
   </p:cSld>
@@ -3995,7 +3999,7 @@
             <a:fld id="{1C43A57A-027A-48B6-B62D-BA3E6330C174}" type="datetime1">
               <a:rPr lang="fr-FR" smtClean="0"/>
               <a:pPr/>
-              <a:t>06/05/2016</a:t>
+              <a:t>10/05/2016</a:t>
             </a:fld>
             <a:endParaRPr lang="fr-FR"/>
           </a:p>
@@ -4134,7 +4138,7 @@
     </p:spTree>
     <p:extLst>
       <p:ext uri="{BB962C8B-B14F-4D97-AF65-F5344CB8AC3E}">
-        <p14:creationId xmlns:p14="http://schemas.microsoft.com/office/powerpoint/2010/main" xmlns="" val="947784401"/>
+        <p14:creationId xmlns="" xmlns:p14="http://schemas.microsoft.com/office/powerpoint/2010/main" val="947784401"/>
       </p:ext>
     </p:extLst>
   </p:cSld>
@@ -4335,7 +4339,7 @@
             <a:fld id="{44F57DA6-B8C9-468F-99F7-F908759F8F7E}" type="datetime1">
               <a:rPr lang="fr-FR" smtClean="0"/>
               <a:pPr/>
-              <a:t>06/05/2016</a:t>
+              <a:t>10/05/2016</a:t>
             </a:fld>
             <a:endParaRPr lang="fr-FR"/>
           </a:p>
@@ -4474,7 +4478,7 @@
     </p:spTree>
     <p:extLst>
       <p:ext uri="{BB962C8B-B14F-4D97-AF65-F5344CB8AC3E}">
-        <p14:creationId xmlns:p14="http://schemas.microsoft.com/office/powerpoint/2010/main" xmlns="" val="937404221"/>
+        <p14:creationId xmlns="" xmlns:p14="http://schemas.microsoft.com/office/powerpoint/2010/main" val="937404221"/>
       </p:ext>
     </p:extLst>
   </p:cSld>
@@ -4738,7 +4742,7 @@
             <a:fld id="{7EEDFB43-2705-4D56-A54B-AF3C7B6D33F7}" type="datetime1">
               <a:rPr lang="fr-FR" smtClean="0"/>
               <a:pPr/>
-              <a:t>06/05/2016</a:t>
+              <a:t>10/05/2016</a:t>
             </a:fld>
             <a:endParaRPr lang="fr-FR"/>
           </a:p>
@@ -4953,7 +4957,7 @@
     </p:spTree>
     <p:extLst>
       <p:ext uri="{BB962C8B-B14F-4D97-AF65-F5344CB8AC3E}">
-        <p14:creationId xmlns:p14="http://schemas.microsoft.com/office/powerpoint/2010/main" xmlns="" val="1333799296"/>
+        <p14:creationId xmlns="" xmlns:p14="http://schemas.microsoft.com/office/powerpoint/2010/main" val="1333799296"/>
       </p:ext>
     </p:extLst>
   </p:cSld>
@@ -5076,7 +5080,7 @@
             <a:fld id="{1565579B-EEFF-4EF6-BA11-F8C5C2F50347}" type="datetime1">
               <a:rPr lang="fr-FR" smtClean="0"/>
               <a:pPr/>
-              <a:t>06/05/2016</a:t>
+              <a:t>10/05/2016</a:t>
             </a:fld>
             <a:endParaRPr lang="fr-FR"/>
           </a:p>
@@ -5215,7 +5219,7 @@
     </p:spTree>
     <p:extLst>
       <p:ext uri="{BB962C8B-B14F-4D97-AF65-F5344CB8AC3E}">
-        <p14:creationId xmlns:p14="http://schemas.microsoft.com/office/powerpoint/2010/main" xmlns="" val="1697166099"/>
+        <p14:creationId xmlns="" xmlns:p14="http://schemas.microsoft.com/office/powerpoint/2010/main" val="1697166099"/>
       </p:ext>
     </p:extLst>
   </p:cSld>
@@ -5398,7 +5402,7 @@
             <a:fld id="{954F4366-54B8-462A-8A41-303E82AEE09D}" type="datetime1">
               <a:rPr lang="fr-FR" smtClean="0"/>
               <a:pPr/>
-              <a:t>06/05/2016</a:t>
+              <a:t>10/05/2016</a:t>
             </a:fld>
             <a:endParaRPr lang="fr-FR"/>
           </a:p>
@@ -5613,7 +5617,7 @@
     </p:spTree>
     <p:extLst>
       <p:ext uri="{BB962C8B-B14F-4D97-AF65-F5344CB8AC3E}">
-        <p14:creationId xmlns:p14="http://schemas.microsoft.com/office/powerpoint/2010/main" xmlns="" val="890825954"/>
+        <p14:creationId xmlns="" xmlns:p14="http://schemas.microsoft.com/office/powerpoint/2010/main" val="890825954"/>
       </p:ext>
     </p:extLst>
   </p:cSld>
@@ -5796,7 +5800,7 @@
             <a:fld id="{49A1B65A-2291-49BD-BA1E-355ABD2ABA11}" type="datetime1">
               <a:rPr lang="fr-FR" smtClean="0"/>
               <a:pPr/>
-              <a:t>06/05/2016</a:t>
+              <a:t>10/05/2016</a:t>
             </a:fld>
             <a:endParaRPr lang="fr-FR"/>
           </a:p>
@@ -5935,7 +5939,7 @@
     </p:spTree>
     <p:extLst>
       <p:ext uri="{BB962C8B-B14F-4D97-AF65-F5344CB8AC3E}">
-        <p14:creationId xmlns:p14="http://schemas.microsoft.com/office/powerpoint/2010/main" xmlns="" val="2413930785"/>
+        <p14:creationId xmlns="" xmlns:p14="http://schemas.microsoft.com/office/powerpoint/2010/main" val="2413930785"/>
       </p:ext>
     </p:extLst>
   </p:cSld>
@@ -6055,7 +6059,7 @@
             <a:fld id="{6DFEE223-1C8F-4840-9FB8-4170DEE55B7F}" type="datetime1">
               <a:rPr lang="fr-FR" smtClean="0"/>
               <a:pPr/>
-              <a:t>06/05/2016</a:t>
+              <a:t>10/05/2016</a:t>
             </a:fld>
             <a:endParaRPr lang="fr-FR"/>
           </a:p>
@@ -6189,7 +6193,7 @@
     </p:spTree>
     <p:extLst>
       <p:ext uri="{BB962C8B-B14F-4D97-AF65-F5344CB8AC3E}">
-        <p14:creationId xmlns:p14="http://schemas.microsoft.com/office/powerpoint/2010/main" xmlns="" val="2084768383"/>
+        <p14:creationId xmlns="" xmlns:p14="http://schemas.microsoft.com/office/powerpoint/2010/main" val="2084768383"/>
       </p:ext>
     </p:extLst>
   </p:cSld>
@@ -6319,7 +6323,7 @@
             <a:fld id="{B258393B-B97C-421B-ADDC-1C5E67187B45}" type="datetime1">
               <a:rPr lang="fr-FR" smtClean="0"/>
               <a:pPr/>
-              <a:t>06/05/2016</a:t>
+              <a:t>10/05/2016</a:t>
             </a:fld>
             <a:endParaRPr lang="fr-FR"/>
           </a:p>
@@ -6453,7 +6457,7 @@
     </p:spTree>
     <p:extLst>
       <p:ext uri="{BB962C8B-B14F-4D97-AF65-F5344CB8AC3E}">
-        <p14:creationId xmlns:p14="http://schemas.microsoft.com/office/powerpoint/2010/main" xmlns="" val="2700788372"/>
+        <p14:creationId xmlns="" xmlns:p14="http://schemas.microsoft.com/office/powerpoint/2010/main" val="2700788372"/>
       </p:ext>
     </p:extLst>
   </p:cSld>
@@ -6654,7 +6658,7 @@
             <a:fld id="{4CC80399-1C89-45E1-935A-AB6B8030C744}" type="datetime1">
               <a:rPr lang="fr-FR" smtClean="0"/>
               <a:pPr/>
-              <a:t>06/05/2016</a:t>
+              <a:t>10/05/2016</a:t>
             </a:fld>
             <a:endParaRPr lang="fr-FR"/>
           </a:p>
@@ -6706,7 +6710,7 @@
     </p:spTree>
     <p:extLst>
       <p:ext uri="{BB962C8B-B14F-4D97-AF65-F5344CB8AC3E}">
-        <p14:creationId xmlns:p14="http://schemas.microsoft.com/office/powerpoint/2010/main" xmlns="" val="4251475720"/>
+        <p14:creationId xmlns="" xmlns:p14="http://schemas.microsoft.com/office/powerpoint/2010/main" val="4251475720"/>
       </p:ext>
     </p:extLst>
   </p:cSld>
@@ -6888,7 +6892,7 @@
             <a:fld id="{6AB31F01-EEA3-48D9-88EF-65F53F80E25F}" type="datetime1">
               <a:rPr lang="fr-FR" smtClean="0"/>
               <a:pPr/>
-              <a:t>06/05/2016</a:t>
+              <a:t>10/05/2016</a:t>
             </a:fld>
             <a:endParaRPr lang="fr-FR"/>
           </a:p>
@@ -6940,7 +6944,7 @@
     </p:spTree>
     <p:extLst>
       <p:ext uri="{BB962C8B-B14F-4D97-AF65-F5344CB8AC3E}">
-        <p14:creationId xmlns:p14="http://schemas.microsoft.com/office/powerpoint/2010/main" xmlns="" val="3800491393"/>
+        <p14:creationId xmlns="" xmlns:p14="http://schemas.microsoft.com/office/powerpoint/2010/main" val="3800491393"/>
       </p:ext>
     </p:extLst>
   </p:cSld>
@@ -7237,7 +7241,7 @@
             <a:fld id="{4DA0D71F-D3A6-465C-B3F7-EB6328648F85}" type="datetime1">
               <a:rPr lang="fr-FR" smtClean="0"/>
               <a:pPr/>
-              <a:t>06/05/2016</a:t>
+              <a:t>10/05/2016</a:t>
             </a:fld>
             <a:endParaRPr lang="fr-FR"/>
           </a:p>
@@ -7312,7 +7316,7 @@
     </p:spTree>
     <p:extLst>
       <p:ext uri="{BB962C8B-B14F-4D97-AF65-F5344CB8AC3E}">
-        <p14:creationId xmlns:p14="http://schemas.microsoft.com/office/powerpoint/2010/main" xmlns="" val="1773687328"/>
+        <p14:creationId xmlns="" xmlns:p14="http://schemas.microsoft.com/office/powerpoint/2010/main" val="1773687328"/>
       </p:ext>
     </p:extLst>
   </p:cSld>
@@ -7357,7 +7361,7 @@
             <a:fld id="{E267EE7E-AB9A-4546-833F-0104E69E4C4C}" type="datetime1">
               <a:rPr lang="fr-FR" smtClean="0"/>
               <a:pPr/>
-              <a:t>06/05/2016</a:t>
+              <a:t>10/05/2016</a:t>
             </a:fld>
             <a:endParaRPr lang="fr-FR"/>
           </a:p>
@@ -7432,7 +7436,7 @@
     </p:spTree>
     <p:extLst>
       <p:ext uri="{BB962C8B-B14F-4D97-AF65-F5344CB8AC3E}">
-        <p14:creationId xmlns:p14="http://schemas.microsoft.com/office/powerpoint/2010/main" xmlns="" val="1571555992"/>
+        <p14:creationId xmlns="" xmlns:p14="http://schemas.microsoft.com/office/powerpoint/2010/main" val="1571555992"/>
       </p:ext>
     </p:extLst>
   </p:cSld>
@@ -7477,7 +7481,7 @@
             <a:fld id="{7F6A05C4-3F64-43B6-9939-511B309DB7CE}" type="datetime1">
               <a:rPr lang="fr-FR" smtClean="0"/>
               <a:pPr/>
-              <a:t>06/05/2016</a:t>
+              <a:t>10/05/2016</a:t>
             </a:fld>
             <a:endParaRPr lang="fr-FR"/>
           </a:p>
@@ -7529,7 +7533,7 @@
     </p:spTree>
     <p:extLst>
       <p:ext uri="{BB962C8B-B14F-4D97-AF65-F5344CB8AC3E}">
-        <p14:creationId xmlns:p14="http://schemas.microsoft.com/office/powerpoint/2010/main" xmlns="" val="2323185722"/>
+        <p14:creationId xmlns="" xmlns:p14="http://schemas.microsoft.com/office/powerpoint/2010/main" val="2323185722"/>
       </p:ext>
     </p:extLst>
   </p:cSld>
@@ -7763,7 +7767,7 @@
             <a:fld id="{5AFBC8D7-2F0E-4AC5-86FF-1F1A676B5BFD}" type="datetime1">
               <a:rPr lang="fr-FR" smtClean="0"/>
               <a:pPr/>
-              <a:t>06/05/2016</a:t>
+              <a:t>10/05/2016</a:t>
             </a:fld>
             <a:endParaRPr lang="fr-FR"/>
           </a:p>
@@ -7815,7 +7819,7 @@
     </p:spTree>
     <p:extLst>
       <p:ext uri="{BB962C8B-B14F-4D97-AF65-F5344CB8AC3E}">
-        <p14:creationId xmlns:p14="http://schemas.microsoft.com/office/powerpoint/2010/main" xmlns="" val="165218144"/>
+        <p14:creationId xmlns="" xmlns:p14="http://schemas.microsoft.com/office/powerpoint/2010/main" val="165218144"/>
       </p:ext>
     </p:extLst>
   </p:cSld>
@@ -8029,7 +8033,7 @@
             <a:fld id="{6B7EA626-BDE9-4D67-BD9E-B83A2606863F}" type="datetime1">
               <a:rPr lang="fr-FR" smtClean="0"/>
               <a:pPr/>
-              <a:t>06/05/2016</a:t>
+              <a:t>10/05/2016</a:t>
             </a:fld>
             <a:endParaRPr lang="fr-FR"/>
           </a:p>
@@ -8081,7 +8085,7 @@
     </p:spTree>
     <p:extLst>
       <p:ext uri="{BB962C8B-B14F-4D97-AF65-F5344CB8AC3E}">
-        <p14:creationId xmlns:p14="http://schemas.microsoft.com/office/powerpoint/2010/main" xmlns="" val="3718400078"/>
+        <p14:creationId xmlns="" xmlns:p14="http://schemas.microsoft.com/office/powerpoint/2010/main" val="3718400078"/>
       </p:ext>
     </p:extLst>
   </p:cSld>
@@ -8245,7 +8249,7 @@
             <a:fld id="{54BE9120-4F71-43EA-9DC5-C4EA0FE4B1B7}" type="datetime1">
               <a:rPr lang="fr-FR" smtClean="0"/>
               <a:pPr/>
-              <a:t>06/05/2016</a:t>
+              <a:t>10/05/2016</a:t>
             </a:fld>
             <a:endParaRPr lang="fr-FR"/>
           </a:p>
@@ -8334,7 +8338,7 @@
     </p:spTree>
     <p:extLst>
       <p:ext uri="{BB962C8B-B14F-4D97-AF65-F5344CB8AC3E}">
-        <p14:creationId xmlns:p14="http://schemas.microsoft.com/office/powerpoint/2010/main" xmlns="" val="1681178358"/>
+        <p14:creationId xmlns="" xmlns:p14="http://schemas.microsoft.com/office/powerpoint/2010/main" val="1681178358"/>
       </p:ext>
     </p:extLst>
   </p:cSld>
@@ -10594,7 +10598,7 @@
             <a:fld id="{41A869B2-F582-4254-AC9F-6C8AC90348A9}" type="datetime1">
               <a:rPr lang="fr-FR" smtClean="0"/>
               <a:pPr/>
-              <a:t>06/05/2016</a:t>
+              <a:t>10/05/2016</a:t>
             </a:fld>
             <a:endParaRPr lang="fr-FR"/>
           </a:p>
@@ -10680,7 +10684,7 @@
     </p:spTree>
     <p:extLst>
       <p:ext uri="{BB962C8B-B14F-4D97-AF65-F5344CB8AC3E}">
-        <p14:creationId xmlns:p14="http://schemas.microsoft.com/office/powerpoint/2010/main" xmlns="" val="3006025248"/>
+        <p14:creationId xmlns="" xmlns:p14="http://schemas.microsoft.com/office/powerpoint/2010/main" val="3006025248"/>
       </p:ext>
     </p:extLst>
   </p:cSld>
@@ -11188,7 +11192,7 @@
     </p:spTree>
     <p:extLst>
       <p:ext uri="{BB962C8B-B14F-4D97-AF65-F5344CB8AC3E}">
-        <p14:creationId xmlns:p14="http://schemas.microsoft.com/office/powerpoint/2010/main" xmlns="" val="2985397270"/>
+        <p14:creationId xmlns="" xmlns:p14="http://schemas.microsoft.com/office/powerpoint/2010/main" val="2985397270"/>
       </p:ext>
     </p:extLst>
   </p:cSld>
@@ -11263,49 +11267,29 @@
             <a:pPr algn="just"/>
             <a:r>
               <a:rPr lang="fr-FR" dirty="0" smtClean="0"/>
-              <a:t>Permet de stocker plusieurs variables de même </a:t>
-            </a:r>
-            <a:r>
-              <a:rPr lang="fr-FR" dirty="0" smtClean="0"/>
-              <a:t>type.</a:t>
-            </a:r>
-            <a:endParaRPr lang="fr-FR" dirty="0" smtClean="0"/>
+              <a:t>Permet de stocker plusieurs variables de même type.</a:t>
+            </a:r>
           </a:p>
           <a:p>
             <a:pPr algn="just"/>
             <a:r>
               <a:rPr lang="fr-FR" dirty="0" smtClean="0"/>
-              <a:t>Déclaré en spécifiant son type </a:t>
-            </a:r>
-            <a:r>
-              <a:rPr lang="fr-FR" dirty="0" smtClean="0"/>
-              <a:t>d’élément.</a:t>
-            </a:r>
-            <a:endParaRPr lang="fr-FR" dirty="0" smtClean="0"/>
+              <a:t>Déclaré en spécifiant son type d’élément.</a:t>
+            </a:r>
           </a:p>
           <a:p>
             <a:pPr algn="just"/>
             <a:r>
               <a:rPr lang="fr-FR" dirty="0" smtClean="0"/>
-              <a:t>Tableau unidimensionnel / Tableau </a:t>
-            </a:r>
-            <a:r>
-              <a:rPr lang="fr-FR" dirty="0" smtClean="0"/>
-              <a:t>multidimensionnel.</a:t>
-            </a:r>
-            <a:endParaRPr lang="fr-FR" dirty="0" smtClean="0"/>
+              <a:t>Tableau unidimensionnel / Tableau multidimensionnel.</a:t>
+            </a:r>
           </a:p>
           <a:p>
             <a:pPr algn="just"/>
             <a:r>
               <a:rPr lang="fr-FR" dirty="0" smtClean="0"/>
-              <a:t>Indexé à partir de </a:t>
-            </a:r>
-            <a:r>
-              <a:rPr lang="fr-FR" dirty="0" smtClean="0"/>
-              <a:t>0.</a:t>
-            </a:r>
-            <a:endParaRPr lang="fr-FR" dirty="0" smtClean="0"/>
+              <a:t>Indexé à partir de 0.</a:t>
+            </a:r>
           </a:p>
           <a:p>
             <a:pPr algn="just"/>
@@ -11319,13 +11303,8 @@
             </a:r>
             <a:r>
               <a:rPr lang="fr-FR" dirty="0" smtClean="0"/>
-              <a:t> pour parcourir les </a:t>
-            </a:r>
-            <a:r>
-              <a:rPr lang="fr-FR" dirty="0" smtClean="0"/>
-              <a:t>valeurs.</a:t>
-            </a:r>
-            <a:endParaRPr lang="fr-FR" dirty="0" smtClean="0"/>
+              <a:t> pour parcourir les valeurs.</a:t>
+            </a:r>
           </a:p>
           <a:p>
             <a:pPr algn="just"/>
@@ -11366,7 +11345,7 @@
     </p:spTree>
     <p:extLst>
       <p:ext uri="{BB962C8B-B14F-4D97-AF65-F5344CB8AC3E}">
-        <p14:creationId xmlns:p14="http://schemas.microsoft.com/office/powerpoint/2010/main" xmlns="" val="1423924084"/>
+        <p14:creationId xmlns="" xmlns:p14="http://schemas.microsoft.com/office/powerpoint/2010/main" val="1423924084"/>
       </p:ext>
     </p:extLst>
   </p:cSld>
@@ -11561,7 +11540,7 @@
     </p:spTree>
     <p:extLst>
       <p:ext uri="{BB962C8B-B14F-4D97-AF65-F5344CB8AC3E}">
-        <p14:creationId xmlns:p14="http://schemas.microsoft.com/office/powerpoint/2010/main" xmlns="" val="3656242131"/>
+        <p14:creationId xmlns="" xmlns:p14="http://schemas.microsoft.com/office/powerpoint/2010/main" val="3656242131"/>
       </p:ext>
     </p:extLst>
   </p:cSld>
@@ -11636,13 +11615,8 @@
             <a:pPr algn="just"/>
             <a:r>
               <a:rPr lang="fr-FR" dirty="0" smtClean="0"/>
-              <a:t>Le groupe d’’objet peut augmenter ou diminuer de façon dynamiquement en fonction des besoins (chose qui n’est pas possible avec les tableaux</a:t>
-            </a:r>
-            <a:r>
-              <a:rPr lang="fr-FR" dirty="0" smtClean="0"/>
-              <a:t>).</a:t>
-            </a:r>
-            <a:endParaRPr lang="fr-FR" dirty="0" smtClean="0"/>
+              <a:t>Le groupe d’’objet peut augmenter ou diminuer de façon dynamiquement en fonction des besoins (chose qui n’est pas possible avec les tableaux).</a:t>
+            </a:r>
           </a:p>
           <a:p>
             <a:pPr algn="just"/>
@@ -11655,13 +11629,8 @@
             <a:pPr lvl="1" algn="just"/>
             <a:r>
               <a:rPr lang="fr-FR" dirty="0" smtClean="0"/>
-              <a:t>List&lt;T&gt; : Représente une liste d’objets fortement typés accessibles par leur </a:t>
-            </a:r>
-            <a:r>
-              <a:rPr lang="fr-FR" dirty="0" smtClean="0"/>
-              <a:t>index.</a:t>
-            </a:r>
-            <a:endParaRPr lang="fr-FR" dirty="0" smtClean="0"/>
+              <a:t>List&lt;T&gt; : Représente une liste d’objets fortement typés accessibles par leur index.</a:t>
+            </a:r>
           </a:p>
           <a:p>
             <a:pPr lvl="1" algn="just"/>
@@ -11671,25 +11640,15 @@
             </a:r>
             <a:r>
               <a:rPr lang="fr-FR" dirty="0" smtClean="0"/>
-              <a:t>&lt;T&gt; : Représente une collection d’objet de type </a:t>
-            </a:r>
-            <a:r>
-              <a:rPr lang="fr-FR" dirty="0" smtClean="0"/>
-              <a:t>LIFO.</a:t>
-            </a:r>
-            <a:endParaRPr lang="fr-FR" dirty="0" smtClean="0"/>
+              <a:t>&lt;T&gt; : Représente une collection d’objet de type LIFO.</a:t>
+            </a:r>
           </a:p>
           <a:p>
             <a:pPr lvl="1" algn="just"/>
             <a:r>
               <a:rPr lang="fr-FR" dirty="0" smtClean="0"/>
-              <a:t>Queue&lt;T&gt; : Représente une collection de type </a:t>
-            </a:r>
-            <a:r>
-              <a:rPr lang="fr-FR" dirty="0" smtClean="0"/>
-              <a:t>FIFO.</a:t>
-            </a:r>
-            <a:endParaRPr lang="fr-FR" dirty="0" smtClean="0"/>
+              <a:t>Queue&lt;T&gt; : Représente une collection de type FIFO.</a:t>
+            </a:r>
           </a:p>
           <a:p>
             <a:pPr lvl="1" algn="just"/>
@@ -11707,13 +11666,8 @@
             </a:r>
             <a:r>
               <a:rPr lang="fr-FR" dirty="0" smtClean="0"/>
-              <a:t>&gt; : Représente une collection de paires clé/valeur organisées en fonction de la </a:t>
-            </a:r>
-            <a:r>
-              <a:rPr lang="fr-FR" dirty="0" smtClean="0"/>
-              <a:t>clé.</a:t>
-            </a:r>
-            <a:endParaRPr lang="fr-FR" dirty="0" smtClean="0"/>
+              <a:t>&gt; : Représente une collection de paires clé/valeur organisées en fonction de la clé.</a:t>
+            </a:r>
           </a:p>
           <a:p>
             <a:pPr lvl="1" algn="just"/>
@@ -11748,7 +11702,7 @@
     </p:spTree>
     <p:extLst>
       <p:ext uri="{BB962C8B-B14F-4D97-AF65-F5344CB8AC3E}">
-        <p14:creationId xmlns:p14="http://schemas.microsoft.com/office/powerpoint/2010/main" xmlns="" val="3520362207"/>
+        <p14:creationId xmlns="" xmlns:p14="http://schemas.microsoft.com/office/powerpoint/2010/main" val="3520362207"/>
       </p:ext>
     </p:extLst>
   </p:cSld>
@@ -11895,7 +11849,7 @@
               <a:t>Ajout par la méthode </a:t>
             </a:r>
             <a:r>
-              <a:rPr lang="fr-FR" b="1" dirty="0" err="1" smtClean="0"/>
+              <a:rPr lang="fr-FR" b="1" dirty="0" smtClean="0"/>
               <a:t>Add</a:t>
             </a:r>
             <a:r>
@@ -11908,13 +11862,8 @@
             </a:r>
             <a:r>
               <a:rPr lang="fr-FR" dirty="0" smtClean="0"/>
-              <a:t> pour ajouter plusieurs éléments d’un coup</a:t>
-            </a:r>
-            <a:r>
-              <a:rPr lang="fr-FR" dirty="0" smtClean="0"/>
-              <a:t>).</a:t>
-            </a:r>
-            <a:endParaRPr lang="fr-FR" dirty="0" smtClean="0"/>
+              <a:t> pour ajouter plusieurs éléments d’un coup).</a:t>
+            </a:r>
           </a:p>
           <a:p>
             <a:r>
@@ -11966,7 +11915,7 @@
     </p:spTree>
     <p:extLst>
       <p:ext uri="{BB962C8B-B14F-4D97-AF65-F5344CB8AC3E}">
-        <p14:creationId xmlns:p14="http://schemas.microsoft.com/office/powerpoint/2010/main" xmlns="" val="193442705"/>
+        <p14:creationId xmlns="" xmlns:p14="http://schemas.microsoft.com/office/powerpoint/2010/main" val="193442705"/>
       </p:ext>
     </p:extLst>
   </p:cSld>
@@ -12037,24 +11986,14 @@
           <a:p>
             <a:r>
               <a:rPr lang="fr-FR" dirty="0" smtClean="0"/>
-              <a:t>Last In First </a:t>
-            </a:r>
-            <a:r>
-              <a:rPr lang="fr-FR" dirty="0" smtClean="0"/>
-              <a:t>Out.</a:t>
-            </a:r>
-            <a:endParaRPr lang="fr-FR" dirty="0" smtClean="0"/>
-          </a:p>
-          <a:p>
-            <a:r>
-              <a:rPr lang="fr-FR" dirty="0" smtClean="0"/>
-              <a:t>La méthode Push insère des éléments en </a:t>
-            </a:r>
-            <a:r>
-              <a:rPr lang="fr-FR" dirty="0" smtClean="0"/>
-              <a:t>haut.</a:t>
-            </a:r>
-            <a:endParaRPr lang="fr-FR" dirty="0" smtClean="0"/>
+              <a:t>Last In First Out.</a:t>
+            </a:r>
+          </a:p>
+          <a:p>
+            <a:r>
+              <a:rPr lang="fr-FR" dirty="0" smtClean="0"/>
+              <a:t>La méthode Push insère des éléments en haut.</a:t>
+            </a:r>
           </a:p>
           <a:p>
             <a:r>
@@ -12175,7 +12114,7 @@
     </p:spTree>
     <p:extLst>
       <p:ext uri="{BB962C8B-B14F-4D97-AF65-F5344CB8AC3E}">
-        <p14:creationId xmlns:p14="http://schemas.microsoft.com/office/powerpoint/2010/main" xmlns="" val="2552431195"/>
+        <p14:creationId xmlns="" xmlns:p14="http://schemas.microsoft.com/office/powerpoint/2010/main" val="2552431195"/>
       </p:ext>
     </p:extLst>
   </p:cSld>
@@ -12382,7 +12321,7 @@
     </p:spTree>
     <p:extLst>
       <p:ext uri="{BB962C8B-B14F-4D97-AF65-F5344CB8AC3E}">
-        <p14:creationId xmlns:p14="http://schemas.microsoft.com/office/powerpoint/2010/main" xmlns="" val="2957440894"/>
+        <p14:creationId xmlns="" xmlns:p14="http://schemas.microsoft.com/office/powerpoint/2010/main" val="2957440894"/>
       </p:ext>
     </p:extLst>
   </p:cSld>
@@ -12453,13 +12392,8 @@
           <a:p>
             <a:r>
               <a:rPr lang="fr-FR" dirty="0" smtClean="0"/>
-              <a:t>First In First </a:t>
-            </a:r>
-            <a:r>
-              <a:rPr lang="fr-FR" dirty="0" smtClean="0"/>
-              <a:t>out.</a:t>
-            </a:r>
-            <a:endParaRPr lang="fr-FR" dirty="0" smtClean="0"/>
+              <a:t>First In First out.</a:t>
+            </a:r>
           </a:p>
           <a:p>
             <a:r>
@@ -12472,13 +12406,8 @@
             </a:r>
             <a:r>
               <a:rPr lang="fr-FR" dirty="0" smtClean="0"/>
-              <a:t> permet d’ajouter des </a:t>
-            </a:r>
-            <a:r>
-              <a:rPr lang="fr-FR" dirty="0" smtClean="0"/>
-              <a:t>éléments.</a:t>
-            </a:r>
-            <a:endParaRPr lang="fr-FR" dirty="0" smtClean="0"/>
+              <a:t> permet d’ajouter des éléments.</a:t>
+            </a:r>
           </a:p>
           <a:p>
             <a:r>
@@ -12491,11 +12420,7 @@
             </a:r>
             <a:r>
               <a:rPr lang="fr-FR" dirty="0" smtClean="0"/>
-              <a:t> permet de récupérer les éléments (et les supprime au passage</a:t>
-            </a:r>
-            <a:r>
-              <a:rPr lang="fr-FR" dirty="0" smtClean="0"/>
-              <a:t>).</a:t>
+              <a:t> permet de récupérer les éléments (et les supprime au passage).</a:t>
             </a:r>
             <a:endParaRPr lang="fr-FR" dirty="0"/>
           </a:p>
@@ -12582,7 +12507,7 @@
     </p:spTree>
     <p:extLst>
       <p:ext uri="{BB962C8B-B14F-4D97-AF65-F5344CB8AC3E}">
-        <p14:creationId xmlns:p14="http://schemas.microsoft.com/office/powerpoint/2010/main" xmlns="" val="1099921627"/>
+        <p14:creationId xmlns="" xmlns:p14="http://schemas.microsoft.com/office/powerpoint/2010/main" val="1099921627"/>
       </p:ext>
     </p:extLst>
   </p:cSld>
@@ -12659,35 +12584,20 @@
             </a:r>
             <a:r>
               <a:rPr lang="fr-FR" dirty="0" smtClean="0"/>
-              <a:t> est utilisé pour déclarer une </a:t>
-            </a:r>
-            <a:r>
-              <a:rPr lang="fr-FR" dirty="0" smtClean="0"/>
-              <a:t>énumération.</a:t>
-            </a:r>
-            <a:endParaRPr lang="fr-FR" dirty="0" smtClean="0"/>
-          </a:p>
-          <a:p>
-            <a:r>
-              <a:rPr lang="fr-FR" dirty="0" smtClean="0"/>
-              <a:t>Une énumération est un ensemble de constantes </a:t>
-            </a:r>
-            <a:r>
-              <a:rPr lang="fr-FR" dirty="0" smtClean="0"/>
-              <a:t>nommées.</a:t>
-            </a:r>
-            <a:endParaRPr lang="fr-FR" dirty="0" smtClean="0"/>
-          </a:p>
-          <a:p>
-            <a:r>
-              <a:rPr lang="fr-FR" dirty="0" smtClean="0"/>
-              <a:t>Par défaut, le premier énumérateur a la valeur 0, chaque énumérateur suivant à la valeur </a:t>
-            </a:r>
-            <a:r>
-              <a:rPr lang="fr-FR" dirty="0" smtClean="0"/>
-              <a:t>n+1.</a:t>
-            </a:r>
-            <a:endParaRPr lang="fr-FR" dirty="0" smtClean="0"/>
+              <a:t> est utilisé pour déclarer une énumération.</a:t>
+            </a:r>
+          </a:p>
+          <a:p>
+            <a:r>
+              <a:rPr lang="fr-FR" dirty="0" smtClean="0"/>
+              <a:t>Une énumération est un ensemble de constantes nommées.</a:t>
+            </a:r>
+          </a:p>
+          <a:p>
+            <a:r>
+              <a:rPr lang="fr-FR" dirty="0" smtClean="0"/>
+              <a:t>Par défaut, le premier énumérateur a la valeur 0, chaque énumérateur suivant à la valeur n+1.</a:t>
+            </a:r>
           </a:p>
           <a:p>
             <a:r>
@@ -12700,24 +12610,14 @@
             </a:r>
             <a:r>
               <a:rPr lang="fr-FR" dirty="0" smtClean="0"/>
-              <a:t> </a:t>
-            </a:r>
-            <a:r>
-              <a:rPr lang="fr-FR" dirty="0" smtClean="0"/>
-              <a:t>».</a:t>
-            </a:r>
-            <a:endParaRPr lang="fr-FR" dirty="0" smtClean="0"/>
-          </a:p>
-          <a:p>
-            <a:r>
-              <a:rPr lang="fr-FR" dirty="0" smtClean="0"/>
-              <a:t>Peut être utilisé dans des conditions ou comme paramètre d’une </a:t>
-            </a:r>
-            <a:r>
-              <a:rPr lang="fr-FR" dirty="0" smtClean="0"/>
-              <a:t>fonction.</a:t>
-            </a:r>
-            <a:endParaRPr lang="fr-FR" dirty="0" smtClean="0"/>
+              <a:t> ».</a:t>
+            </a:r>
+          </a:p>
+          <a:p>
+            <a:r>
+              <a:rPr lang="fr-FR" dirty="0" smtClean="0"/>
+              <a:t>Peut être utilisé dans des conditions ou comme paramètre d’une fonction.</a:t>
+            </a:r>
           </a:p>
           <a:p>
             <a:endParaRPr lang="fr-FR" dirty="0"/>
@@ -12732,25 +12632,15 @@
             <a:pPr lvl="1"/>
             <a:r>
               <a:rPr lang="fr-FR" dirty="0" smtClean="0"/>
-              <a:t>Il est impossible de créer une énumération de </a:t>
-            </a:r>
-            <a:r>
-              <a:rPr lang="fr-FR" dirty="0" smtClean="0"/>
-              <a:t>String.</a:t>
-            </a:r>
-            <a:endParaRPr lang="fr-FR" dirty="0" smtClean="0"/>
+              <a:t>Il est impossible de créer une énumération de String.</a:t>
+            </a:r>
           </a:p>
           <a:p>
             <a:pPr lvl="1"/>
             <a:r>
               <a:rPr lang="fr-FR" dirty="0" smtClean="0"/>
-              <a:t>Ne pas abuser des </a:t>
-            </a:r>
-            <a:r>
-              <a:rPr lang="fr-FR" dirty="0" smtClean="0"/>
-              <a:t>énumérations.</a:t>
-            </a:r>
-            <a:endParaRPr lang="fr-FR" dirty="0" smtClean="0"/>
+              <a:t>Ne pas abuser des énumérations.</a:t>
+            </a:r>
           </a:p>
           <a:p>
             <a:endParaRPr lang="fr-FR" dirty="0"/>
@@ -12787,7 +12677,7 @@
     </p:spTree>
     <p:extLst>
       <p:ext uri="{BB962C8B-B14F-4D97-AF65-F5344CB8AC3E}">
-        <p14:creationId xmlns:p14="http://schemas.microsoft.com/office/powerpoint/2010/main" xmlns="" val="731164252"/>
+        <p14:creationId xmlns="" xmlns:p14="http://schemas.microsoft.com/office/powerpoint/2010/main" val="731164252"/>
       </p:ext>
     </p:extLst>
   </p:cSld>
@@ -13053,7 +12943,7 @@
     </p:spTree>
     <p:extLst>
       <p:ext uri="{BB962C8B-B14F-4D97-AF65-F5344CB8AC3E}">
-        <p14:creationId xmlns:p14="http://schemas.microsoft.com/office/powerpoint/2010/main" xmlns="" val="1876867460"/>
+        <p14:creationId xmlns="" xmlns:p14="http://schemas.microsoft.com/office/powerpoint/2010/main" val="1876867460"/>
       </p:ext>
     </p:extLst>
   </p:cSld>
@@ -13121,13 +13011,8 @@
             <a:pPr algn="just"/>
             <a:r>
               <a:rPr lang="fr-FR" dirty="0" smtClean="0"/>
-              <a:t>Les méthodes d’extensions permettent d’ajouter des méthodes à des types existants sans créer de type dérivé (ou hérité</a:t>
-            </a:r>
-            <a:r>
-              <a:rPr lang="fr-FR" dirty="0" smtClean="0"/>
-              <a:t>).</a:t>
-            </a:r>
-            <a:endParaRPr lang="fr-FR" dirty="0" smtClean="0"/>
+              <a:t>Les méthodes d’extensions permettent d’ajouter des méthodes à des types existants sans créer de type dérivé (ou hérité).</a:t>
+            </a:r>
           </a:p>
           <a:p>
             <a:pPr algn="just"/>
@@ -13143,7 +13028,6 @@
               <a:rPr lang="fr-FR" dirty="0" smtClean="0"/>
               <a:t>).</a:t>
             </a:r>
-            <a:endParaRPr lang="fr-FR" dirty="0" smtClean="0"/>
           </a:p>
           <a:p>
             <a:pPr algn="just"/>
@@ -13157,13 +13041,8 @@
             </a:r>
             <a:r>
               <a:rPr lang="fr-FR" dirty="0" smtClean="0"/>
-              <a:t>. Le type de ce paramètre sera la type « étendu </a:t>
-            </a:r>
-            <a:r>
-              <a:rPr lang="fr-FR" dirty="0" smtClean="0"/>
-              <a:t>».</a:t>
-            </a:r>
-            <a:endParaRPr lang="fr-FR" dirty="0" smtClean="0"/>
+              <a:t>. Le type de ce paramètre sera la type « étendu ».</a:t>
+            </a:r>
           </a:p>
           <a:p>
             <a:pPr algn="just"/>
@@ -13180,25 +13059,15 @@
             <a:pPr lvl="1" algn="just"/>
             <a:r>
               <a:rPr lang="fr-FR" dirty="0" smtClean="0"/>
-              <a:t>LINQ est composée de méthodes </a:t>
-            </a:r>
-            <a:r>
-              <a:rPr lang="fr-FR" dirty="0" smtClean="0"/>
-              <a:t>d’extensions.</a:t>
-            </a:r>
-            <a:endParaRPr lang="fr-FR" dirty="0" smtClean="0"/>
+              <a:t>LINQ est composée de méthodes d’extensions.</a:t>
+            </a:r>
           </a:p>
           <a:p>
             <a:pPr lvl="1" algn="just"/>
             <a:r>
               <a:rPr lang="fr-FR" dirty="0" smtClean="0"/>
-              <a:t>Ajouter des méthodes à la classes String pour tronquer une </a:t>
-            </a:r>
-            <a:r>
-              <a:rPr lang="fr-FR" dirty="0" smtClean="0"/>
-              <a:t>chaine.</a:t>
-            </a:r>
-            <a:endParaRPr lang="fr-FR" dirty="0" smtClean="0"/>
+              <a:t>Ajouter des méthodes à la classes String pour tronquer une chaine.</a:t>
+            </a:r>
           </a:p>
           <a:p>
             <a:pPr lvl="1" algn="just"/>
@@ -13239,7 +13108,7 @@
     </p:spTree>
     <p:extLst>
       <p:ext uri="{BB962C8B-B14F-4D97-AF65-F5344CB8AC3E}">
-        <p14:creationId xmlns:p14="http://schemas.microsoft.com/office/powerpoint/2010/main" xmlns="" val="3619260591"/>
+        <p14:creationId xmlns="" xmlns:p14="http://schemas.microsoft.com/office/powerpoint/2010/main" val="3619260591"/>
       </p:ext>
     </p:extLst>
   </p:cSld>
@@ -13320,73 +13189,40 @@
               <a:rPr lang="fr-FR" dirty="0" smtClean="0"/>
               <a:t>…).</a:t>
             </a:r>
-            <a:endParaRPr lang="fr-FR" dirty="0" smtClean="0"/>
           </a:p>
           <a:p>
             <a:pPr algn="just"/>
             <a:r>
               <a:rPr lang="fr-FR" dirty="0" smtClean="0"/>
-              <a:t>Introduction sur l’utilisation des collections, tableaux, énumérations, méthodes d’extensions, </a:t>
-            </a:r>
-            <a:r>
-              <a:rPr lang="fr-FR" dirty="0" smtClean="0"/>
-              <a:t>exceptions.</a:t>
-            </a:r>
-            <a:endParaRPr lang="fr-FR" dirty="0" smtClean="0"/>
+              <a:t>Introduction sur l’utilisation des collections, tableaux, énumérations, méthodes d’extensions, exceptions.</a:t>
+            </a:r>
           </a:p>
           <a:p>
             <a:pPr algn="just"/>
             <a:r>
               <a:rPr lang="fr-FR" dirty="0" smtClean="0"/>
-              <a:t>Introduction à </a:t>
-            </a:r>
-            <a:r>
-              <a:rPr lang="fr-FR" dirty="0" smtClean="0"/>
-              <a:t>LINQ.</a:t>
-            </a:r>
-            <a:endParaRPr lang="fr-FR" dirty="0" smtClean="0"/>
+              <a:t>Introduction à LINQ.</a:t>
+            </a:r>
           </a:p>
           <a:p>
             <a:pPr algn="just"/>
             <a:r>
               <a:rPr lang="fr-FR" dirty="0" smtClean="0"/>
-              <a:t>Qu’est ce qu’un ORM? Introduction à </a:t>
-            </a:r>
-            <a:r>
-              <a:rPr lang="fr-FR" dirty="0" err="1" smtClean="0"/>
-              <a:t>Entity</a:t>
-            </a:r>
-            <a:r>
-              <a:rPr lang="fr-FR" dirty="0" smtClean="0"/>
-              <a:t> </a:t>
-            </a:r>
-            <a:r>
-              <a:rPr lang="fr-FR" dirty="0" smtClean="0"/>
-              <a:t>Framework.</a:t>
-            </a:r>
-            <a:endParaRPr lang="fr-FR" dirty="0" smtClean="0"/>
+              <a:t>Qu’est ce qu’un ORM? Introduction à Entity Framework.</a:t>
+            </a:r>
           </a:p>
           <a:p>
             <a:pPr algn="just"/>
             <a:r>
               <a:rPr lang="fr-FR" dirty="0" smtClean="0"/>
-              <a:t>Création d’une couche d’accès aux </a:t>
-            </a:r>
-            <a:r>
-              <a:rPr lang="fr-FR" dirty="0" smtClean="0"/>
-              <a:t>données.</a:t>
-            </a:r>
-            <a:endParaRPr lang="fr-FR" dirty="0" smtClean="0"/>
+              <a:t>Création d’une couche d’accès aux données.</a:t>
+            </a:r>
           </a:p>
           <a:p>
             <a:pPr algn="just"/>
             <a:r>
               <a:rPr lang="fr-FR" dirty="0" smtClean="0"/>
-              <a:t>Tests </a:t>
-            </a:r>
-            <a:r>
-              <a:rPr lang="fr-FR" dirty="0" smtClean="0"/>
-              <a:t>unitaires.</a:t>
+              <a:t>Tests unitaires.</a:t>
             </a:r>
             <a:endParaRPr lang="fr-FR" dirty="0"/>
           </a:p>
@@ -13419,7 +13255,7 @@
     </p:spTree>
     <p:extLst>
       <p:ext uri="{BB962C8B-B14F-4D97-AF65-F5344CB8AC3E}">
-        <p14:creationId xmlns:p14="http://schemas.microsoft.com/office/powerpoint/2010/main" xmlns="" val="1066172402"/>
+        <p14:creationId xmlns="" xmlns:p14="http://schemas.microsoft.com/office/powerpoint/2010/main" val="1066172402"/>
       </p:ext>
     </p:extLst>
   </p:cSld>
@@ -13616,11 +13452,7 @@
           <a:p>
             <a:r>
               <a:rPr lang="fr-FR" b="1" dirty="0" smtClean="0"/>
-              <a:t>Exemple d’extension : Compter les mots dans une chaine de </a:t>
-            </a:r>
-            <a:r>
-              <a:rPr lang="fr-FR" b="1" dirty="0" smtClean="0"/>
-              <a:t>caractère :</a:t>
+              <a:t>Exemple d’extension : Compter les mots dans une chaine de caractère :</a:t>
             </a:r>
             <a:endParaRPr lang="fr-FR" b="1" dirty="0"/>
           </a:p>
@@ -13673,11 +13505,7 @@
             </a:r>
             <a:r>
               <a:rPr lang="fr-FR" u="sng" dirty="0" smtClean="0"/>
-              <a:t> </a:t>
-            </a:r>
-            <a:r>
-              <a:rPr lang="fr-FR" u="sng" dirty="0" smtClean="0"/>
-              <a:t>»).</a:t>
+              <a:t> »).</a:t>
             </a:r>
             <a:endParaRPr lang="fr-FR" u="sng" dirty="0"/>
           </a:p>
@@ -13686,7 +13514,7 @@
     </p:spTree>
     <p:extLst>
       <p:ext uri="{BB962C8B-B14F-4D97-AF65-F5344CB8AC3E}">
-        <p14:creationId xmlns:p14="http://schemas.microsoft.com/office/powerpoint/2010/main" xmlns="" val="326039857"/>
+        <p14:creationId xmlns="" xmlns:p14="http://schemas.microsoft.com/office/powerpoint/2010/main" val="326039857"/>
       </p:ext>
     </p:extLst>
   </p:cSld>
@@ -13754,13 +13582,8 @@
             <a:pPr algn="just"/>
             <a:r>
               <a:rPr lang="fr-FR" dirty="0" smtClean="0"/>
-              <a:t>Permet de gérer les situations inattendues ou exceptionnelles lors de l’exécution d’un </a:t>
-            </a:r>
-            <a:r>
-              <a:rPr lang="fr-FR" dirty="0" smtClean="0"/>
-              <a:t>programme.</a:t>
-            </a:r>
-            <a:endParaRPr lang="fr-FR" dirty="0" smtClean="0"/>
+              <a:t>Permet de gérer les situations inattendues ou exceptionnelles lors de l’exécution d’un programme.</a:t>
+            </a:r>
           </a:p>
           <a:p>
             <a:pPr algn="just"/>
@@ -13792,17 +13615,12 @@
               <a:rPr lang="fr-FR" b="1" dirty="0" smtClean="0"/>
               <a:t>.</a:t>
             </a:r>
-            <a:endParaRPr lang="fr-FR" b="1" dirty="0" smtClean="0"/>
           </a:p>
           <a:p>
             <a:pPr algn="just"/>
             <a:r>
               <a:rPr lang="fr-FR" dirty="0" smtClean="0"/>
-              <a:t>Permet d’éviter une interruption du </a:t>
-            </a:r>
-            <a:r>
-              <a:rPr lang="fr-FR" dirty="0" smtClean="0"/>
-              <a:t>programme.</a:t>
+              <a:t>Permet d’éviter une interruption du programme.</a:t>
             </a:r>
             <a:endParaRPr lang="fr-FR" dirty="0"/>
           </a:p>
@@ -13864,7 +13682,7 @@
     </p:spTree>
     <p:extLst>
       <p:ext uri="{BB962C8B-B14F-4D97-AF65-F5344CB8AC3E}">
-        <p14:creationId xmlns:p14="http://schemas.microsoft.com/office/powerpoint/2010/main" xmlns="" val="2665231970"/>
+        <p14:creationId xmlns="" xmlns:p14="http://schemas.microsoft.com/office/powerpoint/2010/main" val="2665231970"/>
       </p:ext>
     </p:extLst>
   </p:cSld>
@@ -13941,7 +13759,6 @@
               <a:rPr lang="fr-FR" b="1" dirty="0" smtClean="0"/>
               <a:t>.</a:t>
             </a:r>
-            <a:endParaRPr lang="fr-FR" b="1" dirty="0" smtClean="0"/>
           </a:p>
           <a:p>
             <a:pPr algn="just"/>
@@ -13957,7 +13774,6 @@
               <a:rPr lang="fr-FR" b="1" dirty="0" smtClean="0"/>
               <a:t>.</a:t>
             </a:r>
-            <a:endParaRPr lang="fr-FR" b="1" dirty="0" smtClean="0"/>
           </a:p>
           <a:p>
             <a:pPr algn="just"/>
@@ -13973,7 +13789,6 @@
               <a:rPr lang="fr-FR" b="1" dirty="0" smtClean="0"/>
               <a:t>.</a:t>
             </a:r>
-            <a:endParaRPr lang="fr-FR" b="1" dirty="0" smtClean="0"/>
           </a:p>
           <a:p>
             <a:pPr algn="just"/>
@@ -13987,13 +13802,8 @@
             </a:r>
             <a:r>
               <a:rPr lang="fr-FR" dirty="0" smtClean="0"/>
-              <a:t> permet d’exécuter du code mais si le bloc catch a intercepté une </a:t>
-            </a:r>
-            <a:r>
-              <a:rPr lang="fr-FR" dirty="0" smtClean="0"/>
-              <a:t>erreur.</a:t>
-            </a:r>
-            <a:endParaRPr lang="fr-FR" dirty="0" smtClean="0"/>
+              <a:t> permet d’exécuter du code mais si le bloc catch a intercepté une erreur.</a:t>
+            </a:r>
           </a:p>
           <a:p>
             <a:pPr algn="just"/>
@@ -14040,7 +13850,7 @@
     </p:spTree>
     <p:extLst>
       <p:ext uri="{BB962C8B-B14F-4D97-AF65-F5344CB8AC3E}">
-        <p14:creationId xmlns:p14="http://schemas.microsoft.com/office/powerpoint/2010/main" xmlns="" val="744557871"/>
+        <p14:creationId xmlns="" xmlns:p14="http://schemas.microsoft.com/office/powerpoint/2010/main" val="744557871"/>
       </p:ext>
     </p:extLst>
   </p:cSld>
@@ -14123,39 +13933,20 @@
             </a:r>
             <a:r>
               <a:rPr lang="fr-FR" dirty="0" smtClean="0"/>
-              <a:t> </a:t>
-            </a:r>
-            <a:r>
-              <a:rPr lang="fr-FR" dirty="0" err="1" smtClean="0"/>
-              <a:t>Query</a:t>
-            </a:r>
-            <a:r>
-              <a:rPr lang="fr-FR" dirty="0" smtClean="0"/>
-              <a:t>.</a:t>
-            </a:r>
-            <a:endParaRPr lang="fr-FR" dirty="0" smtClean="0"/>
-          </a:p>
-          <a:p>
-            <a:r>
-              <a:rPr lang="fr-FR" dirty="0" smtClean="0"/>
-              <a:t>Langage basé sur l’utilisation de </a:t>
-            </a:r>
-            <a:r>
-              <a:rPr lang="fr-FR" dirty="0" smtClean="0"/>
-              <a:t>méthode d’extension.</a:t>
-            </a:r>
-            <a:endParaRPr lang="fr-FR" dirty="0" smtClean="0"/>
-          </a:p>
-          <a:p>
-            <a:r>
-              <a:rPr lang="fr-FR" dirty="0" smtClean="0"/>
-              <a:t>Outil permettant de créer des requêtes afin d’interroger des sources de données, on exécute une requête sur une source de </a:t>
-            </a:r>
-            <a:r>
-              <a:rPr lang="fr-FR" dirty="0" smtClean="0"/>
-              <a:t>donnée.</a:t>
-            </a:r>
-            <a:endParaRPr lang="fr-FR" dirty="0" smtClean="0"/>
+              <a:t> Query.</a:t>
+            </a:r>
+          </a:p>
+          <a:p>
+            <a:r>
+              <a:rPr lang="fr-FR" dirty="0" smtClean="0"/>
+              <a:t>Langage basé sur l’utilisation de méthode d’extension.</a:t>
+            </a:r>
+          </a:p>
+          <a:p>
+            <a:r>
+              <a:rPr lang="fr-FR" dirty="0" smtClean="0"/>
+              <a:t>Outil permettant de créer des requêtes afin d’interroger des sources de données, on exécute une requête sur une source de donnée.</a:t>
+            </a:r>
           </a:p>
           <a:p>
             <a:r>
@@ -14167,37 +13958,22 @@
             <a:pPr lvl="1"/>
             <a:r>
               <a:rPr lang="fr-FR" dirty="0" smtClean="0"/>
-              <a:t>Obtenir la source de </a:t>
-            </a:r>
-            <a:r>
-              <a:rPr lang="fr-FR" dirty="0" smtClean="0"/>
-              <a:t>données.</a:t>
-            </a:r>
-            <a:endParaRPr lang="fr-FR" dirty="0" smtClean="0"/>
+              <a:t>Obtenir la source de données.</a:t>
+            </a:r>
           </a:p>
           <a:p>
             <a:pPr lvl="1"/>
             <a:r>
               <a:rPr lang="fr-FR" dirty="0" smtClean="0"/>
-              <a:t>Créer la requête </a:t>
-            </a:r>
-            <a:r>
-              <a:rPr lang="fr-FR" dirty="0" smtClean="0"/>
-              <a:t>.</a:t>
-            </a:r>
-            <a:endParaRPr lang="fr-FR" dirty="0" smtClean="0"/>
+              <a:t>Créer la requête .</a:t>
+            </a:r>
           </a:p>
           <a:p>
             <a:pPr lvl="1"/>
             <a:r>
               <a:rPr lang="fr-FR" dirty="0" smtClean="0"/>
-              <a:t>Exécuter la </a:t>
-            </a:r>
-            <a:r>
-              <a:rPr lang="fr-FR" dirty="0" smtClean="0"/>
-              <a:t>requête.</a:t>
-            </a:r>
-            <a:endParaRPr lang="fr-FR" dirty="0" smtClean="0"/>
+              <a:t>Exécuter la requête.</a:t>
+            </a:r>
           </a:p>
         </p:txBody>
       </p:sp>
@@ -14228,7 +14004,7 @@
     </p:spTree>
     <p:extLst>
       <p:ext uri="{BB962C8B-B14F-4D97-AF65-F5344CB8AC3E}">
-        <p14:creationId xmlns:p14="http://schemas.microsoft.com/office/powerpoint/2010/main" xmlns="" val="2508250933"/>
+        <p14:creationId xmlns="" xmlns:p14="http://schemas.microsoft.com/office/powerpoint/2010/main" val="2508250933"/>
       </p:ext>
     </p:extLst>
   </p:cSld>
@@ -14345,13 +14121,8 @@
             </a:r>
             <a:r>
               <a:rPr lang="fr-FR" b="1" dirty="0" smtClean="0"/>
-              <a:t>&lt;T</a:t>
-            </a:r>
-            <a:r>
-              <a:rPr lang="fr-FR" b="1" dirty="0" smtClean="0"/>
-              <a:t>&gt;.</a:t>
-            </a:r>
-            <a:endParaRPr lang="fr-FR" b="1" dirty="0" smtClean="0"/>
+              <a:t>&lt;T&gt;.</a:t>
+            </a:r>
           </a:p>
           <a:p>
             <a:r>
@@ -14364,13 +14135,8 @@
             </a:r>
             <a:r>
               <a:rPr lang="fr-FR" b="1" dirty="0" smtClean="0"/>
-              <a:t>&lt;T</a:t>
-            </a:r>
-            <a:r>
-              <a:rPr lang="fr-FR" b="1" dirty="0" smtClean="0"/>
-              <a:t>&gt;.</a:t>
-            </a:r>
-            <a:endParaRPr lang="fr-FR" b="1" dirty="0" smtClean="0"/>
+              <a:t>&lt;T&gt;.</a:t>
+            </a:r>
           </a:p>
           <a:p>
             <a:r>
@@ -14386,13 +14152,8 @@
           <a:p>
             <a:r>
               <a:rPr lang="fr-FR" dirty="0" smtClean="0"/>
-              <a:t>L’exécution est « différée </a:t>
-            </a:r>
-            <a:r>
-              <a:rPr lang="fr-FR" dirty="0" smtClean="0"/>
-              <a:t>».</a:t>
-            </a:r>
-            <a:endParaRPr lang="fr-FR" dirty="0" smtClean="0"/>
+              <a:t>L’exécution est « différée ».</a:t>
+            </a:r>
           </a:p>
         </p:txBody>
       </p:sp>
@@ -14458,7 +14219,7 @@
     </p:spTree>
     <p:extLst>
       <p:ext uri="{BB962C8B-B14F-4D97-AF65-F5344CB8AC3E}">
-        <p14:creationId xmlns:p14="http://schemas.microsoft.com/office/powerpoint/2010/main" xmlns="" val="833328434"/>
+        <p14:creationId xmlns="" xmlns:p14="http://schemas.microsoft.com/office/powerpoint/2010/main" val="833328434"/>
       </p:ext>
     </p:extLst>
   </p:cSld>
@@ -14542,7 +14303,6 @@
               <a:rPr lang="fr-FR" dirty="0" smtClean="0"/>
               <a:t>).</a:t>
             </a:r>
-            <a:endParaRPr lang="fr-FR" dirty="0" smtClean="0"/>
           </a:p>
           <a:p>
             <a:pPr lvl="1"/>
@@ -14563,13 +14323,8 @@
           <a:p>
             <a:r>
               <a:rPr lang="fr-FR" dirty="0" smtClean="0"/>
-              <a:t>Le résultat des deux syntaxes est </a:t>
-            </a:r>
-            <a:r>
-              <a:rPr lang="fr-FR" dirty="0" smtClean="0"/>
-              <a:t>identique.</a:t>
-            </a:r>
-            <a:endParaRPr lang="fr-FR" dirty="0" smtClean="0"/>
+              <a:t>Le résultat des deux syntaxes est identique.</a:t>
+            </a:r>
           </a:p>
           <a:p>
             <a:endParaRPr lang="fr-FR" dirty="0"/>
@@ -14662,7 +14417,7 @@
     </p:spTree>
     <p:extLst>
       <p:ext uri="{BB962C8B-B14F-4D97-AF65-F5344CB8AC3E}">
-        <p14:creationId xmlns:p14="http://schemas.microsoft.com/office/powerpoint/2010/main" xmlns="" val="3593166658"/>
+        <p14:creationId xmlns="" xmlns:p14="http://schemas.microsoft.com/office/powerpoint/2010/main" val="3593166658"/>
       </p:ext>
     </p:extLst>
   </p:cSld>
@@ -14728,24 +14483,14 @@
           <a:p>
             <a:r>
               <a:rPr lang="fr-FR" dirty="0" smtClean="0"/>
-              <a:t>La syntaxe de requête est plus simple et plus facile à </a:t>
-            </a:r>
-            <a:r>
-              <a:rPr lang="fr-FR" dirty="0" smtClean="0"/>
-              <a:t>lire.</a:t>
-            </a:r>
-            <a:endParaRPr lang="fr-FR" dirty="0" smtClean="0"/>
-          </a:p>
-          <a:p>
-            <a:r>
-              <a:rPr lang="fr-FR" dirty="0" smtClean="0"/>
-              <a:t>La syntaxe de méthode est la plus </a:t>
-            </a:r>
-            <a:r>
-              <a:rPr lang="fr-FR" dirty="0" smtClean="0"/>
-              <a:t>utilisée.</a:t>
-            </a:r>
-            <a:endParaRPr lang="fr-FR" dirty="0" smtClean="0"/>
+              <a:t>La syntaxe de requête est plus simple et plus facile à lire.</a:t>
+            </a:r>
+          </a:p>
+          <a:p>
+            <a:r>
+              <a:rPr lang="fr-FR" dirty="0" smtClean="0"/>
+              <a:t>La syntaxe de méthode est la plus utilisée.</a:t>
+            </a:r>
           </a:p>
           <a:p>
             <a:r>
@@ -14758,13 +14503,8 @@
             </a:r>
             <a:r>
               <a:rPr lang="fr-FR" dirty="0" smtClean="0"/>
-              <a:t> utilise la syntaxe de </a:t>
-            </a:r>
-            <a:r>
-              <a:rPr lang="fr-FR" dirty="0" smtClean="0"/>
-              <a:t>méthode.</a:t>
-            </a:r>
-            <a:endParaRPr lang="fr-FR" dirty="0" smtClean="0"/>
+              <a:t> utilise la syntaxe de méthode.</a:t>
+            </a:r>
           </a:p>
           <a:p>
             <a:endParaRPr lang="fr-FR" dirty="0"/>
@@ -14813,7 +14553,7 @@
     </p:spTree>
     <p:extLst>
       <p:ext uri="{BB962C8B-B14F-4D97-AF65-F5344CB8AC3E}">
-        <p14:creationId xmlns:p14="http://schemas.microsoft.com/office/powerpoint/2010/main" xmlns="" val="1648098640"/>
+        <p14:creationId xmlns="" xmlns:p14="http://schemas.microsoft.com/office/powerpoint/2010/main" val="1648098640"/>
       </p:ext>
     </p:extLst>
   </p:cSld>
@@ -15067,11 +14807,7 @@
             </a:r>
             <a:r>
               <a:rPr lang="fr-FR" b="1" dirty="0" smtClean="0"/>
-              <a:t>expressions </a:t>
-            </a:r>
-            <a:r>
-              <a:rPr lang="fr-FR" b="1" dirty="0" smtClean="0"/>
-              <a:t>lambda.</a:t>
+              <a:t>expressions lambda.</a:t>
             </a:r>
             <a:endParaRPr lang="fr-FR" b="1" dirty="0"/>
           </a:p>
@@ -15104,7 +14840,7 @@
     </p:spTree>
     <p:extLst>
       <p:ext uri="{BB962C8B-B14F-4D97-AF65-F5344CB8AC3E}">
-        <p14:creationId xmlns:p14="http://schemas.microsoft.com/office/powerpoint/2010/main" xmlns="" val="3945429968"/>
+        <p14:creationId xmlns="" xmlns:p14="http://schemas.microsoft.com/office/powerpoint/2010/main" val="3945429968"/>
       </p:ext>
     </p:extLst>
   </p:cSld>
@@ -15171,24 +14907,14 @@
           <a:p>
             <a:r>
               <a:rPr lang="fr-FR" dirty="0" smtClean="0"/>
-              <a:t>Les expressions lambda sont aujourd’hui utilisée massivement dans le Framework .</a:t>
-            </a:r>
-            <a:r>
-              <a:rPr lang="fr-FR" dirty="0" smtClean="0"/>
-              <a:t>NET.</a:t>
-            </a:r>
-            <a:endParaRPr lang="fr-FR" dirty="0" smtClean="0"/>
-          </a:p>
-          <a:p>
-            <a:r>
-              <a:rPr lang="fr-FR" dirty="0" smtClean="0"/>
-              <a:t>LINQ utilise les expressions </a:t>
-            </a:r>
-            <a:r>
-              <a:rPr lang="fr-FR" dirty="0" smtClean="0"/>
-              <a:t>lambda.</a:t>
-            </a:r>
-            <a:endParaRPr lang="fr-FR" dirty="0" smtClean="0"/>
+              <a:t>Les expressions lambda sont aujourd’hui utilisée massivement dans le Framework .NET.</a:t>
+            </a:r>
+          </a:p>
+          <a:p>
+            <a:r>
+              <a:rPr lang="fr-FR" dirty="0" smtClean="0"/>
+              <a:t>LINQ utilise les expressions lambda.</a:t>
+            </a:r>
           </a:p>
           <a:p>
             <a:r>
@@ -15203,16 +14929,11 @@
               <a:rPr lang="fr-FR" dirty="0" smtClean="0"/>
               <a:t>).</a:t>
             </a:r>
-            <a:endParaRPr lang="fr-FR" dirty="0" smtClean="0"/>
-          </a:p>
-          <a:p>
-            <a:r>
-              <a:rPr lang="fr-FR" dirty="0" smtClean="0"/>
-              <a:t>Permet de faire abstraction du </a:t>
-            </a:r>
-            <a:r>
-              <a:rPr lang="fr-FR" dirty="0" smtClean="0"/>
-              <a:t>type.</a:t>
+          </a:p>
+          <a:p>
+            <a:r>
+              <a:rPr lang="fr-FR" dirty="0" smtClean="0"/>
+              <a:t>Permet de faire abstraction du type.</a:t>
             </a:r>
             <a:endParaRPr lang="fr-FR" dirty="0"/>
           </a:p>
@@ -15245,7 +14966,7 @@
     </p:spTree>
     <p:extLst>
       <p:ext uri="{BB962C8B-B14F-4D97-AF65-F5344CB8AC3E}">
-        <p14:creationId xmlns:p14="http://schemas.microsoft.com/office/powerpoint/2010/main" xmlns="" val="3560096981"/>
+        <p14:creationId xmlns="" xmlns:p14="http://schemas.microsoft.com/office/powerpoint/2010/main" val="3560096981"/>
       </p:ext>
     </p:extLst>
   </p:cSld>
@@ -15450,7 +15171,7 @@
     </p:spTree>
     <p:extLst>
       <p:ext uri="{BB962C8B-B14F-4D97-AF65-F5344CB8AC3E}">
-        <p14:creationId xmlns:p14="http://schemas.microsoft.com/office/powerpoint/2010/main" xmlns="" val="107123144"/>
+        <p14:creationId xmlns="" xmlns:p14="http://schemas.microsoft.com/office/powerpoint/2010/main" val="107123144"/>
       </p:ext>
     </p:extLst>
   </p:cSld>
@@ -15554,13 +15275,8 @@
             <a:pPr algn="just"/>
             <a:r>
               <a:rPr lang="fr-FR" dirty="0" smtClean="0"/>
-              <a:t>Il est possible d’ajouter des commentaires « // », « /* » et « */ </a:t>
-            </a:r>
-            <a:r>
-              <a:rPr lang="fr-FR" dirty="0" smtClean="0"/>
-              <a:t>».</a:t>
-            </a:r>
-            <a:endParaRPr lang="fr-FR" dirty="0" smtClean="0"/>
+              <a:t>Il est possible d’ajouter des commentaires « // », « /* » et « */ ».</a:t>
+            </a:r>
           </a:p>
           <a:p>
             <a:endParaRPr lang="fr-FR" dirty="0" smtClean="0"/>
@@ -15600,7 +15316,7 @@
     </p:spTree>
     <p:extLst>
       <p:ext uri="{BB962C8B-B14F-4D97-AF65-F5344CB8AC3E}">
-        <p14:creationId xmlns:p14="http://schemas.microsoft.com/office/powerpoint/2010/main" xmlns="" val="3644943601"/>
+        <p14:creationId xmlns="" xmlns:p14="http://schemas.microsoft.com/office/powerpoint/2010/main" val="3644943601"/>
       </p:ext>
     </p:extLst>
   </p:cSld>
@@ -15737,7 +15453,7 @@
     </p:spTree>
     <p:extLst>
       <p:ext uri="{BB962C8B-B14F-4D97-AF65-F5344CB8AC3E}">
-        <p14:creationId xmlns:p14="http://schemas.microsoft.com/office/powerpoint/2010/main" xmlns="" val="1675400589"/>
+        <p14:creationId xmlns="" xmlns:p14="http://schemas.microsoft.com/office/powerpoint/2010/main" val="1675400589"/>
       </p:ext>
     </p:extLst>
   </p:cSld>
@@ -15818,37 +15534,22 @@
             <a:pPr lvl="1"/>
             <a:r>
               <a:rPr lang="fr-FR" dirty="0" smtClean="0"/>
-              <a:t>LINQ to XML permet de travailler avec des fichiers XML comme source de </a:t>
-            </a:r>
-            <a:r>
-              <a:rPr lang="fr-FR" dirty="0" smtClean="0"/>
-              <a:t>données.</a:t>
-            </a:r>
-            <a:endParaRPr lang="fr-FR" dirty="0" smtClean="0"/>
+              <a:t>LINQ to XML permet de travailler avec des fichiers XML comme source de données.</a:t>
+            </a:r>
           </a:p>
           <a:p>
             <a:pPr lvl="1"/>
             <a:r>
               <a:rPr lang="fr-FR" dirty="0" smtClean="0"/>
-              <a:t>LINQ to SQL permet de travailler avec des bases de données relationnelles comme source de </a:t>
-            </a:r>
-            <a:r>
-              <a:rPr lang="fr-FR" dirty="0" smtClean="0"/>
-              <a:t>données.</a:t>
-            </a:r>
-            <a:endParaRPr lang="fr-FR" dirty="0" smtClean="0"/>
+              <a:t>LINQ to SQL permet de travailler avec des bases de données relationnelles comme source de données.</a:t>
+            </a:r>
           </a:p>
           <a:p>
             <a:pPr lvl="1"/>
             <a:r>
               <a:rPr lang="fr-FR" dirty="0" smtClean="0"/>
-              <a:t>LINQ s’utilise aussi bien en asynchrone qu’en </a:t>
-            </a:r>
-            <a:r>
-              <a:rPr lang="fr-FR" dirty="0" smtClean="0"/>
-              <a:t>synchrone.</a:t>
-            </a:r>
-            <a:endParaRPr lang="fr-FR" dirty="0" smtClean="0"/>
+              <a:t>LINQ s’utilise aussi bien en asynchrone qu’en synchrone.</a:t>
+            </a:r>
           </a:p>
           <a:p>
             <a:pPr lvl="1"/>
@@ -15883,7 +15584,7 @@
     </p:spTree>
     <p:extLst>
       <p:ext uri="{BB962C8B-B14F-4D97-AF65-F5344CB8AC3E}">
-        <p14:creationId xmlns:p14="http://schemas.microsoft.com/office/powerpoint/2010/main" xmlns="" val="2602215498"/>
+        <p14:creationId xmlns="" xmlns:p14="http://schemas.microsoft.com/office/powerpoint/2010/main" val="2602215498"/>
       </p:ext>
     </p:extLst>
   </p:cSld>
@@ -15957,23 +15658,14 @@
             <a:pPr lvl="1"/>
             <a:r>
               <a:rPr lang="fr-FR" dirty="0" smtClean="0"/>
-              <a:t>Relation </a:t>
-            </a:r>
-            <a:r>
-              <a:rPr lang="fr-FR" dirty="0" smtClean="0"/>
-              <a:t>One-To-One.</a:t>
-            </a:r>
-            <a:endParaRPr lang="fr-FR" dirty="0" smtClean="0"/>
+              <a:t>Relation One-To-One.</a:t>
+            </a:r>
           </a:p>
           <a:p>
             <a:pPr lvl="1"/>
             <a:r>
               <a:rPr lang="fr-FR" dirty="0" smtClean="0"/>
-              <a:t>Relation </a:t>
-            </a:r>
-            <a:r>
-              <a:rPr lang="fr-FR" dirty="0" smtClean="0"/>
-              <a:t>One-To-</a:t>
+              <a:t>Relation One-To-</a:t>
             </a:r>
             <a:r>
               <a:rPr lang="fr-FR" dirty="0" err="1" smtClean="0"/>
@@ -15983,7 +15675,6 @@
               <a:rPr lang="fr-FR" dirty="0" smtClean="0"/>
               <a:t>.</a:t>
             </a:r>
-            <a:endParaRPr lang="fr-FR" dirty="0" smtClean="0"/>
           </a:p>
           <a:p>
             <a:pPr lvl="1"/>
@@ -16007,7 +15698,6 @@
               <a:rPr lang="fr-FR" dirty="0" smtClean="0"/>
               <a:t>.</a:t>
             </a:r>
-            <a:endParaRPr lang="fr-FR" dirty="0" smtClean="0"/>
           </a:p>
           <a:p>
             <a:endParaRPr lang="fr-FR" dirty="0" smtClean="0"/>
@@ -16048,7 +15738,7 @@
     </p:spTree>
     <p:extLst>
       <p:ext uri="{BB962C8B-B14F-4D97-AF65-F5344CB8AC3E}">
-        <p14:creationId xmlns:p14="http://schemas.microsoft.com/office/powerpoint/2010/main" xmlns="" val="1273487059"/>
+        <p14:creationId xmlns="" xmlns:p14="http://schemas.microsoft.com/office/powerpoint/2010/main" val="1273487059"/>
       </p:ext>
     </p:extLst>
   </p:cSld>
@@ -16130,37 +15820,22 @@
             <a:pPr lvl="1" algn="just"/>
             <a:r>
               <a:rPr lang="fr-FR" dirty="0" smtClean="0"/>
-              <a:t>Fournir aux développeurs un mappeur objet relationnel qui permet d’utiliser des données relationnelles à l’aide d’objet .</a:t>
-            </a:r>
-            <a:r>
-              <a:rPr lang="fr-FR" dirty="0" smtClean="0"/>
-              <a:t>Net.</a:t>
-            </a:r>
-            <a:endParaRPr lang="fr-FR" dirty="0" smtClean="0"/>
+              <a:t>Fournir aux développeurs un mappeur objet relationnel qui permet d’utiliser des données relationnelles à l’aide d’objet .Net.</a:t>
+            </a:r>
           </a:p>
           <a:p>
             <a:pPr lvl="1" algn="just"/>
             <a:r>
               <a:rPr lang="fr-FR" dirty="0" smtClean="0"/>
-              <a:t>Permettre de faire « quasi » abstraction du code que l’on doit généralement écrire quand on souhaite accéder à une source de </a:t>
-            </a:r>
-            <a:r>
-              <a:rPr lang="fr-FR" dirty="0" smtClean="0"/>
-              <a:t>donnée.</a:t>
-            </a:r>
-            <a:endParaRPr lang="fr-FR" dirty="0" smtClean="0"/>
+              <a:t>Permettre de faire « quasi » abstraction du code que l’on doit généralement écrire quand on souhaite accéder à une source de donnée.</a:t>
+            </a:r>
           </a:p>
           <a:p>
             <a:pPr algn="just"/>
             <a:r>
               <a:rPr lang="fr-FR" dirty="0" smtClean="0"/>
-              <a:t>EF n’est pas que compatible pour SQL Server, il peut fonctionner sur Oracle ou encore </a:t>
-            </a:r>
-            <a:r>
-              <a:rPr lang="fr-FR" dirty="0" smtClean="0"/>
-              <a:t>MySQL.</a:t>
-            </a:r>
-            <a:endParaRPr lang="fr-FR" dirty="0" smtClean="0"/>
+              <a:t>EF n’est pas que compatible pour SQL Server, il peut fonctionner sur Oracle ou encore MySQL.</a:t>
+            </a:r>
           </a:p>
           <a:p>
             <a:endParaRPr lang="fr-FR" dirty="0" smtClean="0"/>
@@ -16203,7 +15878,7 @@
           <a:blip r:embed="rId2" cstate="print">
             <a:extLst>
               <a:ext uri="{28A0092B-C50C-407E-A947-70E740481C1C}">
-                <a14:useLocalDpi xmlns:a14="http://schemas.microsoft.com/office/drawing/2010/main" xmlns="" val="0"/>
+                <a14:useLocalDpi xmlns="" xmlns:a14="http://schemas.microsoft.com/office/drawing/2010/main" val="0"/>
               </a:ext>
             </a:extLst>
           </a:blip>
@@ -16223,7 +15898,7 @@
           <a:noFill/>
           <a:extLst>
             <a:ext uri="{909E8E84-426E-40DD-AFC4-6F175D3DCCD1}">
-              <a14:hiddenFill xmlns:a14="http://schemas.microsoft.com/office/drawing/2010/main" xmlns="">
+              <a14:hiddenFill xmlns="" xmlns:a14="http://schemas.microsoft.com/office/drawing/2010/main">
                 <a:solidFill>
                   <a:srgbClr val="FFFFFF"/>
                 </a:solidFill>
@@ -16235,7 +15910,7 @@
     </p:spTree>
     <p:extLst>
       <p:ext uri="{BB962C8B-B14F-4D97-AF65-F5344CB8AC3E}">
-        <p14:creationId xmlns:p14="http://schemas.microsoft.com/office/powerpoint/2010/main" xmlns="" val="2765567578"/>
+        <p14:creationId xmlns="" xmlns:p14="http://schemas.microsoft.com/office/powerpoint/2010/main" val="2765567578"/>
       </p:ext>
     </p:extLst>
   </p:cSld>
@@ -16306,55 +15981,31 @@
           <a:p>
             <a:r>
               <a:rPr lang="fr-FR" dirty="0" smtClean="0"/>
-              <a:t>EF est totalement </a:t>
-            </a:r>
-            <a:r>
-              <a:rPr lang="fr-FR" dirty="0" smtClean="0"/>
-              <a:t>gratuit.</a:t>
-            </a:r>
-            <a:endParaRPr lang="fr-FR" dirty="0" smtClean="0"/>
-          </a:p>
-          <a:p>
-            <a:r>
-              <a:rPr lang="fr-FR" dirty="0" smtClean="0"/>
-              <a:t>Disponible dans les packages NUGET donc facile </a:t>
-            </a:r>
-            <a:r>
-              <a:rPr lang="fr-FR" dirty="0" smtClean="0"/>
-              <a:t>d’installation.</a:t>
-            </a:r>
-            <a:endParaRPr lang="fr-FR" dirty="0" smtClean="0"/>
-          </a:p>
-          <a:p>
-            <a:r>
-              <a:rPr lang="fr-FR" dirty="0" smtClean="0"/>
-              <a:t>Souvent mis à jour par la </a:t>
-            </a:r>
-            <a:r>
-              <a:rPr lang="fr-FR" dirty="0" smtClean="0"/>
-              <a:t>communauté.</a:t>
-            </a:r>
-            <a:endParaRPr lang="fr-FR" dirty="0" smtClean="0"/>
-          </a:p>
-          <a:p>
-            <a:r>
-              <a:rPr lang="fr-FR" dirty="0" smtClean="0"/>
-              <a:t>Recommandé par </a:t>
-            </a:r>
-            <a:r>
-              <a:rPr lang="fr-FR" dirty="0" smtClean="0"/>
-              <a:t>Microsoft.</a:t>
-            </a:r>
-            <a:endParaRPr lang="fr-FR" dirty="0" smtClean="0"/>
-          </a:p>
-          <a:p>
-            <a:r>
-              <a:rPr lang="fr-FR" dirty="0" smtClean="0"/>
-              <a:t>S’intègre dans n’importe quel type de projet (client léger, client lourd, application console, service, etc</a:t>
-            </a:r>
-            <a:r>
-              <a:rPr lang="fr-FR" dirty="0" smtClean="0"/>
-              <a:t>.).</a:t>
+              <a:t>EF est totalement gratuit.</a:t>
+            </a:r>
+          </a:p>
+          <a:p>
+            <a:r>
+              <a:rPr lang="fr-FR" dirty="0" smtClean="0"/>
+              <a:t>Disponible dans les packages NUGET donc facile d’installation.</a:t>
+            </a:r>
+          </a:p>
+          <a:p>
+            <a:r>
+              <a:rPr lang="fr-FR" dirty="0" smtClean="0"/>
+              <a:t>Souvent mis à jour par la communauté.</a:t>
+            </a:r>
+          </a:p>
+          <a:p>
+            <a:r>
+              <a:rPr lang="fr-FR" dirty="0" smtClean="0"/>
+              <a:t>Recommandé par Microsoft.</a:t>
+            </a:r>
+          </a:p>
+          <a:p>
+            <a:r>
+              <a:rPr lang="fr-FR" dirty="0" smtClean="0"/>
+              <a:t>S’intègre dans n’importe quel type de projet (client léger, client lourd, application console, service, etc.).</a:t>
             </a:r>
             <a:endParaRPr lang="fr-FR" dirty="0"/>
           </a:p>
@@ -16387,7 +16038,7 @@
     </p:spTree>
     <p:extLst>
       <p:ext uri="{BB962C8B-B14F-4D97-AF65-F5344CB8AC3E}">
-        <p14:creationId xmlns:p14="http://schemas.microsoft.com/office/powerpoint/2010/main" xmlns="" val="1781216584"/>
+        <p14:creationId xmlns="" xmlns:p14="http://schemas.microsoft.com/office/powerpoint/2010/main" val="1781216584"/>
       </p:ext>
     </p:extLst>
   </p:cSld>
@@ -16474,7 +16125,7 @@
           <a:blip r:embed="rId2" cstate="print">
             <a:extLst>
               <a:ext uri="{28A0092B-C50C-407E-A947-70E740481C1C}">
-                <a14:useLocalDpi xmlns:a14="http://schemas.microsoft.com/office/drawing/2010/main" xmlns="" val="0"/>
+                <a14:useLocalDpi xmlns="" xmlns:a14="http://schemas.microsoft.com/office/drawing/2010/main" val="0"/>
               </a:ext>
             </a:extLst>
           </a:blip>
@@ -16494,7 +16145,7 @@
           <a:noFill/>
           <a:extLst>
             <a:ext uri="{909E8E84-426E-40DD-AFC4-6F175D3DCCD1}">
-              <a14:hiddenFill xmlns:a14="http://schemas.microsoft.com/office/drawing/2010/main" xmlns="">
+              <a14:hiddenFill xmlns="" xmlns:a14="http://schemas.microsoft.com/office/drawing/2010/main">
                 <a:solidFill>
                   <a:srgbClr val="FFFFFF"/>
                 </a:solidFill>
@@ -16515,7 +16166,7 @@
           <a:blip r:embed="rId3" cstate="print">
             <a:extLst>
               <a:ext uri="{28A0092B-C50C-407E-A947-70E740481C1C}">
-                <a14:useLocalDpi xmlns:a14="http://schemas.microsoft.com/office/drawing/2010/main" xmlns="" val="0"/>
+                <a14:useLocalDpi xmlns="" xmlns:a14="http://schemas.microsoft.com/office/drawing/2010/main" val="0"/>
               </a:ext>
             </a:extLst>
           </a:blip>
@@ -16535,7 +16186,7 @@
           <a:noFill/>
           <a:extLst>
             <a:ext uri="{909E8E84-426E-40DD-AFC4-6F175D3DCCD1}">
-              <a14:hiddenFill xmlns:a14="http://schemas.microsoft.com/office/drawing/2010/main" xmlns="">
+              <a14:hiddenFill xmlns="" xmlns:a14="http://schemas.microsoft.com/office/drawing/2010/main">
                 <a:solidFill>
                   <a:srgbClr val="FFFFFF"/>
                 </a:solidFill>
@@ -16547,7 +16198,7 @@
     </p:spTree>
     <p:extLst>
       <p:ext uri="{BB962C8B-B14F-4D97-AF65-F5344CB8AC3E}">
-        <p14:creationId xmlns:p14="http://schemas.microsoft.com/office/powerpoint/2010/main" xmlns="" val="2219355507"/>
+        <p14:creationId xmlns="" xmlns:p14="http://schemas.microsoft.com/office/powerpoint/2010/main" val="2219355507"/>
       </p:ext>
     </p:extLst>
   </p:cSld>
@@ -16679,7 +16330,7 @@
     </p:spTree>
     <p:extLst>
       <p:ext uri="{BB962C8B-B14F-4D97-AF65-F5344CB8AC3E}">
-        <p14:creationId xmlns:p14="http://schemas.microsoft.com/office/powerpoint/2010/main" xmlns="" val="2773161799"/>
+        <p14:creationId xmlns="" xmlns:p14="http://schemas.microsoft.com/office/powerpoint/2010/main" val="2773161799"/>
       </p:ext>
     </p:extLst>
   </p:cSld>
@@ -16753,49 +16404,29 @@
             <a:pPr algn="just"/>
             <a:r>
               <a:rPr lang="fr-FR" dirty="0" smtClean="0"/>
-              <a:t>Approche consistant à utiliser une base existante pour générer un modèle de </a:t>
-            </a:r>
-            <a:r>
-              <a:rPr lang="fr-FR" dirty="0" smtClean="0"/>
-              <a:t>données.</a:t>
-            </a:r>
-            <a:endParaRPr lang="fr-FR" dirty="0" smtClean="0"/>
+              <a:t>Approche consistant à utiliser une base existante pour générer un modèle de données.</a:t>
+            </a:r>
           </a:p>
           <a:p>
             <a:pPr algn="just"/>
             <a:r>
               <a:rPr lang="fr-FR" dirty="0" smtClean="0"/>
-              <a:t>Utilisation de la vue </a:t>
-            </a:r>
-            <a:r>
-              <a:rPr lang="fr-FR" dirty="0" smtClean="0"/>
-              <a:t>Designer.</a:t>
-            </a:r>
-            <a:endParaRPr lang="fr-FR" dirty="0" smtClean="0"/>
+              <a:t>Utilisation de la vue Designer.</a:t>
+            </a:r>
           </a:p>
           <a:p>
             <a:pPr algn="just"/>
             <a:r>
               <a:rPr lang="fr-FR" dirty="0" smtClean="0"/>
-              <a:t>Création / génération d’un fichier au format </a:t>
-            </a:r>
-            <a:r>
-              <a:rPr lang="fr-FR" dirty="0" smtClean="0"/>
-              <a:t>EDMX.</a:t>
-            </a:r>
-            <a:endParaRPr lang="fr-FR" dirty="0" smtClean="0"/>
+              <a:t>Création / génération d’un fichier au format EDMX.</a:t>
+            </a:r>
           </a:p>
           <a:p>
             <a:pPr algn="just"/>
             <a:r>
               <a:rPr lang="fr-FR" dirty="0" smtClean="0"/>
-              <a:t>Possibilité de mettre à jour le modèle rapidement et </a:t>
-            </a:r>
-            <a:r>
-              <a:rPr lang="fr-FR" dirty="0" smtClean="0"/>
-              <a:t>facilement.</a:t>
-            </a:r>
-            <a:endParaRPr lang="fr-FR" dirty="0" smtClean="0"/>
+              <a:t>Possibilité de mettre à jour le modèle rapidement et facilement.</a:t>
+            </a:r>
           </a:p>
           <a:p>
             <a:pPr marL="0" indent="0" algn="just">
@@ -16841,7 +16472,7 @@
           <a:blip r:embed="rId2" cstate="print">
             <a:extLst>
               <a:ext uri="{28A0092B-C50C-407E-A947-70E740481C1C}">
-                <a14:useLocalDpi xmlns:a14="http://schemas.microsoft.com/office/drawing/2010/main" xmlns="" val="0"/>
+                <a14:useLocalDpi xmlns="" xmlns:a14="http://schemas.microsoft.com/office/drawing/2010/main" val="0"/>
               </a:ext>
             </a:extLst>
           </a:blip>
@@ -16861,7 +16492,7 @@
           <a:noFill/>
           <a:extLst>
             <a:ext uri="{909E8E84-426E-40DD-AFC4-6F175D3DCCD1}">
-              <a14:hiddenFill xmlns:a14="http://schemas.microsoft.com/office/drawing/2010/main" xmlns="">
+              <a14:hiddenFill xmlns="" xmlns:a14="http://schemas.microsoft.com/office/drawing/2010/main">
                 <a:solidFill>
                   <a:srgbClr val="FFFFFF"/>
                 </a:solidFill>
@@ -16873,7 +16504,7 @@
     </p:spTree>
     <p:extLst>
       <p:ext uri="{BB962C8B-B14F-4D97-AF65-F5344CB8AC3E}">
-        <p14:creationId xmlns:p14="http://schemas.microsoft.com/office/powerpoint/2010/main" xmlns="" val="1441882862"/>
+        <p14:creationId xmlns="" xmlns:p14="http://schemas.microsoft.com/office/powerpoint/2010/main" val="1441882862"/>
       </p:ext>
     </p:extLst>
   </p:cSld>
@@ -16957,13 +16588,8 @@
             <a:pPr lvl="1" algn="just"/>
             <a:r>
               <a:rPr lang="fr-FR" dirty="0" smtClean="0"/>
-              <a:t>Simple </a:t>
-            </a:r>
-            <a:r>
-              <a:rPr lang="fr-FR" dirty="0" smtClean="0"/>
-              <a:t>d’utilisation.</a:t>
-            </a:r>
-            <a:endParaRPr lang="fr-FR" dirty="0" smtClean="0"/>
+              <a:t>Simple d’utilisation.</a:t>
+            </a:r>
           </a:p>
           <a:p>
             <a:pPr lvl="1" algn="just"/>
@@ -16979,17 +16605,12 @@
               <a:rPr lang="fr-FR" dirty="0" smtClean="0"/>
               <a:t>données.</a:t>
             </a:r>
-            <a:endParaRPr lang="fr-FR" dirty="0" smtClean="0"/>
           </a:p>
           <a:p>
             <a:pPr lvl="1" algn="just"/>
             <a:r>
               <a:rPr lang="fr-FR" dirty="0" smtClean="0"/>
-              <a:t>Très populaire dans certaines sociétés ou la base est développée séparément de </a:t>
-            </a:r>
-            <a:r>
-              <a:rPr lang="fr-FR" dirty="0" smtClean="0"/>
-              <a:t>l’application.</a:t>
+              <a:t>Très populaire dans certaines sociétés ou la base est développée séparément de l’application.</a:t>
             </a:r>
             <a:endParaRPr lang="fr-FR" dirty="0"/>
           </a:p>
@@ -17023,7 +16644,6 @@
               <a:rPr lang="fr-FR" dirty="0" smtClean="0"/>
               <a:t>customiser.</a:t>
             </a:r>
-            <a:endParaRPr lang="fr-FR" dirty="0" smtClean="0"/>
           </a:p>
           <a:p>
             <a:pPr lvl="1" algn="just"/>
@@ -17043,7 +16663,6 @@
               <a:rPr lang="fr-FR" dirty="0" smtClean="0"/>
               <a:t>approfondie.</a:t>
             </a:r>
-            <a:endParaRPr lang="fr-FR" dirty="0" smtClean="0"/>
           </a:p>
           <a:p>
             <a:pPr lvl="1" algn="just"/>
@@ -17094,7 +16713,7 @@
     </p:spTree>
     <p:extLst>
       <p:ext uri="{BB962C8B-B14F-4D97-AF65-F5344CB8AC3E}">
-        <p14:creationId xmlns:p14="http://schemas.microsoft.com/office/powerpoint/2010/main" xmlns="" val="2560767987"/>
+        <p14:creationId xmlns="" xmlns:p14="http://schemas.microsoft.com/office/powerpoint/2010/main" val="2560767987"/>
       </p:ext>
     </p:extLst>
   </p:cSld>
@@ -17179,7 +16798,7 @@
           <a:blip r:embed="rId2" cstate="print">
             <a:extLst>
               <a:ext uri="{28A0092B-C50C-407E-A947-70E740481C1C}">
-                <a14:useLocalDpi xmlns:a14="http://schemas.microsoft.com/office/drawing/2010/main" xmlns="" val="0"/>
+                <a14:useLocalDpi xmlns="" xmlns:a14="http://schemas.microsoft.com/office/drawing/2010/main" val="0"/>
               </a:ext>
             </a:extLst>
           </a:blip>
@@ -17204,7 +16823,7 @@
           </a:ln>
           <a:extLst>
             <a:ext uri="{909E8E84-426E-40DD-AFC4-6F175D3DCCD1}">
-              <a14:hiddenFill xmlns:a14="http://schemas.microsoft.com/office/drawing/2010/main" xmlns="">
+              <a14:hiddenFill xmlns="" xmlns:a14="http://schemas.microsoft.com/office/drawing/2010/main">
                 <a:solidFill>
                   <a:srgbClr val="FFFFFF"/>
                 </a:solidFill>
@@ -17246,7 +16865,7 @@
     </p:spTree>
     <p:extLst>
       <p:ext uri="{BB962C8B-B14F-4D97-AF65-F5344CB8AC3E}">
-        <p14:creationId xmlns:p14="http://schemas.microsoft.com/office/powerpoint/2010/main" xmlns="" val="625068535"/>
+        <p14:creationId xmlns="" xmlns:p14="http://schemas.microsoft.com/office/powerpoint/2010/main" val="625068535"/>
       </p:ext>
     </p:extLst>
   </p:cSld>
@@ -17355,7 +16974,7 @@
     </p:spTree>
     <p:extLst>
       <p:ext uri="{BB962C8B-B14F-4D97-AF65-F5344CB8AC3E}">
-        <p14:creationId xmlns:p14="http://schemas.microsoft.com/office/powerpoint/2010/main" xmlns="" val="3242108011"/>
+        <p14:creationId xmlns="" xmlns:p14="http://schemas.microsoft.com/office/powerpoint/2010/main" val="3242108011"/>
       </p:ext>
     </p:extLst>
   </p:cSld>
@@ -17430,49 +17049,29 @@
             <a:pPr algn="just"/>
             <a:r>
               <a:rPr lang="fr-FR" dirty="0" smtClean="0"/>
-              <a:t>Approche consistant à développer son propre modèle de données afin de générer la base de données </a:t>
-            </a:r>
-            <a:r>
-              <a:rPr lang="fr-FR" dirty="0" smtClean="0"/>
-              <a:t>correspondante.</a:t>
-            </a:r>
-            <a:endParaRPr lang="fr-FR" dirty="0" smtClean="0"/>
+              <a:t>Approche consistant à développer son propre modèle de données afin de générer la base de données correspondante.</a:t>
+            </a:r>
           </a:p>
           <a:p>
             <a:pPr algn="just"/>
             <a:r>
               <a:rPr lang="fr-FR" dirty="0" smtClean="0"/>
-              <a:t>Pas nécessaire d’utiliser la vue </a:t>
-            </a:r>
-            <a:r>
-              <a:rPr lang="fr-FR" dirty="0" smtClean="0"/>
-              <a:t>Designer.</a:t>
-            </a:r>
-            <a:endParaRPr lang="fr-FR" dirty="0" smtClean="0"/>
+              <a:t>Pas nécessaire d’utiliser la vue Designer.</a:t>
+            </a:r>
           </a:p>
           <a:p>
             <a:pPr algn="just"/>
             <a:r>
               <a:rPr lang="fr-FR" dirty="0" smtClean="0"/>
-              <a:t>Contrôle total du modèle de </a:t>
-            </a:r>
-            <a:r>
-              <a:rPr lang="fr-FR" dirty="0" smtClean="0"/>
-              <a:t>données.</a:t>
-            </a:r>
-            <a:endParaRPr lang="fr-FR" dirty="0" smtClean="0"/>
+              <a:t>Contrôle total du modèle de données.</a:t>
+            </a:r>
           </a:p>
           <a:p>
             <a:pPr algn="just"/>
             <a:r>
               <a:rPr lang="fr-FR" dirty="0" smtClean="0"/>
-              <a:t>Génération automatique de la base de </a:t>
-            </a:r>
-            <a:r>
-              <a:rPr lang="fr-FR" dirty="0" smtClean="0"/>
-              <a:t>données.</a:t>
-            </a:r>
-            <a:endParaRPr lang="fr-FR" dirty="0" smtClean="0"/>
+              <a:t>Génération automatique de la base de données.</a:t>
+            </a:r>
           </a:p>
           <a:p>
             <a:endParaRPr lang="fr-FR" dirty="0"/>
@@ -17515,7 +17114,7 @@
           <a:blip r:embed="rId2" cstate="print">
             <a:extLst>
               <a:ext uri="{28A0092B-C50C-407E-A947-70E740481C1C}">
-                <a14:useLocalDpi xmlns:a14="http://schemas.microsoft.com/office/drawing/2010/main" xmlns="" val="0"/>
+                <a14:useLocalDpi xmlns="" xmlns:a14="http://schemas.microsoft.com/office/drawing/2010/main" val="0"/>
               </a:ext>
             </a:extLst>
           </a:blip>
@@ -17535,7 +17134,7 @@
           <a:noFill/>
           <a:extLst>
             <a:ext uri="{909E8E84-426E-40DD-AFC4-6F175D3DCCD1}">
-              <a14:hiddenFill xmlns:a14="http://schemas.microsoft.com/office/drawing/2010/main" xmlns="">
+              <a14:hiddenFill xmlns="" xmlns:a14="http://schemas.microsoft.com/office/drawing/2010/main">
                 <a:solidFill>
                   <a:srgbClr val="FFFFFF"/>
                 </a:solidFill>
@@ -17547,7 +17146,7 @@
     </p:spTree>
     <p:extLst>
       <p:ext uri="{BB962C8B-B14F-4D97-AF65-F5344CB8AC3E}">
-        <p14:creationId xmlns:p14="http://schemas.microsoft.com/office/powerpoint/2010/main" xmlns="" val="364565311"/>
+        <p14:creationId xmlns="" xmlns:p14="http://schemas.microsoft.com/office/powerpoint/2010/main" val="364565311"/>
       </p:ext>
     </p:extLst>
   </p:cSld>
@@ -17638,59 +17237,35 @@
             <a:pPr lvl="1" algn="just"/>
             <a:r>
               <a:rPr lang="fr-FR" dirty="0" smtClean="0"/>
-              <a:t>Contrôle du </a:t>
-            </a:r>
-            <a:r>
-              <a:rPr lang="fr-FR" dirty="0" smtClean="0"/>
-              <a:t>modèle.</a:t>
-            </a:r>
-            <a:endParaRPr lang="fr-FR" dirty="0" smtClean="0"/>
+              <a:t>Contrôle du modèle.</a:t>
+            </a:r>
           </a:p>
           <a:p>
             <a:pPr lvl="1" algn="just"/>
             <a:r>
               <a:rPr lang="fr-FR" dirty="0" smtClean="0"/>
-              <a:t>Possibilité de surcharger les classes </a:t>
-            </a:r>
-            <a:r>
-              <a:rPr lang="fr-FR" dirty="0" smtClean="0"/>
-              <a:t>facilement.</a:t>
-            </a:r>
-            <a:endParaRPr lang="fr-FR" dirty="0" smtClean="0"/>
+              <a:t>Possibilité de surcharger les classes facilement.</a:t>
+            </a:r>
           </a:p>
           <a:p>
             <a:pPr lvl="1" algn="just"/>
             <a:r>
               <a:rPr lang="fr-FR" dirty="0" smtClean="0"/>
-              <a:t>Pas de code généré, on génère la </a:t>
-            </a:r>
-            <a:r>
-              <a:rPr lang="fr-FR" dirty="0" smtClean="0"/>
-              <a:t>base.</a:t>
-            </a:r>
-            <a:endParaRPr lang="fr-FR" dirty="0" smtClean="0"/>
+              <a:t>Pas de code généré, on génère la base.</a:t>
+            </a:r>
           </a:p>
           <a:p>
             <a:pPr lvl="1" algn="just"/>
             <a:r>
               <a:rPr lang="fr-FR" dirty="0" smtClean="0"/>
-              <a:t>Très populaire dans le monde du développement, pas de designer, code C# </a:t>
-            </a:r>
-            <a:r>
-              <a:rPr lang="fr-FR" dirty="0" smtClean="0"/>
-              <a:t>classique.</a:t>
-            </a:r>
-            <a:endParaRPr lang="fr-FR" dirty="0" smtClean="0"/>
+              <a:t>Très populaire dans le monde du développement, pas de designer, code C# classique.</a:t>
+            </a:r>
           </a:p>
           <a:p>
             <a:pPr lvl="1" algn="just"/>
             <a:r>
               <a:rPr lang="fr-FR" dirty="0" smtClean="0"/>
-              <a:t>Très populaire dans certaines sociétés ou la base est développée séparément de </a:t>
-            </a:r>
-            <a:r>
-              <a:rPr lang="fr-FR" dirty="0" smtClean="0"/>
-              <a:t>l’application.</a:t>
+              <a:t>Très populaire dans certaines sociétés ou la base est développée séparément de l’application.</a:t>
             </a:r>
             <a:endParaRPr lang="fr-FR" dirty="0"/>
           </a:p>
@@ -17722,35 +17297,21 @@
             </a:r>
             <a:r>
               <a:rPr lang="fr-FR" dirty="0" smtClean="0"/>
-              <a:t>et plus long à mettre en </a:t>
-            </a:r>
-            <a:r>
-              <a:rPr lang="fr-FR" dirty="0" smtClean="0"/>
-              <a:t>place.</a:t>
-            </a:r>
-            <a:endParaRPr lang="fr-FR" dirty="0" smtClean="0"/>
+              <a:t>et plus long à mettre en place.</a:t>
+            </a:r>
           </a:p>
           <a:p>
             <a:pPr lvl="1" algn="just"/>
             <a:r>
               <a:rPr lang="fr-FR" dirty="0" smtClean="0"/>
-              <a:t>Les changements « manuels » en base doivent être répercuté manuellement sur votre </a:t>
-            </a:r>
-            <a:r>
-              <a:rPr lang="fr-FR" dirty="0" smtClean="0"/>
-              <a:t>code.</a:t>
-            </a:r>
-            <a:endParaRPr lang="fr-FR" dirty="0" smtClean="0"/>
+              <a:t>Les changements « manuels » en base doivent être répercuté manuellement sur votre code.</a:t>
+            </a:r>
           </a:p>
           <a:p>
             <a:pPr lvl="1" algn="just"/>
             <a:r>
               <a:rPr lang="fr-FR" dirty="0" smtClean="0"/>
-              <a:t>Plus « verbeux </a:t>
-            </a:r>
-            <a:r>
-              <a:rPr lang="fr-FR" dirty="0" smtClean="0"/>
-              <a:t>».</a:t>
+              <a:t>Plus « verbeux ».</a:t>
             </a:r>
             <a:endParaRPr lang="fr-FR" dirty="0"/>
           </a:p>
@@ -17786,7 +17347,7 @@
     </p:spTree>
     <p:extLst>
       <p:ext uri="{BB962C8B-B14F-4D97-AF65-F5344CB8AC3E}">
-        <p14:creationId xmlns:p14="http://schemas.microsoft.com/office/powerpoint/2010/main" xmlns="" val="149596315"/>
+        <p14:creationId xmlns="" xmlns:p14="http://schemas.microsoft.com/office/powerpoint/2010/main" val="149596315"/>
       </p:ext>
     </p:extLst>
   </p:cSld>
@@ -17864,13 +17425,8 @@
             <a:pPr lvl="1"/>
             <a:r>
               <a:rPr lang="fr-FR" dirty="0" smtClean="0"/>
-              <a:t>Utiliser l’API </a:t>
-            </a:r>
-            <a:r>
-              <a:rPr lang="fr-FR" dirty="0" smtClean="0"/>
-              <a:t>Fluent.</a:t>
-            </a:r>
-            <a:endParaRPr lang="fr-FR" dirty="0" smtClean="0"/>
+              <a:t>Utiliser l’API Fluent.</a:t>
+            </a:r>
           </a:p>
           <a:p>
             <a:pPr lvl="1"/>
@@ -17886,7 +17442,6 @@
               <a:rPr lang="fr-FR" dirty="0" smtClean="0"/>
               <a:t>.</a:t>
             </a:r>
-            <a:endParaRPr lang="fr-FR" dirty="0" smtClean="0"/>
           </a:p>
           <a:p>
             <a:endParaRPr lang="fr-FR" dirty="0"/>
@@ -17929,7 +17484,7 @@
     </p:spTree>
     <p:extLst>
       <p:ext uri="{BB962C8B-B14F-4D97-AF65-F5344CB8AC3E}">
-        <p14:creationId xmlns:p14="http://schemas.microsoft.com/office/powerpoint/2010/main" xmlns="" val="1154133640"/>
+        <p14:creationId xmlns="" xmlns:p14="http://schemas.microsoft.com/office/powerpoint/2010/main" val="1154133640"/>
       </p:ext>
     </p:extLst>
   </p:cSld>
@@ -18133,7 +17688,7 @@
     </p:spTree>
     <p:extLst>
       <p:ext uri="{BB962C8B-B14F-4D97-AF65-F5344CB8AC3E}">
-        <p14:creationId xmlns:p14="http://schemas.microsoft.com/office/powerpoint/2010/main" xmlns="" val="1194130574"/>
+        <p14:creationId xmlns="" xmlns:p14="http://schemas.microsoft.com/office/powerpoint/2010/main" val="1194130574"/>
       </p:ext>
     </p:extLst>
   </p:cSld>
@@ -18233,35 +17788,21 @@
             <a:pPr lvl="1"/>
             <a:r>
               <a:rPr lang="fr-FR" dirty="0" smtClean="0"/>
-              <a:t>Un client est une entité composé d’un identifiant auto-généré et d’un </a:t>
-            </a:r>
-            <a:r>
-              <a:rPr lang="fr-FR" dirty="0" smtClean="0"/>
-              <a:t>nom</a:t>
-            </a:r>
-            <a:endParaRPr lang="fr-FR" dirty="0" smtClean="0"/>
+              <a:t>Un client est une entité composé d’un identifiant auto-généré et d’un nom</a:t>
+            </a:r>
           </a:p>
           <a:p>
             <a:pPr lvl="1"/>
             <a:r>
               <a:rPr lang="fr-FR" dirty="0" smtClean="0"/>
-              <a:t>Un compte client est une entité composée d’un identifiant et d’un </a:t>
-            </a:r>
-            <a:r>
-              <a:rPr lang="fr-FR" dirty="0" smtClean="0"/>
-              <a:t>numéro</a:t>
-            </a:r>
-            <a:endParaRPr lang="fr-FR" dirty="0" smtClean="0"/>
+              <a:t>Un compte client est une entité composée d’un identifiant et d’un numéro</a:t>
+            </a:r>
           </a:p>
           <a:p>
             <a:pPr lvl="1"/>
             <a:r>
               <a:rPr lang="fr-FR" dirty="0" smtClean="0"/>
-              <a:t>Un client peut avoir plusieurs </a:t>
-            </a:r>
-            <a:r>
-              <a:rPr lang="fr-FR" dirty="0" smtClean="0"/>
-              <a:t>comptes</a:t>
+              <a:t>Un client peut avoir plusieurs comptes</a:t>
             </a:r>
             <a:endParaRPr lang="fr-FR" dirty="0"/>
           </a:p>
@@ -18414,7 +17955,7 @@
     </p:spTree>
     <p:extLst>
       <p:ext uri="{BB962C8B-B14F-4D97-AF65-F5344CB8AC3E}">
-        <p14:creationId xmlns:p14="http://schemas.microsoft.com/office/powerpoint/2010/main" xmlns="" val="1473964885"/>
+        <p14:creationId xmlns="" xmlns:p14="http://schemas.microsoft.com/office/powerpoint/2010/main" val="1473964885"/>
       </p:ext>
     </p:extLst>
   </p:cSld>
@@ -18512,7 +18053,6 @@
               <a:rPr lang="fr-FR" b="1" dirty="0" smtClean="0"/>
               <a:t>.</a:t>
             </a:r>
-            <a:endParaRPr lang="fr-FR" b="1" dirty="0" smtClean="0"/>
           </a:p>
           <a:p>
             <a:pPr algn="just"/>
@@ -18526,13 +18066,8 @@
             </a:r>
             <a:r>
               <a:rPr lang="fr-FR" dirty="0" smtClean="0"/>
-              <a:t> permet de spécifier si l’id sera auto-incrément ou non (par défaut il l’est</a:t>
-            </a:r>
-            <a:r>
-              <a:rPr lang="fr-FR" dirty="0" smtClean="0"/>
-              <a:t>).</a:t>
-            </a:r>
-            <a:endParaRPr lang="fr-FR" dirty="0" smtClean="0"/>
+              <a:t> permet de spécifier si l’id sera auto-incrément ou non (par défaut il l’est).</a:t>
+            </a:r>
           </a:p>
           <a:p>
             <a:pPr algn="just"/>
@@ -18542,11 +18077,7 @@
             </a:r>
             <a:r>
               <a:rPr lang="fr-FR" dirty="0" smtClean="0"/>
-              <a:t> ne créera pas le champ en </a:t>
-            </a:r>
-            <a:r>
-              <a:rPr lang="fr-FR" dirty="0" smtClean="0"/>
-              <a:t>base.</a:t>
+              <a:t> ne créera pas le champ en base.</a:t>
             </a:r>
             <a:endParaRPr lang="fr-FR" dirty="0"/>
           </a:p>
@@ -18697,7 +18228,7 @@
     </p:spTree>
     <p:extLst>
       <p:ext uri="{BB962C8B-B14F-4D97-AF65-F5344CB8AC3E}">
-        <p14:creationId xmlns:p14="http://schemas.microsoft.com/office/powerpoint/2010/main" xmlns="" val="2429434210"/>
+        <p14:creationId xmlns="" xmlns:p14="http://schemas.microsoft.com/office/powerpoint/2010/main" val="2429434210"/>
       </p:ext>
     </p:extLst>
   </p:cSld>
@@ -18779,19 +18310,13 @@
               <a:rPr lang="fr-FR" dirty="0" smtClean="0"/>
               <a:t>.</a:t>
             </a:r>
-            <a:endParaRPr lang="fr-FR" dirty="0" smtClean="0"/>
           </a:p>
           <a:p>
             <a:pPr algn="just"/>
             <a:r>
               <a:rPr lang="fr-FR" dirty="0" smtClean="0"/>
-              <a:t>Elle offre cependant plus de fonctionnalité en terme de </a:t>
-            </a:r>
-            <a:r>
-              <a:rPr lang="fr-FR" dirty="0" smtClean="0"/>
-              <a:t>configuration.</a:t>
-            </a:r>
-            <a:endParaRPr lang="fr-FR" dirty="0" smtClean="0"/>
+              <a:t>Elle offre cependant plus de fonctionnalité en terme de configuration.</a:t>
+            </a:r>
           </a:p>
           <a:p>
             <a:pPr algn="just"/>
@@ -18821,13 +18346,8 @@
             </a:r>
             <a:r>
               <a:rPr lang="fr-FR" dirty="0" smtClean="0"/>
-              <a:t> </a:t>
-            </a:r>
-            <a:r>
-              <a:rPr lang="fr-FR" dirty="0" smtClean="0"/>
-              <a:t>».</a:t>
-            </a:r>
-            <a:endParaRPr lang="fr-FR" dirty="0" smtClean="0"/>
+              <a:t> ».</a:t>
+            </a:r>
           </a:p>
           <a:p>
             <a:pPr algn="just"/>
@@ -18890,7 +18410,7 @@
     </p:spTree>
     <p:extLst>
       <p:ext uri="{BB962C8B-B14F-4D97-AF65-F5344CB8AC3E}">
-        <p14:creationId xmlns:p14="http://schemas.microsoft.com/office/powerpoint/2010/main" xmlns="" val="4026258145"/>
+        <p14:creationId xmlns="" xmlns:p14="http://schemas.microsoft.com/office/powerpoint/2010/main" val="4026258145"/>
       </p:ext>
     </p:extLst>
   </p:cSld>
@@ -19027,11 +18547,7 @@
             <a:pPr algn="just"/>
             <a:r>
               <a:rPr lang="fr-FR" dirty="0" smtClean="0"/>
-              <a:t>Une classe pour définir l’entité </a:t>
-            </a:r>
-            <a:r>
-              <a:rPr lang="fr-FR" dirty="0" smtClean="0"/>
-              <a:t>Client.</a:t>
+              <a:t>Une classe pour définir l’entité Client.</a:t>
             </a:r>
             <a:endParaRPr lang="fr-FR" b="1" dirty="0" smtClean="0"/>
           </a:p>
@@ -19047,11 +18563,7 @@
             </a:r>
             <a:r>
               <a:rPr lang="fr-FR" dirty="0" smtClean="0"/>
-              <a:t> » avec l’API </a:t>
-            </a:r>
-            <a:r>
-              <a:rPr lang="fr-FR" dirty="0" smtClean="0"/>
-              <a:t>Fluent.</a:t>
+              <a:t> » avec l’API Fluent.</a:t>
             </a:r>
             <a:endParaRPr lang="fr-FR" dirty="0"/>
           </a:p>
@@ -19059,13 +18571,8 @@
             <a:pPr algn="just"/>
             <a:r>
               <a:rPr lang="fr-FR" dirty="0" smtClean="0"/>
-              <a:t>L’API Fluent est prioritaire par rapport aux </a:t>
-            </a:r>
-            <a:r>
-              <a:rPr lang="fr-FR" dirty="0" smtClean="0"/>
-              <a:t>annotations.</a:t>
-            </a:r>
-            <a:endParaRPr lang="fr-FR" dirty="0" smtClean="0"/>
+              <a:t>L’API Fluent est prioritaire par rapport aux annotations.</a:t>
+            </a:r>
           </a:p>
         </p:txBody>
       </p:sp>
@@ -19118,7 +18625,7 @@
     </p:spTree>
     <p:extLst>
       <p:ext uri="{BB962C8B-B14F-4D97-AF65-F5344CB8AC3E}">
-        <p14:creationId xmlns:p14="http://schemas.microsoft.com/office/powerpoint/2010/main" xmlns="" val="142401814"/>
+        <p14:creationId xmlns="" xmlns:p14="http://schemas.microsoft.com/office/powerpoint/2010/main" val="142401814"/>
       </p:ext>
     </p:extLst>
   </p:cSld>
@@ -19226,13 +18733,8 @@
             <a:pPr algn="just"/>
             <a:r>
               <a:rPr lang="fr-FR" dirty="0" smtClean="0"/>
-              <a:t>Idem que dans la diapositive </a:t>
-            </a:r>
-            <a:r>
-              <a:rPr lang="fr-FR" dirty="0" smtClean="0"/>
-              <a:t>précédente.</a:t>
-            </a:r>
-            <a:endParaRPr lang="fr-FR" dirty="0" smtClean="0"/>
+              <a:t>Idem que dans la diapositive précédente.</a:t>
+            </a:r>
           </a:p>
           <a:p>
             <a:pPr algn="just"/>
@@ -19260,7 +18762,6 @@
               <a:rPr lang="fr-FR" dirty="0" smtClean="0"/>
               <a:t>).</a:t>
             </a:r>
-            <a:endParaRPr lang="fr-FR" dirty="0" smtClean="0"/>
           </a:p>
         </p:txBody>
       </p:sp>
@@ -19342,7 +18843,7 @@
     </p:spTree>
     <p:extLst>
       <p:ext uri="{BB962C8B-B14F-4D97-AF65-F5344CB8AC3E}">
-        <p14:creationId xmlns:p14="http://schemas.microsoft.com/office/powerpoint/2010/main" xmlns="" val="225527813"/>
+        <p14:creationId xmlns="" xmlns:p14="http://schemas.microsoft.com/office/powerpoint/2010/main" val="225527813"/>
       </p:ext>
     </p:extLst>
   </p:cSld>
@@ -19438,13 +18939,8 @@
             <a:pPr algn="just"/>
             <a:r>
               <a:rPr lang="fr-FR" dirty="0" smtClean="0"/>
-              <a:t>La notion de contexte est expliquée juste </a:t>
-            </a:r>
-            <a:r>
-              <a:rPr lang="fr-FR" dirty="0" smtClean="0"/>
-              <a:t>après.</a:t>
-            </a:r>
-            <a:endParaRPr lang="fr-FR" dirty="0" smtClean="0"/>
+              <a:t>La notion de contexte est expliquée juste après.</a:t>
+            </a:r>
           </a:p>
           <a:p>
             <a:pPr algn="just"/>
@@ -19562,7 +19058,7 @@
     </p:spTree>
     <p:extLst>
       <p:ext uri="{BB962C8B-B14F-4D97-AF65-F5344CB8AC3E}">
-        <p14:creationId xmlns:p14="http://schemas.microsoft.com/office/powerpoint/2010/main" xmlns="" val="1186536252"/>
+        <p14:creationId xmlns="" xmlns:p14="http://schemas.microsoft.com/office/powerpoint/2010/main" val="1186536252"/>
       </p:ext>
     </p:extLst>
   </p:cSld>
@@ -19802,7 +19298,6 @@
               <a:rPr lang="fr-FR" dirty="0" smtClean="0"/>
               <a:t>.</a:t>
             </a:r>
-            <a:endParaRPr lang="fr-FR" dirty="0" smtClean="0"/>
           </a:p>
           <a:p>
             <a:pPr algn="just"/>
@@ -19816,23 +19311,14 @@
             </a:r>
             <a:r>
               <a:rPr lang="fr-FR" dirty="0" smtClean="0"/>
-              <a:t> du </a:t>
-            </a:r>
-            <a:r>
-              <a:rPr lang="fr-FR" dirty="0" smtClean="0"/>
-              <a:t>Framework.</a:t>
-            </a:r>
-            <a:endParaRPr lang="fr-FR" dirty="0" smtClean="0"/>
+              <a:t> du Framework.</a:t>
+            </a:r>
           </a:p>
           <a:p>
             <a:pPr algn="just"/>
             <a:r>
               <a:rPr lang="fr-FR" dirty="0" smtClean="0"/>
-              <a:t>Permet de créer / se connecter à la base et de récupérer / insérer / mettre à jour des </a:t>
-            </a:r>
-            <a:r>
-              <a:rPr lang="fr-FR" dirty="0" smtClean="0"/>
-              <a:t>éléments.</a:t>
+              <a:t>Permet de créer / se connecter à la base et de récupérer / insérer / mettre à jour des éléments.</a:t>
             </a:r>
             <a:endParaRPr lang="fr-FR" dirty="0"/>
           </a:p>
@@ -20115,7 +19601,6 @@
               <a:rPr lang="fr-FR" b="1" dirty="0" smtClean="0"/>
               <a:t>.</a:t>
             </a:r>
-            <a:endParaRPr lang="fr-FR" b="1" dirty="0" smtClean="0"/>
           </a:p>
           <a:p>
             <a:pPr algn="just"/>
@@ -20129,13 +19614,8 @@
             </a:r>
             <a:r>
               <a:rPr lang="fr-FR" dirty="0" smtClean="0"/>
-              <a:t> par défaut avec le nom de la chaine de connexion à </a:t>
-            </a:r>
-            <a:r>
-              <a:rPr lang="fr-FR" dirty="0" smtClean="0"/>
-              <a:t>utiliser.</a:t>
-            </a:r>
-            <a:endParaRPr lang="fr-FR" dirty="0" smtClean="0"/>
+              <a:t> par défaut avec le nom de la chaine de connexion à utiliser.</a:t>
+            </a:r>
           </a:p>
           <a:p>
             <a:pPr algn="just"/>
@@ -20157,11 +19637,7 @@
             </a:r>
             <a:r>
               <a:rPr lang="fr-FR" dirty="0" smtClean="0"/>
-              <a:t>) pour se connecter aux tables (une par entité</a:t>
-            </a:r>
-            <a:r>
-              <a:rPr lang="fr-FR" dirty="0" smtClean="0"/>
-              <a:t>).</a:t>
+              <a:t>) pour se connecter aux tables (une par entité).</a:t>
             </a:r>
             <a:endParaRPr lang="fr-FR" dirty="0"/>
           </a:p>
@@ -20194,7 +19670,7 @@
     </p:spTree>
     <p:extLst>
       <p:ext uri="{BB962C8B-B14F-4D97-AF65-F5344CB8AC3E}">
-        <p14:creationId xmlns:p14="http://schemas.microsoft.com/office/powerpoint/2010/main" xmlns="" val="240503920"/>
+        <p14:creationId xmlns="" xmlns:p14="http://schemas.microsoft.com/office/powerpoint/2010/main" val="240503920"/>
       </p:ext>
     </p:extLst>
   </p:cSld>
@@ -20280,13 +19756,8 @@
             </a:r>
             <a:r>
               <a:rPr lang="fr-FR" dirty="0" smtClean="0"/>
-              <a:t> pour </a:t>
-            </a:r>
-            <a:r>
-              <a:rPr lang="fr-FR" dirty="0" smtClean="0"/>
-              <a:t>fonctionner.</a:t>
-            </a:r>
-            <a:endParaRPr lang="fr-FR" dirty="0" smtClean="0"/>
+              <a:t> pour fonctionner.</a:t>
+            </a:r>
           </a:p>
           <a:p>
             <a:r>
@@ -20299,24 +19770,14 @@
             </a:r>
             <a:r>
               <a:rPr lang="fr-FR" dirty="0" smtClean="0"/>
-              <a:t> permet de déterminer la chaine de connexion et quelques paramètres de bases </a:t>
-            </a:r>
-            <a:r>
-              <a:rPr lang="fr-FR" dirty="0" smtClean="0"/>
-              <a:t>d’EF.</a:t>
-            </a:r>
-            <a:endParaRPr lang="fr-FR" dirty="0" smtClean="0"/>
-          </a:p>
-          <a:p>
-            <a:r>
-              <a:rPr lang="fr-FR" dirty="0" smtClean="0"/>
-              <a:t>Fichier </a:t>
-            </a:r>
-            <a:r>
-              <a:rPr lang="fr-FR" dirty="0" smtClean="0"/>
-              <a:t>XML.</a:t>
-            </a:r>
-            <a:endParaRPr lang="fr-FR" dirty="0" smtClean="0"/>
+              <a:t> permet de déterminer la chaine de connexion et quelques paramètres de bases d’EF.</a:t>
+            </a:r>
+          </a:p>
+          <a:p>
+            <a:r>
+              <a:rPr lang="fr-FR" dirty="0" smtClean="0"/>
+              <a:t>Fichier XML.</a:t>
+            </a:r>
           </a:p>
           <a:p>
             <a:endParaRPr lang="fr-FR" dirty="0"/>
@@ -20417,7 +19878,7 @@
     </p:spTree>
     <p:extLst>
       <p:ext uri="{BB962C8B-B14F-4D97-AF65-F5344CB8AC3E}">
-        <p14:creationId xmlns:p14="http://schemas.microsoft.com/office/powerpoint/2010/main" xmlns="" val="2572779318"/>
+        <p14:creationId xmlns="" xmlns:p14="http://schemas.microsoft.com/office/powerpoint/2010/main" val="2572779318"/>
       </p:ext>
     </p:extLst>
   </p:cSld>
@@ -20491,13 +19952,8 @@
             <a:pPr lvl="1"/>
             <a:r>
               <a:rPr lang="fr-FR" dirty="0" smtClean="0"/>
-              <a:t>Un contexte avec une </a:t>
-            </a:r>
-            <a:r>
-              <a:rPr lang="fr-FR" dirty="0" smtClean="0"/>
-              <a:t>configuration.</a:t>
-            </a:r>
-            <a:endParaRPr lang="fr-FR" dirty="0" smtClean="0"/>
+              <a:t>Un contexte avec une configuration.</a:t>
+            </a:r>
           </a:p>
           <a:p>
             <a:pPr lvl="1"/>
@@ -20513,31 +19969,20 @@
               <a:rPr lang="fr-FR" dirty="0" smtClean="0"/>
               <a:t>.</a:t>
             </a:r>
-            <a:endParaRPr lang="fr-FR" dirty="0" smtClean="0"/>
           </a:p>
           <a:p>
             <a:pPr lvl="1"/>
             <a:r>
               <a:rPr lang="fr-FR" dirty="0" smtClean="0"/>
-              <a:t>Des manipulations diverses des collections définies dans le contexte et correspondant à ce qu’il y a en </a:t>
-            </a:r>
-            <a:r>
-              <a:rPr lang="fr-FR" dirty="0" smtClean="0"/>
-              <a:t>base.</a:t>
-            </a:r>
-            <a:endParaRPr lang="fr-FR" dirty="0" smtClean="0"/>
+              <a:t>Des manipulations diverses des collections définies dans le contexte et correspondant à ce qu’il y a en base.</a:t>
+            </a:r>
           </a:p>
           <a:p>
             <a:pPr lvl="1"/>
             <a:r>
               <a:rPr lang="fr-FR" dirty="0" smtClean="0"/>
-              <a:t>D’éventuels ajouts / suppressions ou modifications de </a:t>
-            </a:r>
-            <a:r>
-              <a:rPr lang="fr-FR" dirty="0" smtClean="0"/>
-              <a:t>données.</a:t>
-            </a:r>
-            <a:endParaRPr lang="fr-FR" dirty="0" smtClean="0"/>
+              <a:t>D’éventuels ajouts / suppressions ou modifications de données.</a:t>
+            </a:r>
           </a:p>
           <a:p>
             <a:endParaRPr lang="fr-FR" dirty="0"/>
@@ -20545,11 +19990,7 @@
           <a:p>
             <a:r>
               <a:rPr lang="fr-FR" dirty="0" smtClean="0"/>
-              <a:t>Voir solution Visual Studio fournie en </a:t>
-            </a:r>
-            <a:r>
-              <a:rPr lang="fr-FR" dirty="0" smtClean="0"/>
-              <a:t>annexe.</a:t>
+              <a:t>Voir solution Visual Studio fournie en annexe.</a:t>
             </a:r>
             <a:endParaRPr lang="fr-FR" dirty="0"/>
           </a:p>
@@ -20582,7 +20023,7 @@
     </p:spTree>
     <p:extLst>
       <p:ext uri="{BB962C8B-B14F-4D97-AF65-F5344CB8AC3E}">
-        <p14:creationId xmlns:p14="http://schemas.microsoft.com/office/powerpoint/2010/main" xmlns="" val="104000224"/>
+        <p14:creationId xmlns="" xmlns:p14="http://schemas.microsoft.com/office/powerpoint/2010/main" val="104000224"/>
       </p:ext>
     </p:extLst>
   </p:cSld>
@@ -20673,13 +20114,8 @@
             <a:pPr lvl="1"/>
             <a:r>
               <a:rPr lang="fr-FR" dirty="0" smtClean="0"/>
-              <a:t>Notion de requête synchrone, sauvegarde </a:t>
-            </a:r>
-            <a:r>
-              <a:rPr lang="fr-FR" dirty="0" smtClean="0"/>
-              <a:t>asynchrone.</a:t>
-            </a:r>
-            <a:endParaRPr lang="fr-FR" dirty="0" smtClean="0"/>
+              <a:t>Notion de requête synchrone, sauvegarde asynchrone.</a:t>
+            </a:r>
           </a:p>
           <a:p>
             <a:pPr lvl="1"/>
@@ -20687,7 +20123,6 @@
               <a:rPr lang="fr-FR" dirty="0" smtClean="0"/>
               <a:t>Intercepteur.</a:t>
             </a:r>
-            <a:endParaRPr lang="fr-FR" dirty="0" smtClean="0"/>
           </a:p>
           <a:p>
             <a:pPr lvl="1"/>
@@ -20719,19 +20154,13 @@
               <a:rPr lang="fr-FR" dirty="0" smtClean="0"/>
               <a:t>.</a:t>
             </a:r>
-            <a:endParaRPr lang="fr-FR" dirty="0" smtClean="0"/>
           </a:p>
           <a:p>
             <a:pPr lvl="1"/>
             <a:r>
               <a:rPr lang="fr-FR" dirty="0" smtClean="0"/>
-              <a:t>Optimisations </a:t>
-            </a:r>
-            <a:r>
-              <a:rPr lang="fr-FR" dirty="0" smtClean="0"/>
-              <a:t>possibles.</a:t>
-            </a:r>
-            <a:endParaRPr lang="fr-FR" dirty="0" smtClean="0"/>
+              <a:t>Optimisations possibles.</a:t>
+            </a:r>
           </a:p>
           <a:p>
             <a:pPr lvl="1"/>
@@ -20773,7 +20202,7 @@
     </p:spTree>
     <p:extLst>
       <p:ext uri="{BB962C8B-B14F-4D97-AF65-F5344CB8AC3E}">
-        <p14:creationId xmlns:p14="http://schemas.microsoft.com/office/powerpoint/2010/main" xmlns="" val="998313499"/>
+        <p14:creationId xmlns="" xmlns:p14="http://schemas.microsoft.com/office/powerpoint/2010/main" val="998313499"/>
       </p:ext>
     </p:extLst>
   </p:cSld>
@@ -20817,7 +20246,11 @@
           <a:p>
             <a:r>
               <a:rPr lang="fr-FR" dirty="0" smtClean="0"/>
-              <a:t>Quelques patrons de conception</a:t>
+              <a:t>Business Logic </a:t>
+            </a:r>
+            <a:r>
+              <a:rPr lang="fr-FR" dirty="0" smtClean="0"/>
+              <a:t>Layer</a:t>
             </a:r>
             <a:endParaRPr lang="fr-FR" dirty="0"/>
           </a:p>
@@ -20836,59 +20269,26 @@
         <p:spPr/>
         <p:txBody>
           <a:bodyPr>
-            <a:normAutofit lnSpcReduction="10000"/>
+            <a:normAutofit/>
           </a:bodyPr>
           <a:lstStyle/>
           <a:p>
-            <a:r>
-              <a:rPr lang="fr-FR" dirty="0" smtClean="0"/>
-              <a:t>En plus d’utiliser Entity Framework, il est possible d’utiliser différents patrons de conceptions pour améliorer l’architecture logicielle :</a:t>
-            </a:r>
-          </a:p>
-          <a:p>
-            <a:pPr lvl="1"/>
-            <a:r>
-              <a:rPr lang="fr-FR" dirty="0" err="1" smtClean="0"/>
-              <a:t>Query</a:t>
-            </a:r>
-            <a:r>
-              <a:rPr lang="fr-FR" dirty="0" smtClean="0"/>
-              <a:t> – </a:t>
-            </a:r>
-            <a:r>
-              <a:rPr lang="fr-FR" dirty="0" smtClean="0"/>
-              <a:t>Command.</a:t>
-            </a:r>
-            <a:endParaRPr lang="fr-FR" dirty="0" smtClean="0"/>
-          </a:p>
-          <a:p>
-            <a:pPr lvl="1"/>
-            <a:r>
-              <a:rPr lang="fr-FR" dirty="0" smtClean="0"/>
-              <a:t>Bridge.</a:t>
-            </a:r>
-            <a:endParaRPr lang="fr-FR" dirty="0" smtClean="0"/>
-          </a:p>
-          <a:p>
-            <a:pPr lvl="1"/>
-            <a:r>
-              <a:rPr lang="fr-FR" dirty="0" err="1" smtClean="0"/>
-              <a:t>Repository</a:t>
-            </a:r>
-            <a:r>
-              <a:rPr lang="fr-FR" dirty="0" smtClean="0"/>
-              <a:t>.</a:t>
-            </a:r>
-            <a:endParaRPr lang="fr-FR" dirty="0" smtClean="0"/>
-          </a:p>
-          <a:p>
-            <a:pPr lvl="1"/>
-            <a:endParaRPr lang="fr-FR" dirty="0"/>
-          </a:p>
-          <a:p>
-            <a:r>
-              <a:rPr lang="fr-FR" dirty="0" smtClean="0"/>
-              <a:t>Le but de ces patrons est d’éviter l’utilisation du contexte Entity Framework directement dans des contrôleurs, des </a:t>
+            <a:pPr algn="just"/>
+            <a:r>
+              <a:rPr lang="fr-FR" dirty="0" smtClean="0"/>
+              <a:t>Le </a:t>
+            </a:r>
+            <a:r>
+              <a:rPr lang="fr-FR" dirty="0" smtClean="0"/>
+              <a:t>but de </a:t>
+            </a:r>
+            <a:r>
+              <a:rPr lang="fr-FR" dirty="0" smtClean="0"/>
+              <a:t>cette couche est </a:t>
+            </a:r>
+            <a:r>
+              <a:rPr lang="fr-FR" dirty="0" smtClean="0"/>
+              <a:t>d’éviter l’utilisation du contexte Entity Framework directement dans des contrôleurs, des </a:t>
             </a:r>
             <a:r>
               <a:rPr lang="fr-FR" dirty="0" err="1" smtClean="0"/>
@@ -20908,37 +20308,42 @@
             </a:r>
           </a:p>
           <a:p>
-            <a:r>
-              <a:rPr lang="fr-FR" dirty="0" smtClean="0"/>
-              <a:t>Permet de factoriser du </a:t>
-            </a:r>
-            <a:r>
-              <a:rPr lang="fr-FR" dirty="0" smtClean="0"/>
-              <a:t>code.</a:t>
+            <a:pPr algn="just"/>
+            <a:r>
+              <a:rPr lang="fr-FR" dirty="0" smtClean="0"/>
+              <a:t>Permet de factoriser du code.</a:t>
+            </a:r>
+          </a:p>
+          <a:p>
+            <a:pPr algn="just"/>
+            <a:r>
+              <a:rPr lang="fr-FR" dirty="0" smtClean="0"/>
+              <a:t>Couche d’accès aux données plus facilement </a:t>
+            </a:r>
+            <a:r>
+              <a:rPr lang="fr-FR" dirty="0" smtClean="0"/>
+              <a:t>réutilisable et ce peu importe le type d’application (client léger ou client lourd).</a:t>
             </a:r>
             <a:endParaRPr lang="fr-FR" dirty="0" smtClean="0"/>
           </a:p>
           <a:p>
-            <a:r>
-              <a:rPr lang="fr-FR" dirty="0" smtClean="0"/>
-              <a:t>Couche d’accès aux données plus facilement </a:t>
-            </a:r>
-            <a:r>
-              <a:rPr lang="fr-FR" dirty="0" smtClean="0"/>
-              <a:t>réutilisable.</a:t>
+            <a:pPr algn="just"/>
+            <a:r>
+              <a:rPr lang="fr-FR" dirty="0" smtClean="0"/>
+              <a:t>Gain de temps</a:t>
+            </a:r>
+            <a:r>
+              <a:rPr lang="fr-FR" dirty="0" smtClean="0"/>
+              <a:t>.</a:t>
+            </a:r>
+          </a:p>
+          <a:p>
+            <a:pPr algn="just"/>
+            <a:r>
+              <a:rPr lang="fr-FR" dirty="0" smtClean="0"/>
+              <a:t>Existence de nombreux patrons de conceptions pour pallier à cette couche.</a:t>
             </a:r>
             <a:endParaRPr lang="fr-FR" dirty="0" smtClean="0"/>
-          </a:p>
-          <a:p>
-            <a:r>
-              <a:rPr lang="fr-FR" dirty="0" smtClean="0"/>
-              <a:t>Gain de </a:t>
-            </a:r>
-            <a:r>
-              <a:rPr lang="fr-FR" dirty="0" smtClean="0"/>
-              <a:t>temps.</a:t>
-            </a:r>
-            <a:endParaRPr lang="fr-FR" dirty="0"/>
           </a:p>
         </p:txBody>
       </p:sp>
@@ -20969,7 +20374,7 @@
     </p:spTree>
     <p:extLst>
       <p:ext uri="{BB962C8B-B14F-4D97-AF65-F5344CB8AC3E}">
-        <p14:creationId xmlns:p14="http://schemas.microsoft.com/office/powerpoint/2010/main" xmlns="" val="2660556772"/>
+        <p14:creationId xmlns="" xmlns:p14="http://schemas.microsoft.com/office/powerpoint/2010/main" val="2660556772"/>
       </p:ext>
     </p:extLst>
   </p:cSld>
@@ -21013,7 +20418,7 @@
           <a:p>
             <a:r>
               <a:rPr lang="fr-FR" dirty="0" smtClean="0"/>
-              <a:t>Test unitaire</a:t>
+              <a:t>Business Logic Layer : Exemple</a:t>
             </a:r>
             <a:endParaRPr lang="fr-FR" dirty="0"/>
           </a:p>
@@ -21029,49 +20434,49 @@
             <p:ph idx="1"/>
           </p:nvPr>
         </p:nvSpPr>
-        <p:spPr/>
-        <p:txBody>
-          <a:bodyPr/>
-          <a:lstStyle/>
-          <a:p>
-            <a:r>
-              <a:rPr lang="fr-FR" dirty="0" smtClean="0"/>
-              <a:t>Les tests unitaires permettent de vérifier le bon fonctionnement d’une portion de code </a:t>
-            </a:r>
-            <a:r>
-              <a:rPr lang="fr-FR" dirty="0" smtClean="0"/>
-              <a:t>définie.</a:t>
-            </a:r>
-            <a:endParaRPr lang="fr-FR" dirty="0" smtClean="0"/>
-          </a:p>
-          <a:p>
-            <a:r>
-              <a:rPr lang="fr-FR" dirty="0" smtClean="0"/>
-              <a:t>Permet de valider le bon fonctionnement en testant un cas dont on connait le résultat à </a:t>
-            </a:r>
-            <a:r>
-              <a:rPr lang="fr-FR" dirty="0" smtClean="0"/>
-              <a:t>l’avance.</a:t>
-            </a:r>
-            <a:endParaRPr lang="fr-FR" dirty="0" smtClean="0"/>
-          </a:p>
-          <a:p>
-            <a:r>
-              <a:rPr lang="fr-FR" dirty="0" smtClean="0"/>
-              <a:t>Utilisation de « </a:t>
-            </a:r>
-            <a:r>
-              <a:rPr lang="fr-FR" dirty="0" err="1" smtClean="0"/>
-              <a:t>Mock</a:t>
-            </a:r>
-            <a:r>
-              <a:rPr lang="fr-FR" dirty="0" smtClean="0"/>
-              <a:t> » si </a:t>
-            </a:r>
-            <a:r>
-              <a:rPr lang="fr-FR" dirty="0" smtClean="0"/>
-              <a:t>nécessaire.</a:t>
-            </a:r>
+        <p:spPr>
+          <a:xfrm>
+            <a:off x="2589212" y="1963271"/>
+            <a:ext cx="8915400" cy="699247"/>
+          </a:xfrm>
+        </p:spPr>
+        <p:txBody>
+          <a:bodyPr>
+            <a:normAutofit/>
+          </a:bodyPr>
+          <a:lstStyle/>
+          <a:p>
+            <a:r>
+              <a:rPr lang="fr-FR" dirty="0" smtClean="0"/>
+              <a:t>Exemple d’une </a:t>
+            </a:r>
+            <a:r>
+              <a:rPr lang="fr-FR" dirty="0" smtClean="0"/>
+              <a:t>B</a:t>
+            </a:r>
+            <a:r>
+              <a:rPr lang="fr-FR" dirty="0" smtClean="0"/>
+              <a:t>usiness </a:t>
+            </a:r>
+            <a:r>
+              <a:rPr lang="fr-FR" dirty="0" smtClean="0"/>
+              <a:t>L</a:t>
+            </a:r>
+            <a:r>
+              <a:rPr lang="fr-FR" dirty="0" smtClean="0"/>
+              <a:t>ogic </a:t>
+            </a:r>
+            <a:r>
+              <a:rPr lang="fr-FR" dirty="0" smtClean="0"/>
+              <a:t>L</a:t>
+            </a:r>
+            <a:r>
+              <a:rPr lang="fr-FR" dirty="0" smtClean="0"/>
+              <a:t>ayer « simplifiée » en utilisant les Queries / Commands.</a:t>
+            </a:r>
+          </a:p>
+          <a:p>
+            <a:pPr lvl="1"/>
             <a:endParaRPr lang="fr-FR" dirty="0"/>
           </a:p>
         </p:txBody>
@@ -21100,12 +20505,430 @@
           </a:p>
         </p:txBody>
       </p:sp>
+      <p:sp>
+        <p:nvSpPr>
+          <p:cNvPr id="6" name="Espace réservé du contenu 2"/>
+          <p:cNvSpPr txBox="1">
+            <a:spLocks/>
+          </p:cNvSpPr>
+          <p:nvPr/>
+        </p:nvSpPr>
+        <p:spPr>
+          <a:xfrm>
+            <a:off x="4238719" y="2770094"/>
+            <a:ext cx="7836740" cy="3836893"/>
+          </a:xfrm>
+          <a:prstGeom prst="rect">
+            <a:avLst/>
+          </a:prstGeom>
+        </p:spPr>
+        <p:txBody>
+          <a:bodyPr vert="horz" lIns="91440" tIns="45720" rIns="91440" bIns="45720" rtlCol="0">
+            <a:normAutofit/>
+          </a:bodyPr>
+          <a:lstStyle/>
+          <a:p>
+            <a:pPr marL="342900" marR="0" lvl="0" indent="-342900" algn="just" defTabSz="457200" rtl="0" eaLnBrk="1" fontAlgn="auto" latinLnBrk="0" hangingPunct="1">
+              <a:lnSpc>
+                <a:spcPct val="100000"/>
+              </a:lnSpc>
+              <a:spcBef>
+                <a:spcPts val="1000"/>
+              </a:spcBef>
+              <a:spcAft>
+                <a:spcPts val="0"/>
+              </a:spcAft>
+              <a:buClr>
+                <a:schemeClr val="accent1"/>
+              </a:buClr>
+              <a:buSzTx/>
+              <a:buFont typeface="Wingdings 3" charset="2"/>
+              <a:buChar char=""/>
+              <a:tabLst/>
+              <a:defRPr/>
+            </a:pPr>
+            <a:r>
+              <a:rPr kumimoji="0" lang="fr-FR" sz="1800" b="0" i="0" u="none" strike="noStrike" kern="1200" cap="none" spc="0" normalizeH="0" baseline="0" noProof="0" dirty="0" smtClean="0">
+                <a:ln>
+                  <a:noFill/>
+                </a:ln>
+                <a:solidFill>
+                  <a:schemeClr val="tx1">
+                    <a:lumMod val="75000"/>
+                    <a:lumOff val="25000"/>
+                  </a:schemeClr>
+                </a:solidFill>
+                <a:effectLst/>
+                <a:uLnTx/>
+                <a:uFillTx/>
+                <a:latin typeface="+mn-lt"/>
+                <a:ea typeface="+mn-ea"/>
+                <a:cs typeface="+mn-cs"/>
+              </a:rPr>
+              <a:t>Le </a:t>
+            </a:r>
+            <a:r>
+              <a:rPr kumimoji="0" lang="fr-FR" sz="1800" b="1" i="0" u="none" strike="noStrike" kern="1200" cap="none" spc="0" normalizeH="0" baseline="0" noProof="0" dirty="0" smtClean="0">
+                <a:ln>
+                  <a:noFill/>
+                </a:ln>
+                <a:solidFill>
+                  <a:schemeClr val="tx1">
+                    <a:lumMod val="75000"/>
+                    <a:lumOff val="25000"/>
+                  </a:schemeClr>
+                </a:solidFill>
+                <a:effectLst/>
+                <a:uLnTx/>
+                <a:uFillTx/>
+                <a:latin typeface="+mn-lt"/>
+                <a:ea typeface="+mn-ea"/>
+                <a:cs typeface="+mn-cs"/>
+              </a:rPr>
+              <a:t>Manager</a:t>
+            </a:r>
+            <a:r>
+              <a:rPr kumimoji="0" lang="fr-FR" sz="1800" b="0" i="0" u="none" strike="noStrike" kern="1200" cap="none" spc="0" normalizeH="0" baseline="0" noProof="0" dirty="0" smtClean="0">
+                <a:ln>
+                  <a:noFill/>
+                </a:ln>
+                <a:solidFill>
+                  <a:schemeClr val="tx1">
+                    <a:lumMod val="75000"/>
+                    <a:lumOff val="25000"/>
+                  </a:schemeClr>
+                </a:solidFill>
+                <a:effectLst/>
+                <a:uLnTx/>
+                <a:uFillTx/>
+                <a:latin typeface="+mn-lt"/>
+                <a:ea typeface="+mn-ea"/>
+                <a:cs typeface="+mn-cs"/>
+              </a:rPr>
+              <a:t> contient le constructeur qui va</a:t>
+            </a:r>
+            <a:r>
+              <a:rPr kumimoji="0" lang="fr-FR" sz="1800" b="0" i="0" u="none" strike="noStrike" kern="1200" cap="none" spc="0" normalizeH="0" noProof="0" dirty="0" smtClean="0">
+                <a:ln>
+                  <a:noFill/>
+                </a:ln>
+                <a:solidFill>
+                  <a:schemeClr val="tx1">
+                    <a:lumMod val="75000"/>
+                    <a:lumOff val="25000"/>
+                  </a:schemeClr>
+                </a:solidFill>
+                <a:effectLst/>
+                <a:uLnTx/>
+                <a:uFillTx/>
+                <a:latin typeface="+mn-lt"/>
+                <a:ea typeface="+mn-ea"/>
+                <a:cs typeface="+mn-cs"/>
+              </a:rPr>
+              <a:t> instancier le contexte Entity Framework.</a:t>
+            </a:r>
+          </a:p>
+          <a:p>
+            <a:pPr marL="342900" marR="0" lvl="0" indent="-342900" algn="just" defTabSz="457200" rtl="0" eaLnBrk="1" fontAlgn="auto" latinLnBrk="0" hangingPunct="1">
+              <a:lnSpc>
+                <a:spcPct val="100000"/>
+              </a:lnSpc>
+              <a:spcBef>
+                <a:spcPts val="1000"/>
+              </a:spcBef>
+              <a:spcAft>
+                <a:spcPts val="0"/>
+              </a:spcAft>
+              <a:buClr>
+                <a:schemeClr val="accent1"/>
+              </a:buClr>
+              <a:buSzTx/>
+              <a:buFont typeface="Wingdings 3" charset="2"/>
+              <a:buChar char=""/>
+              <a:tabLst/>
+              <a:defRPr/>
+            </a:pPr>
+            <a:r>
+              <a:rPr lang="fr-FR" baseline="0" dirty="0" smtClean="0">
+                <a:solidFill>
+                  <a:schemeClr val="tx1">
+                    <a:lumMod val="75000"/>
+                    <a:lumOff val="25000"/>
+                  </a:schemeClr>
+                </a:solidFill>
+              </a:rPr>
+              <a:t>Le</a:t>
+            </a:r>
+            <a:r>
+              <a:rPr lang="fr-FR" dirty="0" smtClean="0">
+                <a:solidFill>
+                  <a:schemeClr val="tx1">
+                    <a:lumMod val="75000"/>
+                    <a:lumOff val="25000"/>
+                  </a:schemeClr>
+                </a:solidFill>
+              </a:rPr>
+              <a:t> </a:t>
+            </a:r>
+            <a:r>
+              <a:rPr lang="fr-FR" b="1" dirty="0" smtClean="0">
+                <a:solidFill>
+                  <a:schemeClr val="tx1">
+                    <a:lumMod val="75000"/>
+                    <a:lumOff val="25000"/>
+                  </a:schemeClr>
+                </a:solidFill>
+              </a:rPr>
+              <a:t>Manager</a:t>
+            </a:r>
+            <a:r>
+              <a:rPr lang="fr-FR" dirty="0" smtClean="0">
+                <a:solidFill>
+                  <a:schemeClr val="tx1">
+                    <a:lumMod val="75000"/>
+                    <a:lumOff val="25000"/>
+                  </a:schemeClr>
+                </a:solidFill>
+              </a:rPr>
+              <a:t> contient toutes les méthodes pour interagir avec Entity Framework.</a:t>
+            </a:r>
+          </a:p>
+          <a:p>
+            <a:pPr marL="342900" marR="0" lvl="0" indent="-342900" algn="just" defTabSz="457200" rtl="0" eaLnBrk="1" fontAlgn="auto" latinLnBrk="0" hangingPunct="1">
+              <a:lnSpc>
+                <a:spcPct val="100000"/>
+              </a:lnSpc>
+              <a:spcBef>
+                <a:spcPts val="1000"/>
+              </a:spcBef>
+              <a:spcAft>
+                <a:spcPts val="0"/>
+              </a:spcAft>
+              <a:buClr>
+                <a:schemeClr val="accent1"/>
+              </a:buClr>
+              <a:buSzTx/>
+              <a:buFont typeface="Wingdings 3" charset="2"/>
+              <a:buChar char=""/>
+              <a:tabLst/>
+              <a:defRPr/>
+            </a:pPr>
+            <a:r>
+              <a:rPr kumimoji="0" lang="fr-FR" sz="1800" b="0" i="0" u="none" strike="noStrike" kern="1200" cap="none" spc="0" normalizeH="0" baseline="0" noProof="0" dirty="0" smtClean="0">
+                <a:ln>
+                  <a:noFill/>
+                </a:ln>
+                <a:solidFill>
+                  <a:schemeClr val="tx1">
+                    <a:lumMod val="75000"/>
+                    <a:lumOff val="25000"/>
+                  </a:schemeClr>
+                </a:solidFill>
+                <a:effectLst/>
+                <a:uLnTx/>
+                <a:uFillTx/>
+                <a:latin typeface="+mn-lt"/>
+                <a:ea typeface="+mn-ea"/>
+                <a:cs typeface="+mn-cs"/>
+              </a:rPr>
+              <a:t>Le répertoire </a:t>
+            </a:r>
+            <a:r>
+              <a:rPr kumimoji="0" lang="fr-FR" sz="1800" b="1" i="0" u="none" strike="noStrike" kern="1200" cap="none" spc="0" normalizeH="0" baseline="0" noProof="0" dirty="0" smtClean="0">
+                <a:ln>
+                  <a:noFill/>
+                </a:ln>
+                <a:solidFill>
+                  <a:schemeClr val="tx1">
+                    <a:lumMod val="75000"/>
+                    <a:lumOff val="25000"/>
+                  </a:schemeClr>
+                </a:solidFill>
+                <a:effectLst/>
+                <a:uLnTx/>
+                <a:uFillTx/>
+                <a:latin typeface="+mn-lt"/>
+                <a:ea typeface="+mn-ea"/>
+                <a:cs typeface="+mn-cs"/>
+              </a:rPr>
+              <a:t>Queries</a:t>
+            </a:r>
+            <a:r>
+              <a:rPr kumimoji="0" lang="fr-FR" sz="1800" b="0" i="0" u="none" strike="noStrike" kern="1200" cap="none" spc="0" normalizeH="0" noProof="0" dirty="0" smtClean="0">
+                <a:ln>
+                  <a:noFill/>
+                </a:ln>
+                <a:solidFill>
+                  <a:schemeClr val="tx1">
+                    <a:lumMod val="75000"/>
+                    <a:lumOff val="25000"/>
+                  </a:schemeClr>
+                </a:solidFill>
+                <a:effectLst/>
+                <a:uLnTx/>
+                <a:uFillTx/>
+                <a:latin typeface="+mn-lt"/>
+                <a:ea typeface="+mn-ea"/>
+                <a:cs typeface="+mn-cs"/>
+              </a:rPr>
+              <a:t> contient les classes pour récupérer les entités.</a:t>
+            </a:r>
+          </a:p>
+          <a:p>
+            <a:pPr marL="342900" marR="0" lvl="0" indent="-342900" algn="just" defTabSz="457200" rtl="0" eaLnBrk="1" fontAlgn="auto" latinLnBrk="0" hangingPunct="1">
+              <a:lnSpc>
+                <a:spcPct val="100000"/>
+              </a:lnSpc>
+              <a:spcBef>
+                <a:spcPts val="1000"/>
+              </a:spcBef>
+              <a:spcAft>
+                <a:spcPts val="0"/>
+              </a:spcAft>
+              <a:buClr>
+                <a:schemeClr val="accent1"/>
+              </a:buClr>
+              <a:buSzTx/>
+              <a:buFont typeface="Wingdings 3" charset="2"/>
+              <a:buChar char=""/>
+              <a:tabLst/>
+              <a:defRPr/>
+            </a:pPr>
+            <a:r>
+              <a:rPr lang="fr-FR" baseline="0" dirty="0" smtClean="0">
+                <a:solidFill>
+                  <a:schemeClr val="tx1">
+                    <a:lumMod val="75000"/>
+                    <a:lumOff val="25000"/>
+                  </a:schemeClr>
+                </a:solidFill>
+              </a:rPr>
+              <a:t>Le répertoire </a:t>
+            </a:r>
+            <a:r>
+              <a:rPr lang="fr-FR" b="1" baseline="0" dirty="0" smtClean="0">
+                <a:solidFill>
+                  <a:schemeClr val="tx1">
+                    <a:lumMod val="75000"/>
+                    <a:lumOff val="25000"/>
+                  </a:schemeClr>
+                </a:solidFill>
+              </a:rPr>
+              <a:t>Commands</a:t>
+            </a:r>
+            <a:r>
+              <a:rPr lang="fr-FR" baseline="0" dirty="0" smtClean="0">
+                <a:solidFill>
+                  <a:schemeClr val="tx1">
+                    <a:lumMod val="75000"/>
+                    <a:lumOff val="25000"/>
+                  </a:schemeClr>
+                </a:solidFill>
+              </a:rPr>
+              <a:t> contient</a:t>
+            </a:r>
+            <a:r>
+              <a:rPr lang="fr-FR" dirty="0" smtClean="0">
+                <a:solidFill>
+                  <a:schemeClr val="tx1">
+                    <a:lumMod val="75000"/>
+                    <a:lumOff val="25000"/>
+                  </a:schemeClr>
+                </a:solidFill>
+              </a:rPr>
+              <a:t> les classes pour mettre à jour, ajouter ou supprimer une entité.</a:t>
+            </a:r>
+            <a:endParaRPr kumimoji="0" lang="fr-FR" sz="1800" b="0" i="0" u="none" strike="noStrike" kern="1200" cap="none" spc="0" normalizeH="0" baseline="0" noProof="0" dirty="0" smtClean="0">
+              <a:ln>
+                <a:noFill/>
+              </a:ln>
+              <a:solidFill>
+                <a:schemeClr val="tx1">
+                  <a:lumMod val="75000"/>
+                  <a:lumOff val="25000"/>
+                </a:schemeClr>
+              </a:solidFill>
+              <a:effectLst/>
+              <a:uLnTx/>
+              <a:uFillTx/>
+              <a:latin typeface="+mn-lt"/>
+              <a:ea typeface="+mn-ea"/>
+              <a:cs typeface="+mn-cs"/>
+            </a:endParaRPr>
+          </a:p>
+          <a:p>
+            <a:pPr marL="742950" marR="0" lvl="1" indent="-285750" algn="l" defTabSz="457200" rtl="0" eaLnBrk="1" fontAlgn="auto" latinLnBrk="0" hangingPunct="1">
+              <a:lnSpc>
+                <a:spcPct val="100000"/>
+              </a:lnSpc>
+              <a:spcBef>
+                <a:spcPts val="1000"/>
+              </a:spcBef>
+              <a:spcAft>
+                <a:spcPts val="0"/>
+              </a:spcAft>
+              <a:buClr>
+                <a:schemeClr val="accent1"/>
+              </a:buClr>
+              <a:buSzTx/>
+              <a:buFont typeface="Wingdings 3" charset="2"/>
+              <a:buChar char=""/>
+              <a:tabLst/>
+              <a:defRPr/>
+            </a:pPr>
+            <a:endParaRPr kumimoji="0" lang="fr-FR" sz="1600" b="0" i="0" u="none" strike="noStrike" kern="1200" cap="none" spc="0" normalizeH="0" baseline="0" noProof="0" dirty="0">
+              <a:ln>
+                <a:noFill/>
+              </a:ln>
+              <a:solidFill>
+                <a:schemeClr val="tx1">
+                  <a:lumMod val="75000"/>
+                  <a:lumOff val="25000"/>
+                </a:schemeClr>
+              </a:solidFill>
+              <a:effectLst/>
+              <a:uLnTx/>
+              <a:uFillTx/>
+              <a:latin typeface="+mn-lt"/>
+              <a:ea typeface="+mn-ea"/>
+              <a:cs typeface="+mn-cs"/>
+            </a:endParaRPr>
+          </a:p>
+        </p:txBody>
+      </p:sp>
+      <p:pic>
+        <p:nvPicPr>
+          <p:cNvPr id="1027" name="Picture 3"/>
+          <p:cNvPicPr>
+            <a:picLocks noChangeAspect="1" noChangeArrowheads="1"/>
+          </p:cNvPicPr>
+          <p:nvPr/>
+        </p:nvPicPr>
+        <p:blipFill>
+          <a:blip r:embed="rId2" cstate="print"/>
+          <a:srcRect/>
+          <a:stretch>
+            <a:fillRect/>
+          </a:stretch>
+        </p:blipFill>
+        <p:spPr bwMode="auto">
+          <a:xfrm>
+            <a:off x="1144962" y="2733956"/>
+            <a:ext cx="2981325" cy="1228725"/>
+          </a:xfrm>
+          <a:prstGeom prst="rect">
+            <a:avLst/>
+          </a:prstGeom>
+          <a:noFill/>
+          <a:ln w="9525">
+            <a:noFill/>
+            <a:miter lim="800000"/>
+            <a:headEnd/>
+            <a:tailEnd/>
+          </a:ln>
+        </p:spPr>
+      </p:pic>
     </p:spTree>
-    <p:extLst>
-      <p:ext uri="{BB962C8B-B14F-4D97-AF65-F5344CB8AC3E}">
-        <p14:creationId xmlns:p14="http://schemas.microsoft.com/office/powerpoint/2010/main" xmlns="" val="116708099"/>
-      </p:ext>
-    </p:extLst>
   </p:cSld>
   <p:clrMapOvr>
     <a:masterClrMapping/>
@@ -21147,52 +20970,12 @@
           <a:p>
             <a:r>
               <a:rPr lang="fr-FR" dirty="0" smtClean="0"/>
-              <a:t>Test unitaire – intégration dans VS</a:t>
-            </a:r>
-            <a:endParaRPr lang="fr-FR" dirty="0"/>
-          </a:p>
-        </p:txBody>
-      </p:sp>
-      <p:sp>
-        <p:nvSpPr>
-          <p:cNvPr id="3" name="Espace réservé du contenu 2"/>
-          <p:cNvSpPr>
-            <a:spLocks noGrp="1"/>
-          </p:cNvSpPr>
-          <p:nvPr>
-            <p:ph idx="1"/>
-          </p:nvPr>
-        </p:nvSpPr>
-        <p:spPr/>
-        <p:txBody>
-          <a:bodyPr/>
-          <a:lstStyle/>
-          <a:p>
-            <a:r>
-              <a:rPr lang="fr-FR" dirty="0" smtClean="0"/>
-              <a:t>Nécessite la création d’un projet de test sous Visual </a:t>
-            </a:r>
-            <a:r>
-              <a:rPr lang="fr-FR" dirty="0" smtClean="0"/>
-              <a:t>Studio.</a:t>
-            </a:r>
-            <a:endParaRPr lang="fr-FR" dirty="0" smtClean="0"/>
-          </a:p>
-          <a:p>
-            <a:r>
-              <a:rPr lang="fr-FR" dirty="0" smtClean="0"/>
-              <a:t>Fourni un environnement structuré permettant l’exécution et le développement de </a:t>
-            </a:r>
-            <a:r>
-              <a:rPr lang="fr-FR" dirty="0" smtClean="0"/>
-              <a:t>test.</a:t>
-            </a:r>
-            <a:endParaRPr lang="fr-FR" dirty="0" smtClean="0"/>
-          </a:p>
-          <a:p>
-            <a:endParaRPr lang="fr-FR" dirty="0" smtClean="0"/>
-          </a:p>
-          <a:p>
+              <a:t>Business Logic </a:t>
+            </a:r>
+            <a:r>
+              <a:rPr lang="fr-FR" dirty="0" smtClean="0"/>
+              <a:t>Layer : Exemple</a:t>
+            </a:r>
             <a:endParaRPr lang="fr-FR" dirty="0"/>
           </a:p>
         </p:txBody>
@@ -21216,6 +20999,1624 @@
               <a:rPr lang="fr-FR" smtClean="0"/>
               <a:pPr/>
               <a:t>56</a:t>
+            </a:fld>
+            <a:endParaRPr lang="fr-FR"/>
+          </a:p>
+        </p:txBody>
+      </p:sp>
+      <p:sp>
+        <p:nvSpPr>
+          <p:cNvPr id="5" name="Rectangle à coins arrondis 4"/>
+          <p:cNvSpPr/>
+          <p:nvPr/>
+        </p:nvSpPr>
+        <p:spPr>
+          <a:xfrm>
+            <a:off x="3110755" y="2142566"/>
+            <a:ext cx="1649506" cy="914400"/>
+          </a:xfrm>
+          <a:prstGeom prst="roundRect">
+            <a:avLst/>
+          </a:prstGeom>
+        </p:spPr>
+        <p:style>
+          <a:lnRef idx="2">
+            <a:schemeClr val="accent1">
+              <a:shade val="50000"/>
+            </a:schemeClr>
+          </a:lnRef>
+          <a:fillRef idx="1">
+            <a:schemeClr val="accent1"/>
+          </a:fillRef>
+          <a:effectRef idx="0">
+            <a:schemeClr val="accent1"/>
+          </a:effectRef>
+          <a:fontRef idx="minor">
+            <a:schemeClr val="lt1"/>
+          </a:fontRef>
+        </p:style>
+        <p:txBody>
+          <a:bodyPr rtlCol="0" anchor="ctr"/>
+          <a:lstStyle/>
+          <a:p>
+            <a:pPr algn="ctr"/>
+            <a:r>
+              <a:rPr lang="fr-FR" dirty="0" smtClean="0"/>
+              <a:t>Manager</a:t>
+            </a:r>
+            <a:endParaRPr lang="fr-FR" dirty="0"/>
+          </a:p>
+        </p:txBody>
+      </p:sp>
+      <p:cxnSp>
+        <p:nvCxnSpPr>
+          <p:cNvPr id="7" name="Connecteur droit avec flèche 6"/>
+          <p:cNvCxnSpPr>
+            <a:endCxn id="5" idx="1"/>
+          </p:cNvCxnSpPr>
+          <p:nvPr/>
+        </p:nvCxnSpPr>
+        <p:spPr>
+          <a:xfrm>
+            <a:off x="1828800" y="2599765"/>
+            <a:ext cx="1281955" cy="1"/>
+          </a:xfrm>
+          <a:prstGeom prst="straightConnector1">
+            <a:avLst/>
+          </a:prstGeom>
+          <a:ln>
+            <a:tailEnd type="arrow"/>
+          </a:ln>
+        </p:spPr>
+        <p:style>
+          <a:lnRef idx="1">
+            <a:schemeClr val="accent1"/>
+          </a:lnRef>
+          <a:fillRef idx="0">
+            <a:schemeClr val="accent1"/>
+          </a:fillRef>
+          <a:effectRef idx="0">
+            <a:schemeClr val="accent1"/>
+          </a:effectRef>
+          <a:fontRef idx="minor">
+            <a:schemeClr val="tx1"/>
+          </a:fontRef>
+        </p:style>
+      </p:cxnSp>
+      <p:sp>
+        <p:nvSpPr>
+          <p:cNvPr id="10" name="ZoneTexte 9"/>
+          <p:cNvSpPr txBox="1"/>
+          <p:nvPr/>
+        </p:nvSpPr>
+        <p:spPr>
+          <a:xfrm>
+            <a:off x="1174377" y="2214282"/>
+            <a:ext cx="1846729" cy="369332"/>
+          </a:xfrm>
+          <a:prstGeom prst="rect">
+            <a:avLst/>
+          </a:prstGeom>
+          <a:noFill/>
+        </p:spPr>
+        <p:txBody>
+          <a:bodyPr wrap="square" rtlCol="0">
+            <a:spAutoFit/>
+          </a:bodyPr>
+          <a:lstStyle/>
+          <a:p>
+            <a:r>
+              <a:rPr lang="fr-FR" dirty="0" smtClean="0"/>
+              <a:t>GetAllProduit</a:t>
+            </a:r>
+            <a:endParaRPr lang="fr-FR" dirty="0"/>
+          </a:p>
+        </p:txBody>
+      </p:sp>
+      <p:sp>
+        <p:nvSpPr>
+          <p:cNvPr id="11" name="Rectangle à coins arrondis 10"/>
+          <p:cNvSpPr/>
+          <p:nvPr/>
+        </p:nvSpPr>
+        <p:spPr>
+          <a:xfrm>
+            <a:off x="5988425" y="2142565"/>
+            <a:ext cx="1900515" cy="914400"/>
+          </a:xfrm>
+          <a:prstGeom prst="roundRect">
+            <a:avLst/>
+          </a:prstGeom>
+        </p:spPr>
+        <p:style>
+          <a:lnRef idx="2">
+            <a:schemeClr val="accent2">
+              <a:shade val="50000"/>
+            </a:schemeClr>
+          </a:lnRef>
+          <a:fillRef idx="1">
+            <a:schemeClr val="accent2"/>
+          </a:fillRef>
+          <a:effectRef idx="0">
+            <a:schemeClr val="accent2"/>
+          </a:effectRef>
+          <a:fontRef idx="minor">
+            <a:schemeClr val="lt1"/>
+          </a:fontRef>
+        </p:style>
+        <p:txBody>
+          <a:bodyPr rtlCol="0" anchor="ctr"/>
+          <a:lstStyle/>
+          <a:p>
+            <a:pPr algn="ctr"/>
+            <a:r>
+              <a:rPr lang="fr-FR" dirty="0" smtClean="0"/>
+              <a:t>ProduitQuery</a:t>
+            </a:r>
+            <a:endParaRPr lang="fr-FR" dirty="0"/>
+          </a:p>
+        </p:txBody>
+      </p:sp>
+      <p:cxnSp>
+        <p:nvCxnSpPr>
+          <p:cNvPr id="12" name="Connecteur droit avec flèche 11"/>
+          <p:cNvCxnSpPr>
+            <a:stCxn id="5" idx="3"/>
+            <a:endCxn id="11" idx="1"/>
+          </p:cNvCxnSpPr>
+          <p:nvPr/>
+        </p:nvCxnSpPr>
+        <p:spPr>
+          <a:xfrm flipV="1">
+            <a:off x="4760261" y="2599765"/>
+            <a:ext cx="1228164" cy="1"/>
+          </a:xfrm>
+          <a:prstGeom prst="straightConnector1">
+            <a:avLst/>
+          </a:prstGeom>
+          <a:ln>
+            <a:tailEnd type="arrow"/>
+          </a:ln>
+        </p:spPr>
+        <p:style>
+          <a:lnRef idx="1">
+            <a:schemeClr val="accent1"/>
+          </a:lnRef>
+          <a:fillRef idx="0">
+            <a:schemeClr val="accent1"/>
+          </a:fillRef>
+          <a:effectRef idx="0">
+            <a:schemeClr val="accent1"/>
+          </a:effectRef>
+          <a:fontRef idx="minor">
+            <a:schemeClr val="tx1"/>
+          </a:fontRef>
+        </p:style>
+      </p:cxnSp>
+      <p:sp>
+        <p:nvSpPr>
+          <p:cNvPr id="17" name="ZoneTexte 16"/>
+          <p:cNvSpPr txBox="1"/>
+          <p:nvPr/>
+        </p:nvSpPr>
+        <p:spPr>
+          <a:xfrm>
+            <a:off x="4966448" y="2214282"/>
+            <a:ext cx="977152" cy="369332"/>
+          </a:xfrm>
+          <a:prstGeom prst="rect">
+            <a:avLst/>
+          </a:prstGeom>
+          <a:noFill/>
+        </p:spPr>
+        <p:txBody>
+          <a:bodyPr wrap="square" rtlCol="0">
+            <a:spAutoFit/>
+          </a:bodyPr>
+          <a:lstStyle/>
+          <a:p>
+            <a:r>
+              <a:rPr lang="fr-FR" dirty="0" smtClean="0"/>
+              <a:t>GetAll</a:t>
+            </a:r>
+            <a:endParaRPr lang="fr-FR" dirty="0"/>
+          </a:p>
+        </p:txBody>
+      </p:sp>
+      <p:sp>
+        <p:nvSpPr>
+          <p:cNvPr id="20" name="Flèche droite 19"/>
+          <p:cNvSpPr/>
+          <p:nvPr/>
+        </p:nvSpPr>
+        <p:spPr>
+          <a:xfrm>
+            <a:off x="8139952" y="2456329"/>
+            <a:ext cx="923365" cy="233082"/>
+          </a:xfrm>
+          <a:prstGeom prst="rightArrow">
+            <a:avLst/>
+          </a:prstGeom>
+        </p:spPr>
+        <p:style>
+          <a:lnRef idx="2">
+            <a:schemeClr val="accent3">
+              <a:shade val="50000"/>
+            </a:schemeClr>
+          </a:lnRef>
+          <a:fillRef idx="1">
+            <a:schemeClr val="accent3"/>
+          </a:fillRef>
+          <a:effectRef idx="0">
+            <a:schemeClr val="accent3"/>
+          </a:effectRef>
+          <a:fontRef idx="minor">
+            <a:schemeClr val="lt1"/>
+          </a:fontRef>
+        </p:style>
+        <p:txBody>
+          <a:bodyPr rtlCol="0" anchor="ctr"/>
+          <a:lstStyle/>
+          <a:p>
+            <a:pPr algn="ctr"/>
+            <a:endParaRPr lang="fr-FR"/>
+          </a:p>
+        </p:txBody>
+      </p:sp>
+      <p:sp>
+        <p:nvSpPr>
+          <p:cNvPr id="21" name="ZoneTexte 20"/>
+          <p:cNvSpPr txBox="1"/>
+          <p:nvPr/>
+        </p:nvSpPr>
+        <p:spPr>
+          <a:xfrm>
+            <a:off x="9296401" y="2375647"/>
+            <a:ext cx="2528046" cy="369332"/>
+          </a:xfrm>
+          <a:prstGeom prst="rect">
+            <a:avLst/>
+          </a:prstGeom>
+          <a:noFill/>
+        </p:spPr>
+        <p:txBody>
+          <a:bodyPr wrap="square" rtlCol="0">
+            <a:spAutoFit/>
+          </a:bodyPr>
+          <a:lstStyle/>
+          <a:p>
+            <a:r>
+              <a:rPr lang="fr-FR" dirty="0" smtClean="0"/>
+              <a:t>IQueryable&lt;Produit&gt;</a:t>
+            </a:r>
+            <a:endParaRPr lang="fr-FR" dirty="0"/>
+          </a:p>
+        </p:txBody>
+      </p:sp>
+      <p:sp>
+        <p:nvSpPr>
+          <p:cNvPr id="23" name="Rectangle à coins arrondis 22"/>
+          <p:cNvSpPr/>
+          <p:nvPr/>
+        </p:nvSpPr>
+        <p:spPr>
+          <a:xfrm>
+            <a:off x="3101791" y="3128684"/>
+            <a:ext cx="1649506" cy="914400"/>
+          </a:xfrm>
+          <a:prstGeom prst="roundRect">
+            <a:avLst/>
+          </a:prstGeom>
+        </p:spPr>
+        <p:style>
+          <a:lnRef idx="2">
+            <a:schemeClr val="accent1">
+              <a:shade val="50000"/>
+            </a:schemeClr>
+          </a:lnRef>
+          <a:fillRef idx="1">
+            <a:schemeClr val="accent1"/>
+          </a:fillRef>
+          <a:effectRef idx="0">
+            <a:schemeClr val="accent1"/>
+          </a:effectRef>
+          <a:fontRef idx="minor">
+            <a:schemeClr val="lt1"/>
+          </a:fontRef>
+        </p:style>
+        <p:txBody>
+          <a:bodyPr rtlCol="0" anchor="ctr"/>
+          <a:lstStyle/>
+          <a:p>
+            <a:pPr algn="ctr"/>
+            <a:r>
+              <a:rPr lang="fr-FR" dirty="0" smtClean="0"/>
+              <a:t>Manager</a:t>
+            </a:r>
+            <a:endParaRPr lang="fr-FR" dirty="0"/>
+          </a:p>
+        </p:txBody>
+      </p:sp>
+      <p:cxnSp>
+        <p:nvCxnSpPr>
+          <p:cNvPr id="24" name="Connecteur droit avec flèche 23"/>
+          <p:cNvCxnSpPr>
+            <a:endCxn id="23" idx="1"/>
+          </p:cNvCxnSpPr>
+          <p:nvPr/>
+        </p:nvCxnSpPr>
+        <p:spPr>
+          <a:xfrm>
+            <a:off x="1819836" y="3585883"/>
+            <a:ext cx="1281955" cy="1"/>
+          </a:xfrm>
+          <a:prstGeom prst="straightConnector1">
+            <a:avLst/>
+          </a:prstGeom>
+          <a:ln>
+            <a:tailEnd type="arrow"/>
+          </a:ln>
+        </p:spPr>
+        <p:style>
+          <a:lnRef idx="1">
+            <a:schemeClr val="accent1"/>
+          </a:lnRef>
+          <a:fillRef idx="0">
+            <a:schemeClr val="accent1"/>
+          </a:fillRef>
+          <a:effectRef idx="0">
+            <a:schemeClr val="accent1"/>
+          </a:effectRef>
+          <a:fontRef idx="minor">
+            <a:schemeClr val="tx1"/>
+          </a:fontRef>
+        </p:style>
+      </p:cxnSp>
+      <p:sp>
+        <p:nvSpPr>
+          <p:cNvPr id="25" name="ZoneTexte 24"/>
+          <p:cNvSpPr txBox="1"/>
+          <p:nvPr/>
+        </p:nvSpPr>
+        <p:spPr>
+          <a:xfrm>
+            <a:off x="636495" y="3200400"/>
+            <a:ext cx="2375648" cy="369332"/>
+          </a:xfrm>
+          <a:prstGeom prst="rect">
+            <a:avLst/>
+          </a:prstGeom>
+          <a:noFill/>
+        </p:spPr>
+        <p:txBody>
+          <a:bodyPr wrap="square" rtlCol="0">
+            <a:spAutoFit/>
+          </a:bodyPr>
+          <a:lstStyle/>
+          <a:p>
+            <a:r>
+              <a:rPr lang="fr-FR" dirty="0" smtClean="0"/>
+              <a:t>GetProduitByID(4)</a:t>
+            </a:r>
+            <a:endParaRPr lang="fr-FR" dirty="0"/>
+          </a:p>
+        </p:txBody>
+      </p:sp>
+      <p:sp>
+        <p:nvSpPr>
+          <p:cNvPr id="26" name="Rectangle à coins arrondis 25"/>
+          <p:cNvSpPr/>
+          <p:nvPr/>
+        </p:nvSpPr>
+        <p:spPr>
+          <a:xfrm>
+            <a:off x="5979461" y="3128683"/>
+            <a:ext cx="1900515" cy="914400"/>
+          </a:xfrm>
+          <a:prstGeom prst="roundRect">
+            <a:avLst/>
+          </a:prstGeom>
+        </p:spPr>
+        <p:style>
+          <a:lnRef idx="2">
+            <a:schemeClr val="accent2">
+              <a:shade val="50000"/>
+            </a:schemeClr>
+          </a:lnRef>
+          <a:fillRef idx="1">
+            <a:schemeClr val="accent2"/>
+          </a:fillRef>
+          <a:effectRef idx="0">
+            <a:schemeClr val="accent2"/>
+          </a:effectRef>
+          <a:fontRef idx="minor">
+            <a:schemeClr val="lt1"/>
+          </a:fontRef>
+        </p:style>
+        <p:txBody>
+          <a:bodyPr rtlCol="0" anchor="ctr"/>
+          <a:lstStyle/>
+          <a:p>
+            <a:pPr algn="ctr"/>
+            <a:r>
+              <a:rPr lang="fr-FR" dirty="0" smtClean="0"/>
+              <a:t>ProduitQuery</a:t>
+            </a:r>
+            <a:endParaRPr lang="fr-FR" dirty="0"/>
+          </a:p>
+        </p:txBody>
+      </p:sp>
+      <p:cxnSp>
+        <p:nvCxnSpPr>
+          <p:cNvPr id="27" name="Connecteur droit avec flèche 26"/>
+          <p:cNvCxnSpPr>
+            <a:stCxn id="23" idx="3"/>
+            <a:endCxn id="26" idx="1"/>
+          </p:cNvCxnSpPr>
+          <p:nvPr/>
+        </p:nvCxnSpPr>
+        <p:spPr>
+          <a:xfrm flipV="1">
+            <a:off x="4751297" y="3585883"/>
+            <a:ext cx="1228164" cy="1"/>
+          </a:xfrm>
+          <a:prstGeom prst="straightConnector1">
+            <a:avLst/>
+          </a:prstGeom>
+          <a:ln>
+            <a:tailEnd type="arrow"/>
+          </a:ln>
+        </p:spPr>
+        <p:style>
+          <a:lnRef idx="1">
+            <a:schemeClr val="accent1"/>
+          </a:lnRef>
+          <a:fillRef idx="0">
+            <a:schemeClr val="accent1"/>
+          </a:fillRef>
+          <a:effectRef idx="0">
+            <a:schemeClr val="accent1"/>
+          </a:effectRef>
+          <a:fontRef idx="minor">
+            <a:schemeClr val="tx1"/>
+          </a:fontRef>
+        </p:style>
+      </p:cxnSp>
+      <p:sp>
+        <p:nvSpPr>
+          <p:cNvPr id="28" name="ZoneTexte 27"/>
+          <p:cNvSpPr txBox="1"/>
+          <p:nvPr/>
+        </p:nvSpPr>
+        <p:spPr>
+          <a:xfrm>
+            <a:off x="4814047" y="3200400"/>
+            <a:ext cx="1192307" cy="369332"/>
+          </a:xfrm>
+          <a:prstGeom prst="rect">
+            <a:avLst/>
+          </a:prstGeom>
+          <a:noFill/>
+        </p:spPr>
+        <p:txBody>
+          <a:bodyPr wrap="square" rtlCol="0">
+            <a:spAutoFit/>
+          </a:bodyPr>
+          <a:lstStyle/>
+          <a:p>
+            <a:r>
+              <a:rPr lang="fr-FR" dirty="0" smtClean="0"/>
+              <a:t>GetByID</a:t>
+            </a:r>
+            <a:endParaRPr lang="fr-FR" dirty="0"/>
+          </a:p>
+        </p:txBody>
+      </p:sp>
+      <p:sp>
+        <p:nvSpPr>
+          <p:cNvPr id="29" name="Flèche droite 28"/>
+          <p:cNvSpPr/>
+          <p:nvPr/>
+        </p:nvSpPr>
+        <p:spPr>
+          <a:xfrm>
+            <a:off x="8130988" y="3442447"/>
+            <a:ext cx="923365" cy="233082"/>
+          </a:xfrm>
+          <a:prstGeom prst="rightArrow">
+            <a:avLst/>
+          </a:prstGeom>
+        </p:spPr>
+        <p:style>
+          <a:lnRef idx="2">
+            <a:schemeClr val="accent3">
+              <a:shade val="50000"/>
+            </a:schemeClr>
+          </a:lnRef>
+          <a:fillRef idx="1">
+            <a:schemeClr val="accent3"/>
+          </a:fillRef>
+          <a:effectRef idx="0">
+            <a:schemeClr val="accent3"/>
+          </a:effectRef>
+          <a:fontRef idx="minor">
+            <a:schemeClr val="lt1"/>
+          </a:fontRef>
+        </p:style>
+        <p:txBody>
+          <a:bodyPr rtlCol="0" anchor="ctr"/>
+          <a:lstStyle/>
+          <a:p>
+            <a:pPr algn="ctr"/>
+            <a:endParaRPr lang="fr-FR"/>
+          </a:p>
+        </p:txBody>
+      </p:sp>
+      <p:sp>
+        <p:nvSpPr>
+          <p:cNvPr id="30" name="ZoneTexte 29"/>
+          <p:cNvSpPr txBox="1"/>
+          <p:nvPr/>
+        </p:nvSpPr>
+        <p:spPr>
+          <a:xfrm>
+            <a:off x="9287437" y="3361765"/>
+            <a:ext cx="2528046" cy="369332"/>
+          </a:xfrm>
+          <a:prstGeom prst="rect">
+            <a:avLst/>
+          </a:prstGeom>
+          <a:noFill/>
+        </p:spPr>
+        <p:txBody>
+          <a:bodyPr wrap="square" rtlCol="0">
+            <a:spAutoFit/>
+          </a:bodyPr>
+          <a:lstStyle/>
+          <a:p>
+            <a:r>
+              <a:rPr lang="fr-FR" dirty="0" smtClean="0"/>
+              <a:t>IQueryable&lt;Produit&gt;</a:t>
+            </a:r>
+            <a:endParaRPr lang="fr-FR" dirty="0"/>
+          </a:p>
+        </p:txBody>
+      </p:sp>
+      <p:sp>
+        <p:nvSpPr>
+          <p:cNvPr id="31" name="Rectangle à coins arrondis 30"/>
+          <p:cNvSpPr/>
+          <p:nvPr/>
+        </p:nvSpPr>
+        <p:spPr>
+          <a:xfrm>
+            <a:off x="3092826" y="4168590"/>
+            <a:ext cx="1649506" cy="914400"/>
+          </a:xfrm>
+          <a:prstGeom prst="roundRect">
+            <a:avLst/>
+          </a:prstGeom>
+        </p:spPr>
+        <p:style>
+          <a:lnRef idx="2">
+            <a:schemeClr val="accent1">
+              <a:shade val="50000"/>
+            </a:schemeClr>
+          </a:lnRef>
+          <a:fillRef idx="1">
+            <a:schemeClr val="accent1"/>
+          </a:fillRef>
+          <a:effectRef idx="0">
+            <a:schemeClr val="accent1"/>
+          </a:effectRef>
+          <a:fontRef idx="minor">
+            <a:schemeClr val="lt1"/>
+          </a:fontRef>
+        </p:style>
+        <p:txBody>
+          <a:bodyPr rtlCol="0" anchor="ctr"/>
+          <a:lstStyle/>
+          <a:p>
+            <a:pPr algn="ctr"/>
+            <a:r>
+              <a:rPr lang="fr-FR" dirty="0" smtClean="0"/>
+              <a:t>Manager</a:t>
+            </a:r>
+            <a:endParaRPr lang="fr-FR" dirty="0"/>
+          </a:p>
+        </p:txBody>
+      </p:sp>
+      <p:cxnSp>
+        <p:nvCxnSpPr>
+          <p:cNvPr id="32" name="Connecteur droit avec flèche 31"/>
+          <p:cNvCxnSpPr>
+            <a:endCxn id="31" idx="1"/>
+          </p:cNvCxnSpPr>
+          <p:nvPr/>
+        </p:nvCxnSpPr>
+        <p:spPr>
+          <a:xfrm>
+            <a:off x="1810871" y="4625789"/>
+            <a:ext cx="1281955" cy="1"/>
+          </a:xfrm>
+          <a:prstGeom prst="straightConnector1">
+            <a:avLst/>
+          </a:prstGeom>
+          <a:ln>
+            <a:tailEnd type="arrow"/>
+          </a:ln>
+        </p:spPr>
+        <p:style>
+          <a:lnRef idx="1">
+            <a:schemeClr val="accent1"/>
+          </a:lnRef>
+          <a:fillRef idx="0">
+            <a:schemeClr val="accent1"/>
+          </a:fillRef>
+          <a:effectRef idx="0">
+            <a:schemeClr val="accent1"/>
+          </a:effectRef>
+          <a:fontRef idx="minor">
+            <a:schemeClr val="tx1"/>
+          </a:fontRef>
+        </p:style>
+      </p:cxnSp>
+      <p:sp>
+        <p:nvSpPr>
+          <p:cNvPr id="33" name="ZoneTexte 32"/>
+          <p:cNvSpPr txBox="1"/>
+          <p:nvPr/>
+        </p:nvSpPr>
+        <p:spPr>
+          <a:xfrm>
+            <a:off x="1093695" y="4240306"/>
+            <a:ext cx="1801905" cy="369332"/>
+          </a:xfrm>
+          <a:prstGeom prst="rect">
+            <a:avLst/>
+          </a:prstGeom>
+          <a:noFill/>
+        </p:spPr>
+        <p:txBody>
+          <a:bodyPr wrap="square" rtlCol="0">
+            <a:spAutoFit/>
+          </a:bodyPr>
+          <a:lstStyle/>
+          <a:p>
+            <a:r>
+              <a:rPr lang="fr-FR" dirty="0" smtClean="0"/>
+              <a:t>AddProduct</a:t>
+            </a:r>
+            <a:endParaRPr lang="fr-FR" dirty="0"/>
+          </a:p>
+        </p:txBody>
+      </p:sp>
+      <p:sp>
+        <p:nvSpPr>
+          <p:cNvPr id="34" name="Rectangle à coins arrondis 33"/>
+          <p:cNvSpPr/>
+          <p:nvPr/>
+        </p:nvSpPr>
+        <p:spPr>
+          <a:xfrm>
+            <a:off x="5970496" y="4168589"/>
+            <a:ext cx="2285998" cy="914400"/>
+          </a:xfrm>
+          <a:prstGeom prst="roundRect">
+            <a:avLst/>
+          </a:prstGeom>
+        </p:spPr>
+        <p:style>
+          <a:lnRef idx="2">
+            <a:schemeClr val="accent2">
+              <a:shade val="50000"/>
+            </a:schemeClr>
+          </a:lnRef>
+          <a:fillRef idx="1">
+            <a:schemeClr val="accent2"/>
+          </a:fillRef>
+          <a:effectRef idx="0">
+            <a:schemeClr val="accent2"/>
+          </a:effectRef>
+          <a:fontRef idx="minor">
+            <a:schemeClr val="lt1"/>
+          </a:fontRef>
+        </p:style>
+        <p:txBody>
+          <a:bodyPr rtlCol="0" anchor="ctr"/>
+          <a:lstStyle/>
+          <a:p>
+            <a:pPr algn="ctr"/>
+            <a:r>
+              <a:rPr lang="fr-FR" dirty="0" smtClean="0"/>
+              <a:t>ProduitCommand</a:t>
+            </a:r>
+            <a:endParaRPr lang="fr-FR" dirty="0"/>
+          </a:p>
+        </p:txBody>
+      </p:sp>
+      <p:cxnSp>
+        <p:nvCxnSpPr>
+          <p:cNvPr id="35" name="Connecteur droit avec flèche 34"/>
+          <p:cNvCxnSpPr>
+            <a:stCxn id="31" idx="3"/>
+            <a:endCxn id="34" idx="1"/>
+          </p:cNvCxnSpPr>
+          <p:nvPr/>
+        </p:nvCxnSpPr>
+        <p:spPr>
+          <a:xfrm flipV="1">
+            <a:off x="4742332" y="4625789"/>
+            <a:ext cx="1228164" cy="1"/>
+          </a:xfrm>
+          <a:prstGeom prst="straightConnector1">
+            <a:avLst/>
+          </a:prstGeom>
+          <a:ln>
+            <a:tailEnd type="arrow"/>
+          </a:ln>
+        </p:spPr>
+        <p:style>
+          <a:lnRef idx="1">
+            <a:schemeClr val="accent1"/>
+          </a:lnRef>
+          <a:fillRef idx="0">
+            <a:schemeClr val="accent1"/>
+          </a:fillRef>
+          <a:effectRef idx="0">
+            <a:schemeClr val="accent1"/>
+          </a:effectRef>
+          <a:fontRef idx="minor">
+            <a:schemeClr val="tx1"/>
+          </a:fontRef>
+        </p:style>
+      </p:cxnSp>
+      <p:sp>
+        <p:nvSpPr>
+          <p:cNvPr id="36" name="ZoneTexte 35"/>
+          <p:cNvSpPr txBox="1"/>
+          <p:nvPr/>
+        </p:nvSpPr>
+        <p:spPr>
+          <a:xfrm>
+            <a:off x="5038166" y="4240306"/>
+            <a:ext cx="878542" cy="369332"/>
+          </a:xfrm>
+          <a:prstGeom prst="rect">
+            <a:avLst/>
+          </a:prstGeom>
+          <a:noFill/>
+        </p:spPr>
+        <p:txBody>
+          <a:bodyPr wrap="square" rtlCol="0">
+            <a:spAutoFit/>
+          </a:bodyPr>
+          <a:lstStyle/>
+          <a:p>
+            <a:r>
+              <a:rPr lang="fr-FR" dirty="0" smtClean="0"/>
+              <a:t>Add</a:t>
+            </a:r>
+            <a:endParaRPr lang="fr-FR" dirty="0"/>
+          </a:p>
+        </p:txBody>
+      </p:sp>
+      <p:sp>
+        <p:nvSpPr>
+          <p:cNvPr id="37" name="Flèche droite 36"/>
+          <p:cNvSpPr/>
+          <p:nvPr/>
+        </p:nvSpPr>
+        <p:spPr>
+          <a:xfrm>
+            <a:off x="8471647" y="4482353"/>
+            <a:ext cx="573741" cy="233082"/>
+          </a:xfrm>
+          <a:prstGeom prst="rightArrow">
+            <a:avLst/>
+          </a:prstGeom>
+        </p:spPr>
+        <p:style>
+          <a:lnRef idx="2">
+            <a:schemeClr val="accent3">
+              <a:shade val="50000"/>
+            </a:schemeClr>
+          </a:lnRef>
+          <a:fillRef idx="1">
+            <a:schemeClr val="accent3"/>
+          </a:fillRef>
+          <a:effectRef idx="0">
+            <a:schemeClr val="accent3"/>
+          </a:effectRef>
+          <a:fontRef idx="minor">
+            <a:schemeClr val="lt1"/>
+          </a:fontRef>
+        </p:style>
+        <p:txBody>
+          <a:bodyPr rtlCol="0" anchor="ctr"/>
+          <a:lstStyle/>
+          <a:p>
+            <a:pPr algn="ctr"/>
+            <a:endParaRPr lang="fr-FR"/>
+          </a:p>
+        </p:txBody>
+      </p:sp>
+      <p:sp>
+        <p:nvSpPr>
+          <p:cNvPr id="38" name="ZoneTexte 37"/>
+          <p:cNvSpPr txBox="1"/>
+          <p:nvPr/>
+        </p:nvSpPr>
+        <p:spPr>
+          <a:xfrm>
+            <a:off x="9278472" y="4401671"/>
+            <a:ext cx="2528046" cy="369332"/>
+          </a:xfrm>
+          <a:prstGeom prst="rect">
+            <a:avLst/>
+          </a:prstGeom>
+          <a:noFill/>
+        </p:spPr>
+        <p:txBody>
+          <a:bodyPr wrap="square" rtlCol="0">
+            <a:spAutoFit/>
+          </a:bodyPr>
+          <a:lstStyle/>
+          <a:p>
+            <a:r>
+              <a:rPr lang="fr-FR" dirty="0" smtClean="0"/>
+              <a:t>I</a:t>
+            </a:r>
+            <a:r>
+              <a:rPr lang="fr-FR" dirty="0" smtClean="0"/>
+              <a:t>nt</a:t>
+            </a:r>
+            <a:endParaRPr lang="fr-FR" dirty="0"/>
+          </a:p>
+        </p:txBody>
+      </p:sp>
+    </p:spTree>
+  </p:cSld>
+  <p:clrMapOvr>
+    <a:masterClrMapping/>
+  </p:clrMapOvr>
+</p:sld>
+</file>
+
+<file path=ppt/slides/slide57.xml><?xml version="1.0" encoding="utf-8"?>
+<p:sld xmlns:a="http://schemas.openxmlformats.org/drawingml/2006/main" xmlns:r="http://schemas.openxmlformats.org/officeDocument/2006/relationships" xmlns:p="http://schemas.openxmlformats.org/presentationml/2006/main">
+  <p:cSld>
+    <p:spTree>
+      <p:nvGrpSpPr>
+        <p:cNvPr id="1" name=""/>
+        <p:cNvGrpSpPr/>
+        <p:nvPr/>
+      </p:nvGrpSpPr>
+      <p:grpSpPr>
+        <a:xfrm>
+          <a:off x="0" y="0"/>
+          <a:ext cx="0" cy="0"/>
+          <a:chOff x="0" y="0"/>
+          <a:chExt cx="0" cy="0"/>
+        </a:xfrm>
+      </p:grpSpPr>
+      <p:sp>
+        <p:nvSpPr>
+          <p:cNvPr id="2" name="Titre 1"/>
+          <p:cNvSpPr>
+            <a:spLocks noGrp="1"/>
+          </p:cNvSpPr>
+          <p:nvPr>
+            <p:ph type="title"/>
+          </p:nvPr>
+        </p:nvSpPr>
+        <p:spPr/>
+        <p:txBody>
+          <a:bodyPr/>
+          <a:lstStyle/>
+          <a:p>
+            <a:r>
+              <a:rPr lang="fr-FR" dirty="0" smtClean="0"/>
+              <a:t>Business Logic Layer : </a:t>
+            </a:r>
+            <a:r>
+              <a:rPr lang="fr-FR" dirty="0" smtClean="0"/>
+              <a:t>Conclusion</a:t>
+            </a:r>
+            <a:endParaRPr lang="fr-FR" dirty="0"/>
+          </a:p>
+        </p:txBody>
+      </p:sp>
+      <p:sp>
+        <p:nvSpPr>
+          <p:cNvPr id="3" name="Espace réservé du contenu 2"/>
+          <p:cNvSpPr>
+            <a:spLocks noGrp="1"/>
+          </p:cNvSpPr>
+          <p:nvPr>
+            <p:ph idx="1"/>
+          </p:nvPr>
+        </p:nvSpPr>
+        <p:spPr/>
+        <p:txBody>
+          <a:bodyPr/>
+          <a:lstStyle/>
+          <a:p>
+            <a:r>
+              <a:rPr lang="fr-FR" dirty="0" smtClean="0"/>
+              <a:t>On distingue bien les </a:t>
+            </a:r>
+            <a:r>
+              <a:rPr lang="fr-FR" b="1" dirty="0" smtClean="0"/>
+              <a:t>Commands</a:t>
+            </a:r>
+            <a:r>
+              <a:rPr lang="fr-FR" dirty="0" smtClean="0"/>
+              <a:t> et les </a:t>
+            </a:r>
+            <a:r>
+              <a:rPr lang="fr-FR" b="1" dirty="0" smtClean="0"/>
+              <a:t>Queries</a:t>
+            </a:r>
+            <a:r>
+              <a:rPr lang="fr-FR" dirty="0" smtClean="0"/>
+              <a:t>.</a:t>
+            </a:r>
+          </a:p>
+          <a:p>
+            <a:r>
+              <a:rPr lang="fr-FR" dirty="0" smtClean="0"/>
+              <a:t>La partie applicative utilise cette couche pour accéder ou modifier les données : </a:t>
+            </a:r>
+            <a:r>
+              <a:rPr lang="fr-FR" u="sng" dirty="0" smtClean="0"/>
+              <a:t>Ne pas ajouter de couplage inutile</a:t>
+            </a:r>
+            <a:r>
+              <a:rPr lang="fr-FR" dirty="0" smtClean="0"/>
+              <a:t>.</a:t>
+            </a:r>
+          </a:p>
+          <a:p>
+            <a:r>
+              <a:rPr lang="fr-FR" dirty="0" smtClean="0"/>
+              <a:t>On peut réutiliser ce manager en WPF dans un ViewModel, en ASP.NET dans un contrôleur, etc.</a:t>
+            </a:r>
+            <a:endParaRPr lang="fr-FR" dirty="0"/>
+          </a:p>
+        </p:txBody>
+      </p:sp>
+      <p:sp>
+        <p:nvSpPr>
+          <p:cNvPr id="4" name="Espace réservé du numéro de diapositive 3"/>
+          <p:cNvSpPr>
+            <a:spLocks noGrp="1"/>
+          </p:cNvSpPr>
+          <p:nvPr>
+            <p:ph type="sldNum" sz="quarter" idx="12"/>
+          </p:nvPr>
+        </p:nvSpPr>
+        <p:spPr/>
+        <p:txBody>
+          <a:bodyPr/>
+          <a:lstStyle/>
+          <a:p>
+            <a:fld id="{8315C567-CC7A-4C68-B108-C0F3D803BEA8}" type="slidenum">
+              <a:rPr lang="fr-FR" smtClean="0"/>
+              <a:pPr/>
+              <a:t>57</a:t>
+            </a:fld>
+            <a:endParaRPr lang="fr-FR"/>
+          </a:p>
+        </p:txBody>
+      </p:sp>
+    </p:spTree>
+  </p:cSld>
+  <p:clrMapOvr>
+    <a:masterClrMapping/>
+  </p:clrMapOvr>
+</p:sld>
+</file>
+
+<file path=ppt/slides/slide58.xml><?xml version="1.0" encoding="utf-8"?>
+<p:sld xmlns:a="http://schemas.openxmlformats.org/drawingml/2006/main" xmlns:r="http://schemas.openxmlformats.org/officeDocument/2006/relationships" xmlns:p="http://schemas.openxmlformats.org/presentationml/2006/main">
+  <p:cSld>
+    <p:spTree>
+      <p:nvGrpSpPr>
+        <p:cNvPr id="1" name=""/>
+        <p:cNvGrpSpPr/>
+        <p:nvPr/>
+      </p:nvGrpSpPr>
+      <p:grpSpPr>
+        <a:xfrm>
+          <a:off x="0" y="0"/>
+          <a:ext cx="0" cy="0"/>
+          <a:chOff x="0" y="0"/>
+          <a:chExt cx="0" cy="0"/>
+        </a:xfrm>
+      </p:grpSpPr>
+      <p:sp>
+        <p:nvSpPr>
+          <p:cNvPr id="2" name="Titre 1"/>
+          <p:cNvSpPr>
+            <a:spLocks noGrp="1"/>
+          </p:cNvSpPr>
+          <p:nvPr>
+            <p:ph type="title"/>
+          </p:nvPr>
+        </p:nvSpPr>
+        <p:spPr/>
+        <p:txBody>
+          <a:bodyPr/>
+          <a:lstStyle/>
+          <a:p>
+            <a:r>
+              <a:rPr lang="fr-FR" dirty="0" smtClean="0"/>
+              <a:t>Récapitulatif</a:t>
+            </a:r>
+            <a:endParaRPr lang="fr-FR" dirty="0"/>
+          </a:p>
+        </p:txBody>
+      </p:sp>
+      <p:sp>
+        <p:nvSpPr>
+          <p:cNvPr id="4" name="Espace réservé du numéro de diapositive 3"/>
+          <p:cNvSpPr>
+            <a:spLocks noGrp="1"/>
+          </p:cNvSpPr>
+          <p:nvPr>
+            <p:ph type="sldNum" sz="quarter" idx="12"/>
+          </p:nvPr>
+        </p:nvSpPr>
+        <p:spPr/>
+        <p:txBody>
+          <a:bodyPr/>
+          <a:lstStyle/>
+          <a:p>
+            <a:fld id="{8315C567-CC7A-4C68-B108-C0F3D803BEA8}" type="slidenum">
+              <a:rPr lang="fr-FR" smtClean="0"/>
+              <a:pPr/>
+              <a:t>58</a:t>
+            </a:fld>
+            <a:endParaRPr lang="fr-FR"/>
+          </a:p>
+        </p:txBody>
+      </p:sp>
+      <p:pic>
+        <p:nvPicPr>
+          <p:cNvPr id="4099" name="Picture 3"/>
+          <p:cNvPicPr>
+            <a:picLocks noChangeAspect="1" noChangeArrowheads="1"/>
+          </p:cNvPicPr>
+          <p:nvPr/>
+        </p:nvPicPr>
+        <p:blipFill>
+          <a:blip r:embed="rId2" cstate="print"/>
+          <a:srcRect/>
+          <a:stretch>
+            <a:fillRect/>
+          </a:stretch>
+        </p:blipFill>
+        <p:spPr bwMode="auto">
+          <a:xfrm>
+            <a:off x="1116947" y="1491783"/>
+            <a:ext cx="5989834" cy="2336146"/>
+          </a:xfrm>
+          <a:prstGeom prst="rect">
+            <a:avLst/>
+          </a:prstGeom>
+          <a:noFill/>
+          <a:ln w="9525">
+            <a:noFill/>
+            <a:miter lim="800000"/>
+            <a:headEnd/>
+            <a:tailEnd/>
+          </a:ln>
+        </p:spPr>
+      </p:pic>
+      <p:sp>
+        <p:nvSpPr>
+          <p:cNvPr id="9" name="Espace réservé du contenu 2"/>
+          <p:cNvSpPr>
+            <a:spLocks noGrp="1"/>
+          </p:cNvSpPr>
+          <p:nvPr>
+            <p:ph idx="1"/>
+          </p:nvPr>
+        </p:nvSpPr>
+        <p:spPr>
+          <a:xfrm>
+            <a:off x="7286717" y="1595718"/>
+            <a:ext cx="4743917" cy="2133600"/>
+          </a:xfrm>
+        </p:spPr>
+        <p:txBody>
+          <a:bodyPr>
+            <a:normAutofit/>
+          </a:bodyPr>
+          <a:lstStyle/>
+          <a:p>
+            <a:pPr algn="just"/>
+            <a:r>
+              <a:rPr lang="fr-FR" b="1" dirty="0" smtClean="0"/>
+              <a:t>Client</a:t>
+            </a:r>
+            <a:r>
+              <a:rPr lang="fr-FR" dirty="0" smtClean="0"/>
+              <a:t> : ASP.NET MVC, WPF, etc.</a:t>
+            </a:r>
+          </a:p>
+          <a:p>
+            <a:pPr algn="just"/>
+            <a:r>
+              <a:rPr lang="fr-FR" b="1" dirty="0" smtClean="0"/>
+              <a:t>Server</a:t>
+            </a:r>
+            <a:r>
+              <a:rPr lang="fr-FR" dirty="0" smtClean="0"/>
+              <a:t> : IIS</a:t>
+            </a:r>
+          </a:p>
+          <a:p>
+            <a:pPr algn="just"/>
+            <a:r>
+              <a:rPr lang="fr-FR" b="1" dirty="0" smtClean="0"/>
+              <a:t>Database</a:t>
+            </a:r>
+            <a:r>
+              <a:rPr lang="fr-FR" dirty="0" smtClean="0"/>
+              <a:t> : SQL Server, Oracle, etc.</a:t>
+            </a:r>
+          </a:p>
+        </p:txBody>
+      </p:sp>
+      <p:sp>
+        <p:nvSpPr>
+          <p:cNvPr id="11" name="ZoneTexte 10"/>
+          <p:cNvSpPr txBox="1"/>
+          <p:nvPr/>
+        </p:nvSpPr>
+        <p:spPr>
+          <a:xfrm>
+            <a:off x="3711389" y="3003177"/>
+            <a:ext cx="555812" cy="369332"/>
+          </a:xfrm>
+          <a:prstGeom prst="rect">
+            <a:avLst/>
+          </a:prstGeom>
+          <a:noFill/>
+        </p:spPr>
+        <p:txBody>
+          <a:bodyPr wrap="square" rtlCol="0">
+            <a:spAutoFit/>
+          </a:bodyPr>
+          <a:lstStyle/>
+          <a:p>
+            <a:r>
+              <a:rPr lang="fr-FR" dirty="0" smtClean="0"/>
+              <a:t>BLL</a:t>
+            </a:r>
+            <a:endParaRPr lang="fr-FR" dirty="0"/>
+          </a:p>
+        </p:txBody>
+      </p:sp>
+      <p:sp>
+        <p:nvSpPr>
+          <p:cNvPr id="12" name="ZoneTexte 11"/>
+          <p:cNvSpPr txBox="1"/>
+          <p:nvPr/>
+        </p:nvSpPr>
+        <p:spPr>
+          <a:xfrm>
+            <a:off x="4518211" y="3003177"/>
+            <a:ext cx="457201" cy="369332"/>
+          </a:xfrm>
+          <a:prstGeom prst="rect">
+            <a:avLst/>
+          </a:prstGeom>
+          <a:noFill/>
+        </p:spPr>
+        <p:txBody>
+          <a:bodyPr wrap="square" rtlCol="0">
+            <a:spAutoFit/>
+          </a:bodyPr>
+          <a:lstStyle/>
+          <a:p>
+            <a:r>
+              <a:rPr lang="fr-FR" dirty="0" smtClean="0"/>
+              <a:t>EF</a:t>
+            </a:r>
+            <a:endParaRPr lang="fr-FR" dirty="0"/>
+          </a:p>
+        </p:txBody>
+      </p:sp>
+      <p:sp>
+        <p:nvSpPr>
+          <p:cNvPr id="13" name="ZoneTexte 12"/>
+          <p:cNvSpPr txBox="1"/>
+          <p:nvPr/>
+        </p:nvSpPr>
+        <p:spPr>
+          <a:xfrm rot="16200000">
+            <a:off x="3103807" y="3010055"/>
+            <a:ext cx="762001" cy="246221"/>
+          </a:xfrm>
+          <a:prstGeom prst="rect">
+            <a:avLst/>
+          </a:prstGeom>
+          <a:noFill/>
+        </p:spPr>
+        <p:txBody>
+          <a:bodyPr wrap="square" rtlCol="0">
+            <a:spAutoFit/>
+          </a:bodyPr>
+          <a:lstStyle/>
+          <a:p>
+            <a:r>
+              <a:rPr lang="fr-FR" sz="1000" dirty="0" smtClean="0"/>
+              <a:t>Service</a:t>
+            </a:r>
+            <a:endParaRPr lang="fr-FR" sz="1000" dirty="0"/>
+          </a:p>
+        </p:txBody>
+      </p:sp>
+    </p:spTree>
+  </p:cSld>
+  <p:clrMapOvr>
+    <a:masterClrMapping/>
+  </p:clrMapOvr>
+</p:sld>
+</file>
+
+<file path=ppt/slides/slide59.xml><?xml version="1.0" encoding="utf-8"?>
+<p:sld xmlns:a="http://schemas.openxmlformats.org/drawingml/2006/main" xmlns:r="http://schemas.openxmlformats.org/officeDocument/2006/relationships" xmlns:p="http://schemas.openxmlformats.org/presentationml/2006/main">
+  <p:cSld>
+    <p:spTree>
+      <p:nvGrpSpPr>
+        <p:cNvPr id="1" name=""/>
+        <p:cNvGrpSpPr/>
+        <p:nvPr/>
+      </p:nvGrpSpPr>
+      <p:grpSpPr>
+        <a:xfrm>
+          <a:off x="0" y="0"/>
+          <a:ext cx="0" cy="0"/>
+          <a:chOff x="0" y="0"/>
+          <a:chExt cx="0" cy="0"/>
+        </a:xfrm>
+      </p:grpSpPr>
+      <p:sp>
+        <p:nvSpPr>
+          <p:cNvPr id="2" name="Titre 1"/>
+          <p:cNvSpPr>
+            <a:spLocks noGrp="1"/>
+          </p:cNvSpPr>
+          <p:nvPr>
+            <p:ph type="title"/>
+          </p:nvPr>
+        </p:nvSpPr>
+        <p:spPr/>
+        <p:txBody>
+          <a:bodyPr/>
+          <a:lstStyle/>
+          <a:p>
+            <a:r>
+              <a:rPr lang="fr-FR" dirty="0" smtClean="0"/>
+              <a:t>Test unitaire</a:t>
+            </a:r>
+            <a:endParaRPr lang="fr-FR" dirty="0"/>
+          </a:p>
+        </p:txBody>
+      </p:sp>
+      <p:sp>
+        <p:nvSpPr>
+          <p:cNvPr id="3" name="Espace réservé du contenu 2"/>
+          <p:cNvSpPr>
+            <a:spLocks noGrp="1"/>
+          </p:cNvSpPr>
+          <p:nvPr>
+            <p:ph idx="1"/>
+          </p:nvPr>
+        </p:nvSpPr>
+        <p:spPr/>
+        <p:txBody>
+          <a:bodyPr/>
+          <a:lstStyle/>
+          <a:p>
+            <a:r>
+              <a:rPr lang="fr-FR" dirty="0" smtClean="0"/>
+              <a:t>Les tests unitaires permettent de vérifier le bon fonctionnement d’une portion de code définie.</a:t>
+            </a:r>
+          </a:p>
+          <a:p>
+            <a:r>
+              <a:rPr lang="fr-FR" dirty="0" smtClean="0"/>
+              <a:t>Permet de valider le bon fonctionnement en testant un cas dont on connait le résultat à l’avance.</a:t>
+            </a:r>
+          </a:p>
+          <a:p>
+            <a:r>
+              <a:rPr lang="fr-FR" dirty="0" smtClean="0"/>
+              <a:t>Utilisation de « </a:t>
+            </a:r>
+            <a:r>
+              <a:rPr lang="fr-FR" dirty="0" err="1" smtClean="0"/>
+              <a:t>Mock</a:t>
+            </a:r>
+            <a:r>
+              <a:rPr lang="fr-FR" dirty="0" smtClean="0"/>
+              <a:t> » si nécessaire.</a:t>
+            </a:r>
+            <a:endParaRPr lang="fr-FR" dirty="0"/>
+          </a:p>
+        </p:txBody>
+      </p:sp>
+      <p:sp>
+        <p:nvSpPr>
+          <p:cNvPr id="4" name="Espace réservé du numéro de diapositive 3"/>
+          <p:cNvSpPr>
+            <a:spLocks noGrp="1"/>
+          </p:cNvSpPr>
+          <p:nvPr>
+            <p:ph type="sldNum" sz="quarter" idx="12"/>
+          </p:nvPr>
+        </p:nvSpPr>
+        <p:spPr/>
+        <p:txBody>
+          <a:bodyPr/>
+          <a:lstStyle/>
+          <a:p>
+            <a:fld id="{8315C567-CC7A-4C68-B108-C0F3D803BEA8}" type="slidenum">
+              <a:rPr lang="fr-FR" smtClean="0"/>
+              <a:pPr/>
+              <a:t>59</a:t>
+            </a:fld>
+            <a:endParaRPr lang="fr-FR"/>
+          </a:p>
+        </p:txBody>
+      </p:sp>
+    </p:spTree>
+    <p:extLst>
+      <p:ext uri="{BB962C8B-B14F-4D97-AF65-F5344CB8AC3E}">
+        <p14:creationId xmlns="" xmlns:p14="http://schemas.microsoft.com/office/powerpoint/2010/main" val="116708099"/>
+      </p:ext>
+    </p:extLst>
+  </p:cSld>
+  <p:clrMapOvr>
+    <a:masterClrMapping/>
+  </p:clrMapOvr>
+</p:sld>
+</file>
+
+<file path=ppt/slides/slide6.xml><?xml version="1.0" encoding="utf-8"?>
+<p:sld xmlns:a="http://schemas.openxmlformats.org/drawingml/2006/main" xmlns:r="http://schemas.openxmlformats.org/officeDocument/2006/relationships" xmlns:p="http://schemas.openxmlformats.org/presentationml/2006/main">
+  <p:cSld>
+    <p:spTree>
+      <p:nvGrpSpPr>
+        <p:cNvPr id="1" name=""/>
+        <p:cNvGrpSpPr/>
+        <p:nvPr/>
+      </p:nvGrpSpPr>
+      <p:grpSpPr>
+        <a:xfrm>
+          <a:off x="0" y="0"/>
+          <a:ext cx="0" cy="0"/>
+          <a:chOff x="0" y="0"/>
+          <a:chExt cx="0" cy="0"/>
+        </a:xfrm>
+      </p:grpSpPr>
+      <p:sp>
+        <p:nvSpPr>
+          <p:cNvPr id="2" name="Titre 1"/>
+          <p:cNvSpPr>
+            <a:spLocks noGrp="1"/>
+          </p:cNvSpPr>
+          <p:nvPr>
+            <p:ph type="title"/>
+          </p:nvPr>
+        </p:nvSpPr>
+        <p:spPr/>
+        <p:txBody>
+          <a:bodyPr/>
+          <a:lstStyle/>
+          <a:p>
+            <a:r>
+              <a:rPr lang="fr-FR" dirty="0" smtClean="0"/>
+              <a:t>Présentation rapide de Visual Studio</a:t>
+            </a:r>
+            <a:endParaRPr lang="fr-FR" dirty="0"/>
+          </a:p>
+        </p:txBody>
+      </p:sp>
+      <p:sp>
+        <p:nvSpPr>
+          <p:cNvPr id="3" name="Espace réservé du contenu 2"/>
+          <p:cNvSpPr>
+            <a:spLocks noGrp="1"/>
+          </p:cNvSpPr>
+          <p:nvPr>
+            <p:ph idx="1"/>
+          </p:nvPr>
+        </p:nvSpPr>
+        <p:spPr/>
+        <p:txBody>
+          <a:bodyPr/>
+          <a:lstStyle/>
+          <a:p>
+            <a:pPr>
+              <a:buNone/>
+            </a:pPr>
+            <a:r>
+              <a:rPr lang="fr-FR" dirty="0" smtClean="0"/>
+              <a:t>Visual Studio est configurable en fonction du besoin!!</a:t>
+            </a:r>
+          </a:p>
+          <a:p>
+            <a:r>
+              <a:rPr lang="fr-FR" dirty="0" smtClean="0"/>
+              <a:t>Régler les tailles des volets.</a:t>
+            </a:r>
+          </a:p>
+          <a:p>
+            <a:r>
+              <a:rPr lang="fr-FR" dirty="0" smtClean="0"/>
+              <a:t>Le menu « affichage » permet de disposer de plus d’options.</a:t>
+            </a:r>
+          </a:p>
+          <a:p>
+            <a:r>
+              <a:rPr lang="fr-FR" dirty="0" smtClean="0"/>
+              <a:t>Utilisation des points d’arrêt.</a:t>
+            </a:r>
+          </a:p>
+          <a:p>
+            <a:r>
+              <a:rPr lang="fr-FR" dirty="0" smtClean="0"/>
+              <a:t>Le gestionnaire de package (</a:t>
+            </a:r>
+            <a:r>
+              <a:rPr lang="fr-FR" dirty="0" err="1" smtClean="0"/>
+              <a:t>Nuget</a:t>
+            </a:r>
+            <a:r>
+              <a:rPr lang="fr-FR" dirty="0" smtClean="0"/>
+              <a:t>).</a:t>
+            </a:r>
+          </a:p>
+          <a:p>
+            <a:r>
+              <a:rPr lang="fr-FR" dirty="0" smtClean="0"/>
+              <a:t>Etc.</a:t>
+            </a:r>
+            <a:endParaRPr lang="fr-FR" dirty="0"/>
+          </a:p>
+        </p:txBody>
+      </p:sp>
+      <p:sp>
+        <p:nvSpPr>
+          <p:cNvPr id="4" name="Espace réservé du numéro de diapositive 3"/>
+          <p:cNvSpPr>
+            <a:spLocks noGrp="1"/>
+          </p:cNvSpPr>
+          <p:nvPr>
+            <p:ph type="sldNum" sz="quarter" idx="12"/>
+          </p:nvPr>
+        </p:nvSpPr>
+        <p:spPr/>
+        <p:txBody>
+          <a:bodyPr/>
+          <a:lstStyle/>
+          <a:p>
+            <a:fld id="{8315C567-CC7A-4C68-B108-C0F3D803BEA8}" type="slidenum">
+              <a:rPr lang="fr-FR" smtClean="0"/>
+              <a:pPr/>
+              <a:t>6</a:t>
+            </a:fld>
+            <a:endParaRPr lang="fr-FR"/>
+          </a:p>
+        </p:txBody>
+      </p:sp>
+    </p:spTree>
+  </p:cSld>
+  <p:clrMapOvr>
+    <a:masterClrMapping/>
+  </p:clrMapOvr>
+</p:sld>
+</file>
+
+<file path=ppt/slides/slide60.xml><?xml version="1.0" encoding="utf-8"?>
+<p:sld xmlns:a="http://schemas.openxmlformats.org/drawingml/2006/main" xmlns:r="http://schemas.openxmlformats.org/officeDocument/2006/relationships" xmlns:p="http://schemas.openxmlformats.org/presentationml/2006/main">
+  <p:cSld>
+    <p:spTree>
+      <p:nvGrpSpPr>
+        <p:cNvPr id="1" name=""/>
+        <p:cNvGrpSpPr/>
+        <p:nvPr/>
+      </p:nvGrpSpPr>
+      <p:grpSpPr>
+        <a:xfrm>
+          <a:off x="0" y="0"/>
+          <a:ext cx="0" cy="0"/>
+          <a:chOff x="0" y="0"/>
+          <a:chExt cx="0" cy="0"/>
+        </a:xfrm>
+      </p:grpSpPr>
+      <p:sp>
+        <p:nvSpPr>
+          <p:cNvPr id="2" name="Titre 1"/>
+          <p:cNvSpPr>
+            <a:spLocks noGrp="1"/>
+          </p:cNvSpPr>
+          <p:nvPr>
+            <p:ph type="title"/>
+          </p:nvPr>
+        </p:nvSpPr>
+        <p:spPr/>
+        <p:txBody>
+          <a:bodyPr/>
+          <a:lstStyle/>
+          <a:p>
+            <a:r>
+              <a:rPr lang="fr-FR" dirty="0" smtClean="0"/>
+              <a:t>Test unitaire – intégration dans VS</a:t>
+            </a:r>
+            <a:endParaRPr lang="fr-FR" dirty="0"/>
+          </a:p>
+        </p:txBody>
+      </p:sp>
+      <p:sp>
+        <p:nvSpPr>
+          <p:cNvPr id="3" name="Espace réservé du contenu 2"/>
+          <p:cNvSpPr>
+            <a:spLocks noGrp="1"/>
+          </p:cNvSpPr>
+          <p:nvPr>
+            <p:ph idx="1"/>
+          </p:nvPr>
+        </p:nvSpPr>
+        <p:spPr/>
+        <p:txBody>
+          <a:bodyPr/>
+          <a:lstStyle/>
+          <a:p>
+            <a:r>
+              <a:rPr lang="fr-FR" dirty="0" smtClean="0"/>
+              <a:t>Nécessite la création d’un projet de test sous Visual Studio.</a:t>
+            </a:r>
+          </a:p>
+          <a:p>
+            <a:r>
+              <a:rPr lang="fr-FR" dirty="0" smtClean="0"/>
+              <a:t>Fourni un environnement structuré permettant l’exécution et le développement de test.</a:t>
+            </a:r>
+          </a:p>
+          <a:p>
+            <a:endParaRPr lang="fr-FR" dirty="0" smtClean="0"/>
+          </a:p>
+          <a:p>
+            <a:endParaRPr lang="fr-FR" dirty="0"/>
+          </a:p>
+        </p:txBody>
+      </p:sp>
+      <p:sp>
+        <p:nvSpPr>
+          <p:cNvPr id="4" name="Espace réservé du numéro de diapositive 3"/>
+          <p:cNvSpPr>
+            <a:spLocks noGrp="1"/>
+          </p:cNvSpPr>
+          <p:nvPr>
+            <p:ph type="sldNum" sz="quarter" idx="12"/>
+          </p:nvPr>
+        </p:nvSpPr>
+        <p:spPr/>
+        <p:txBody>
+          <a:bodyPr/>
+          <a:lstStyle/>
+          <a:p>
+            <a:fld id="{8315C567-CC7A-4C68-B108-C0F3D803BEA8}" type="slidenum">
+              <a:rPr lang="fr-FR" smtClean="0"/>
+              <a:pPr/>
+              <a:t>60</a:t>
             </a:fld>
             <a:endParaRPr lang="fr-FR"/>
           </a:p>
@@ -21233,7 +22634,7 @@
           <a:blip r:embed="rId2" cstate="print">
             <a:extLst>
               <a:ext uri="{28A0092B-C50C-407E-A947-70E740481C1C}">
-                <a14:useLocalDpi xmlns:a14="http://schemas.microsoft.com/office/drawing/2010/main" xmlns="" val="0"/>
+                <a14:useLocalDpi xmlns="" xmlns:a14="http://schemas.microsoft.com/office/drawing/2010/main" val="0"/>
               </a:ext>
             </a:extLst>
           </a:blip>
@@ -21348,7 +22749,7 @@
     </p:spTree>
     <p:extLst>
       <p:ext uri="{BB962C8B-B14F-4D97-AF65-F5344CB8AC3E}">
-        <p14:creationId xmlns:p14="http://schemas.microsoft.com/office/powerpoint/2010/main" xmlns="" val="2243407082"/>
+        <p14:creationId xmlns="" xmlns:p14="http://schemas.microsoft.com/office/powerpoint/2010/main" val="2243407082"/>
       </p:ext>
     </p:extLst>
   </p:cSld>
@@ -21358,7 +22759,7 @@
 </p:sld>
 </file>
 
-<file path=ppt/slides/slide57.xml><?xml version="1.0" encoding="utf-8"?>
+<file path=ppt/slides/slide61.xml><?xml version="1.0" encoding="utf-8"?>
 <p:sld xmlns:a="http://schemas.openxmlformats.org/drawingml/2006/main" xmlns:r="http://schemas.openxmlformats.org/officeDocument/2006/relationships" xmlns:p="http://schemas.openxmlformats.org/presentationml/2006/main">
   <p:cSld>
     <p:spTree>
@@ -21429,7 +22830,6 @@
               <a:rPr lang="fr-FR" b="1" dirty="0" smtClean="0"/>
               <a:t>].</a:t>
             </a:r>
-            <a:endParaRPr lang="fr-FR" b="1" dirty="0" smtClean="0"/>
           </a:p>
           <a:p>
             <a:r>
@@ -21448,7 +22848,6 @@
               <a:rPr lang="fr-FR" b="1" dirty="0" smtClean="0"/>
               <a:t>].</a:t>
             </a:r>
-            <a:endParaRPr lang="fr-FR" b="1" dirty="0" smtClean="0"/>
           </a:p>
           <a:p>
             <a:r>
@@ -21465,13 +22864,8 @@
             </a:r>
             <a:r>
               <a:rPr lang="fr-FR" dirty="0" smtClean="0"/>
-              <a:t>pour définir des </a:t>
-            </a:r>
-            <a:r>
-              <a:rPr lang="fr-FR" dirty="0" smtClean="0"/>
-              <a:t>assertions.</a:t>
-            </a:r>
-            <a:endParaRPr lang="fr-FR" dirty="0" smtClean="0"/>
+              <a:t>pour définir des assertions.</a:t>
+            </a:r>
           </a:p>
           <a:p>
             <a:r>
@@ -21488,24 +22882,14 @@
             </a:r>
             <a:r>
               <a:rPr lang="fr-FR" dirty="0" smtClean="0"/>
-              <a:t>pour bénéficier des </a:t>
-            </a:r>
-            <a:r>
-              <a:rPr lang="fr-FR" dirty="0" smtClean="0"/>
-              <a:t>annotations.</a:t>
-            </a:r>
-            <a:endParaRPr lang="fr-FR" dirty="0" smtClean="0"/>
-          </a:p>
-          <a:p>
-            <a:r>
-              <a:rPr lang="fr-FR" dirty="0" smtClean="0"/>
-              <a:t>Exécuter et déboguer les </a:t>
-            </a:r>
-            <a:r>
-              <a:rPr lang="fr-FR" dirty="0" smtClean="0"/>
-              <a:t>tests.</a:t>
-            </a:r>
-            <a:endParaRPr lang="fr-FR" dirty="0" smtClean="0"/>
+              <a:t>pour bénéficier des annotations.</a:t>
+            </a:r>
+          </a:p>
+          <a:p>
+            <a:r>
+              <a:rPr lang="fr-FR" dirty="0" smtClean="0"/>
+              <a:t>Exécuter et déboguer les tests.</a:t>
+            </a:r>
           </a:p>
           <a:p>
             <a:endParaRPr lang="fr-FR" dirty="0"/>
@@ -21520,13 +22904,8 @@
             <a:pPr lvl="1"/>
             <a:r>
               <a:rPr lang="fr-FR" dirty="0" smtClean="0"/>
-              <a:t>Si les annotations ne sont pas présentes, aucun test ne sera </a:t>
-            </a:r>
-            <a:r>
-              <a:rPr lang="fr-FR" dirty="0" smtClean="0"/>
-              <a:t>exécuté.</a:t>
-            </a:r>
-            <a:endParaRPr lang="fr-FR" dirty="0" smtClean="0"/>
+              <a:t>Si les annotations ne sont pas présentes, aucun test ne sera exécuté.</a:t>
+            </a:r>
           </a:p>
           <a:p>
             <a:pPr lvl="1"/>
@@ -21552,7 +22931,7 @@
             <a:fld id="{8315C567-CC7A-4C68-B108-C0F3D803BEA8}" type="slidenum">
               <a:rPr lang="fr-FR" smtClean="0"/>
               <a:pPr/>
-              <a:t>57</a:t>
+              <a:t>61</a:t>
             </a:fld>
             <a:endParaRPr lang="fr-FR"/>
           </a:p>
@@ -21561,7 +22940,7 @@
     </p:spTree>
     <p:extLst>
       <p:ext uri="{BB962C8B-B14F-4D97-AF65-F5344CB8AC3E}">
-        <p14:creationId xmlns:p14="http://schemas.microsoft.com/office/powerpoint/2010/main" xmlns="" val="2391221836"/>
+        <p14:creationId xmlns="" xmlns:p14="http://schemas.microsoft.com/office/powerpoint/2010/main" val="2391221836"/>
       </p:ext>
     </p:extLst>
   </p:cSld>
@@ -21571,7 +22950,7 @@
 </p:sld>
 </file>
 
-<file path=ppt/slides/slide58.xml><?xml version="1.0" encoding="utf-8"?>
+<file path=ppt/slides/slide62.xml><?xml version="1.0" encoding="utf-8"?>
 <p:sld xmlns:a="http://schemas.openxmlformats.org/drawingml/2006/main" xmlns:r="http://schemas.openxmlformats.org/officeDocument/2006/relationships" xmlns:p="http://schemas.openxmlformats.org/presentationml/2006/main">
   <p:cSld>
     <p:spTree>
@@ -21665,7 +23044,6 @@
               <a:rPr lang="fr-FR" b="1" dirty="0" smtClean="0"/>
               <a:t>.</a:t>
             </a:r>
-            <a:endParaRPr lang="fr-FR" b="1" dirty="0" smtClean="0"/>
           </a:p>
           <a:p>
             <a:pPr lvl="1"/>
@@ -21685,7 +23063,6 @@
               <a:rPr lang="fr-FR" b="1" dirty="0" smtClean="0"/>
               <a:t>.</a:t>
             </a:r>
-            <a:endParaRPr lang="fr-FR" b="1" dirty="0" smtClean="0"/>
           </a:p>
           <a:p>
             <a:pPr lvl="1"/>
@@ -21721,7 +23098,6 @@
               <a:rPr lang="fr-FR" b="1" dirty="0" smtClean="0"/>
               <a:t>false.</a:t>
             </a:r>
-            <a:endParaRPr lang="fr-FR" b="1" dirty="0" smtClean="0"/>
           </a:p>
           <a:p>
             <a:pPr lvl="1"/>
@@ -21747,13 +23123,8 @@
             </a:r>
             <a:r>
               <a:rPr lang="fr-FR" dirty="0" smtClean="0"/>
-              <a:t> </a:t>
-            </a:r>
-            <a:r>
-              <a:rPr lang="fr-FR" dirty="0" smtClean="0"/>
-              <a:t>spécifié.</a:t>
-            </a:r>
-            <a:endParaRPr lang="fr-FR" dirty="0" smtClean="0"/>
+              <a:t> spécifié.</a:t>
+            </a:r>
           </a:p>
           <a:p>
             <a:pPr lvl="1"/>
@@ -21771,13 +23142,8 @@
             </a:r>
             <a:r>
               <a:rPr lang="fr-FR" dirty="0" smtClean="0"/>
-              <a:t> sont </a:t>
-            </a:r>
-            <a:r>
-              <a:rPr lang="fr-FR" dirty="0" smtClean="0"/>
-              <a:t>égaux.</a:t>
-            </a:r>
-            <a:endParaRPr lang="fr-FR" dirty="0" smtClean="0"/>
+              <a:t> sont égaux.</a:t>
+            </a:r>
           </a:p>
           <a:p>
             <a:pPr lvl="1"/>
@@ -21811,7 +23177,7 @@
             <a:fld id="{8315C567-CC7A-4C68-B108-C0F3D803BEA8}" type="slidenum">
               <a:rPr lang="fr-FR" smtClean="0"/>
               <a:pPr/>
-              <a:t>58</a:t>
+              <a:t>62</a:t>
             </a:fld>
             <a:endParaRPr lang="fr-FR"/>
           </a:p>
@@ -21820,7 +23186,7 @@
     </p:spTree>
     <p:extLst>
       <p:ext uri="{BB962C8B-B14F-4D97-AF65-F5344CB8AC3E}">
-        <p14:creationId xmlns:p14="http://schemas.microsoft.com/office/powerpoint/2010/main" xmlns="" val="1202225947"/>
+        <p14:creationId xmlns="" xmlns:p14="http://schemas.microsoft.com/office/powerpoint/2010/main" val="1202225947"/>
       </p:ext>
     </p:extLst>
   </p:cSld>
@@ -21830,7 +23196,7 @@
 </p:sld>
 </file>
 
-<file path=ppt/slides/slide59.xml><?xml version="1.0" encoding="utf-8"?>
+<file path=ppt/slides/slide63.xml><?xml version="1.0" encoding="utf-8"?>
 <p:sld xmlns:a="http://schemas.openxmlformats.org/drawingml/2006/main" xmlns:r="http://schemas.openxmlformats.org/officeDocument/2006/relationships" xmlns:p="http://schemas.openxmlformats.org/presentationml/2006/main">
   <p:cSld>
     <p:spTree>
@@ -21892,7 +23258,7 @@
             <a:fld id="{8315C567-CC7A-4C68-B108-C0F3D803BEA8}" type="slidenum">
               <a:rPr lang="fr-FR" smtClean="0"/>
               <a:pPr/>
-              <a:t>59</a:t>
+              <a:t>63</a:t>
             </a:fld>
             <a:endParaRPr lang="fr-FR"/>
           </a:p>
@@ -21952,35 +23318,20 @@
             </a:r>
             <a:r>
               <a:rPr lang="fr-FR" dirty="0" smtClean="0"/>
-              <a:t> que le résultat attendu et le résultat </a:t>
-            </a:r>
-            <a:r>
-              <a:rPr lang="fr-FR" dirty="0" smtClean="0"/>
-              <a:t>obtenu.</a:t>
-            </a:r>
-            <a:endParaRPr lang="fr-FR" dirty="0" smtClean="0"/>
-          </a:p>
-          <a:p>
-            <a:r>
-              <a:rPr lang="fr-FR" dirty="0" smtClean="0"/>
-              <a:t>Présence des </a:t>
-            </a:r>
-            <a:r>
-              <a:rPr lang="fr-FR" dirty="0" smtClean="0"/>
-              <a:t>annotations.</a:t>
-            </a:r>
-            <a:endParaRPr lang="fr-FR" dirty="0" smtClean="0"/>
-          </a:p>
-          <a:p>
-            <a:r>
-              <a:rPr lang="fr-FR" dirty="0" smtClean="0"/>
-              <a:t>Nommage des méthodes de </a:t>
-            </a:r>
-            <a:r>
-              <a:rPr lang="fr-FR" dirty="0" smtClean="0"/>
-              <a:t>test.</a:t>
-            </a:r>
-            <a:endParaRPr lang="fr-FR" dirty="0" smtClean="0"/>
+              <a:t> que le résultat attendu et le résultat obtenu.</a:t>
+            </a:r>
+          </a:p>
+          <a:p>
+            <a:r>
+              <a:rPr lang="fr-FR" dirty="0" smtClean="0"/>
+              <a:t>Présence des annotations.</a:t>
+            </a:r>
+          </a:p>
+          <a:p>
+            <a:r>
+              <a:rPr lang="fr-FR" dirty="0" smtClean="0"/>
+              <a:t>Nommage des méthodes de test.</a:t>
+            </a:r>
           </a:p>
           <a:p>
             <a:pPr marL="0" indent="0">
@@ -22242,11 +23593,7 @@
           <a:p>
             <a:r>
               <a:rPr lang="fr-FR" dirty="0" smtClean="0"/>
-              <a:t>Ecrire une classe de test pour tester la fonction factorielle (Math.Factorielle) qui avec 3 doit retourner </a:t>
-            </a:r>
-            <a:r>
-              <a:rPr lang="fr-FR" dirty="0" smtClean="0"/>
-              <a:t>6.</a:t>
+              <a:t>Ecrire une classe de test pour tester la fonction factorielle (Math.Factorielle) qui avec 3 doit retourner 6.</a:t>
             </a:r>
             <a:endParaRPr lang="fr-FR" u="sng" dirty="0"/>
           </a:p>
@@ -22255,7 +23602,7 @@
     </p:spTree>
     <p:extLst>
       <p:ext uri="{BB962C8B-B14F-4D97-AF65-F5344CB8AC3E}">
-        <p14:creationId xmlns:p14="http://schemas.microsoft.com/office/powerpoint/2010/main" xmlns="" val="243697435"/>
+        <p14:creationId xmlns="" xmlns:p14="http://schemas.microsoft.com/office/powerpoint/2010/main" val="243697435"/>
       </p:ext>
     </p:extLst>
   </p:cSld>
@@ -22265,7 +23612,7 @@
 </p:sld>
 </file>
 
-<file path=ppt/slides/slide6.xml><?xml version="1.0" encoding="utf-8"?>
+<file path=ppt/slides/slide64.xml><?xml version="1.0" encoding="utf-8"?>
 <p:sld xmlns:a="http://schemas.openxmlformats.org/drawingml/2006/main" xmlns:r="http://schemas.openxmlformats.org/officeDocument/2006/relationships" xmlns:p="http://schemas.openxmlformats.org/presentationml/2006/main">
   <p:cSld>
     <p:spTree>
@@ -22299,142 +23646,6 @@
           <a:p>
             <a:r>
               <a:rPr lang="fr-FR" dirty="0" smtClean="0"/>
-              <a:t>Présentation rapide de Visual Studio</a:t>
-            </a:r>
-            <a:endParaRPr lang="fr-FR" dirty="0"/>
-          </a:p>
-        </p:txBody>
-      </p:sp>
-      <p:sp>
-        <p:nvSpPr>
-          <p:cNvPr id="3" name="Espace réservé du contenu 2"/>
-          <p:cNvSpPr>
-            <a:spLocks noGrp="1"/>
-          </p:cNvSpPr>
-          <p:nvPr>
-            <p:ph idx="1"/>
-          </p:nvPr>
-        </p:nvSpPr>
-        <p:spPr/>
-        <p:txBody>
-          <a:bodyPr/>
-          <a:lstStyle/>
-          <a:p>
-            <a:pPr>
-              <a:buNone/>
-            </a:pPr>
-            <a:r>
-              <a:rPr lang="fr-FR" dirty="0" smtClean="0"/>
-              <a:t>Visual Studio est configurable en fonction du besoin!!</a:t>
-            </a:r>
-          </a:p>
-          <a:p>
-            <a:r>
-              <a:rPr lang="fr-FR" dirty="0" smtClean="0"/>
-              <a:t>Régler les tailles des volets.</a:t>
-            </a:r>
-          </a:p>
-          <a:p>
-            <a:r>
-              <a:rPr lang="fr-FR" dirty="0" smtClean="0"/>
-              <a:t>Le menu « affichage » permet de disposer de plus d’options.</a:t>
-            </a:r>
-          </a:p>
-          <a:p>
-            <a:r>
-              <a:rPr lang="fr-FR" dirty="0" smtClean="0"/>
-              <a:t>Utilisation des points d’arrêt.</a:t>
-            </a:r>
-          </a:p>
-          <a:p>
-            <a:r>
-              <a:rPr lang="fr-FR" dirty="0" smtClean="0"/>
-              <a:t>Le gestionnaire de package (</a:t>
-            </a:r>
-            <a:r>
-              <a:rPr lang="fr-FR" dirty="0" err="1" smtClean="0"/>
-              <a:t>Nuget</a:t>
-            </a:r>
-            <a:r>
-              <a:rPr lang="fr-FR" dirty="0" smtClean="0"/>
-              <a:t>).</a:t>
-            </a:r>
-          </a:p>
-          <a:p>
-            <a:r>
-              <a:rPr lang="fr-FR" dirty="0" smtClean="0"/>
-              <a:t>Etc.</a:t>
-            </a:r>
-            <a:endParaRPr lang="fr-FR" dirty="0"/>
-          </a:p>
-        </p:txBody>
-      </p:sp>
-      <p:sp>
-        <p:nvSpPr>
-          <p:cNvPr id="4" name="Espace réservé du numéro de diapositive 3"/>
-          <p:cNvSpPr>
-            <a:spLocks noGrp="1"/>
-          </p:cNvSpPr>
-          <p:nvPr>
-            <p:ph type="sldNum" sz="quarter" idx="12"/>
-          </p:nvPr>
-        </p:nvSpPr>
-        <p:spPr/>
-        <p:txBody>
-          <a:bodyPr/>
-          <a:lstStyle/>
-          <a:p>
-            <a:fld id="{8315C567-CC7A-4C68-B108-C0F3D803BEA8}" type="slidenum">
-              <a:rPr lang="fr-FR" smtClean="0"/>
-              <a:pPr/>
-              <a:t>6</a:t>
-            </a:fld>
-            <a:endParaRPr lang="fr-FR"/>
-          </a:p>
-        </p:txBody>
-      </p:sp>
-    </p:spTree>
-  </p:cSld>
-  <p:clrMapOvr>
-    <a:masterClrMapping/>
-  </p:clrMapOvr>
-</p:sld>
-</file>
-
-<file path=ppt/slides/slide60.xml><?xml version="1.0" encoding="utf-8"?>
-<p:sld xmlns:a="http://schemas.openxmlformats.org/drawingml/2006/main" xmlns:r="http://schemas.openxmlformats.org/officeDocument/2006/relationships" xmlns:p="http://schemas.openxmlformats.org/presentationml/2006/main">
-  <p:cSld>
-    <p:spTree>
-      <p:nvGrpSpPr>
-        <p:cNvPr id="1" name=""/>
-        <p:cNvGrpSpPr/>
-        <p:nvPr/>
-      </p:nvGrpSpPr>
-      <p:grpSpPr>
-        <a:xfrm>
-          <a:off x="0" y="0"/>
-          <a:ext cx="0" cy="0"/>
-          <a:chOff x="0" y="0"/>
-          <a:chExt cx="0" cy="0"/>
-        </a:xfrm>
-      </p:grpSpPr>
-      <p:sp>
-        <p:nvSpPr>
-          <p:cNvPr id="2" name="Titre 1"/>
-          <p:cNvSpPr>
-            <a:spLocks noGrp="1"/>
-          </p:cNvSpPr>
-          <p:nvPr>
-            <p:ph type="title"/>
-          </p:nvPr>
-        </p:nvSpPr>
-        <p:spPr/>
-        <p:txBody>
-          <a:bodyPr/>
-          <a:lstStyle/>
-          <a:p>
-            <a:r>
-              <a:rPr lang="fr-FR" dirty="0" smtClean="0"/>
               <a:t>Test unitaire – pour aller plus loin</a:t>
             </a:r>
             <a:endParaRPr lang="fr-FR" dirty="0"/>
@@ -22469,13 +23680,8 @@
             </a:r>
             <a:r>
               <a:rPr lang="fr-FR" dirty="0" smtClean="0"/>
-              <a:t> : Identifie la méthode à exécuter avant le test pour configurer les ressources requises par tous les tests dans la classe de </a:t>
-            </a:r>
-            <a:r>
-              <a:rPr lang="fr-FR" dirty="0" smtClean="0"/>
-              <a:t>test.</a:t>
-            </a:r>
-            <a:endParaRPr lang="fr-FR" dirty="0" smtClean="0"/>
+              <a:t> : Identifie la méthode à exécuter avant le test pour configurer les ressources requises par tous les tests dans la classe de test.</a:t>
+            </a:r>
           </a:p>
           <a:p>
             <a:pPr lvl="1"/>
@@ -22485,13 +23691,8 @@
             </a:r>
             <a:r>
               <a:rPr lang="fr-FR" dirty="0" smtClean="0"/>
-              <a:t> : Identifie la méthode qui contient le code à utiliser une fois tous les tests exécutés pour libérer les </a:t>
-            </a:r>
-            <a:r>
-              <a:rPr lang="fr-FR" dirty="0" smtClean="0"/>
-              <a:t>ressources.</a:t>
-            </a:r>
-            <a:endParaRPr lang="fr-FR" dirty="0" smtClean="0"/>
+              <a:t> : Identifie la méthode qui contient le code à utiliser une fois tous les tests exécutés pour libérer les ressources.</a:t>
+            </a:r>
           </a:p>
           <a:p>
             <a:endParaRPr lang="fr-FR" dirty="0"/>
@@ -22537,7 +23738,7 @@
             <a:fld id="{8315C567-CC7A-4C68-B108-C0F3D803BEA8}" type="slidenum">
               <a:rPr lang="fr-FR" smtClean="0"/>
               <a:pPr/>
-              <a:t>60</a:t>
+              <a:t>64</a:t>
             </a:fld>
             <a:endParaRPr lang="fr-FR"/>
           </a:p>
@@ -22546,7 +23747,7 @@
     </p:spTree>
     <p:extLst>
       <p:ext uri="{BB962C8B-B14F-4D97-AF65-F5344CB8AC3E}">
-        <p14:creationId xmlns:p14="http://schemas.microsoft.com/office/powerpoint/2010/main" xmlns="" val="70875243"/>
+        <p14:creationId xmlns="" xmlns:p14="http://schemas.microsoft.com/office/powerpoint/2010/main" val="70875243"/>
       </p:ext>
     </p:extLst>
   </p:cSld>
@@ -22614,25 +23815,15 @@
             <a:pPr algn="just"/>
             <a:r>
               <a:rPr lang="fr-FR" dirty="0" smtClean="0"/>
-              <a:t>Les variables contiennent des données et sont utilisées dans des </a:t>
-            </a:r>
-            <a:r>
-              <a:rPr lang="fr-FR" dirty="0" smtClean="0"/>
-              <a:t>instructions.</a:t>
-            </a:r>
-            <a:endParaRPr lang="fr-FR" dirty="0" smtClean="0"/>
+              <a:t>Les variables contiennent des données et sont utilisées dans des instructions.</a:t>
+            </a:r>
           </a:p>
           <a:p>
             <a:pPr algn="just"/>
             <a:r>
               <a:rPr lang="fr-FR" dirty="0" smtClean="0"/>
-              <a:t>Une variable est </a:t>
-            </a:r>
-            <a:r>
-              <a:rPr lang="fr-FR" dirty="0" smtClean="0"/>
-              <a:t>typée.</a:t>
-            </a:r>
-            <a:endParaRPr lang="fr-FR" dirty="0" smtClean="0"/>
+              <a:t>Une variable est typée.</a:t>
+            </a:r>
           </a:p>
           <a:p>
             <a:pPr algn="just"/>
@@ -22700,7 +23891,7 @@
     </p:spTree>
     <p:extLst>
       <p:ext uri="{BB962C8B-B14F-4D97-AF65-F5344CB8AC3E}">
-        <p14:creationId xmlns:p14="http://schemas.microsoft.com/office/powerpoint/2010/main" xmlns="" val="2863876650"/>
+        <p14:creationId xmlns="" xmlns:p14="http://schemas.microsoft.com/office/powerpoint/2010/main" val="2863876650"/>
       </p:ext>
     </p:extLst>
   </p:cSld>
@@ -22793,18 +23984,12 @@
               <a:rPr lang="fr-FR" dirty="0" smtClean="0"/>
               <a:t>).</a:t>
             </a:r>
-            <a:endParaRPr lang="fr-FR" dirty="0" smtClean="0"/>
-          </a:p>
-          <a:p>
-            <a:r>
-              <a:rPr lang="fr-FR" dirty="0" smtClean="0"/>
-              <a:t>Une méthode peut prendre des paramètres en </a:t>
-            </a:r>
-            <a:r>
-              <a:rPr lang="fr-FR" dirty="0" smtClean="0"/>
-              <a:t>entrée.</a:t>
-            </a:r>
-            <a:endParaRPr lang="fr-FR" dirty="0" smtClean="0"/>
+          </a:p>
+          <a:p>
+            <a:r>
+              <a:rPr lang="fr-FR" dirty="0" smtClean="0"/>
+              <a:t>Une méthode peut prendre des paramètres en entrée.</a:t>
+            </a:r>
           </a:p>
           <a:p>
             <a:r>
@@ -22852,7 +24037,7 @@
     </p:spTree>
     <p:extLst>
       <p:ext uri="{BB962C8B-B14F-4D97-AF65-F5344CB8AC3E}">
-        <p14:creationId xmlns:p14="http://schemas.microsoft.com/office/powerpoint/2010/main" xmlns="" val="1813519391"/>
+        <p14:creationId xmlns="" xmlns:p14="http://schemas.microsoft.com/office/powerpoint/2010/main" val="1813519391"/>
       </p:ext>
     </p:extLst>
   </p:cSld>
@@ -22979,25 +24164,15 @@
             </a:r>
             <a:r>
               <a:rPr lang="fr-FR" dirty="0" smtClean="0"/>
-              <a:t> </a:t>
-            </a:r>
-            <a:r>
-              <a:rPr lang="fr-FR" dirty="0" smtClean="0"/>
-              <a:t>»).</a:t>
-            </a:r>
-            <a:endParaRPr lang="fr-FR" dirty="0" smtClean="0"/>
+              <a:t> »).</a:t>
+            </a:r>
           </a:p>
           <a:p>
             <a:pPr algn="just"/>
             <a:r>
               <a:rPr lang="fr-FR" dirty="0" smtClean="0"/>
-              <a:t>Intercepter les erreurs et gérer les exceptions </a:t>
-            </a:r>
-            <a:r>
-              <a:rPr lang="fr-FR" dirty="0" smtClean="0"/>
-              <a:t>rigoureusement.</a:t>
-            </a:r>
-            <a:endParaRPr lang="fr-FR" dirty="0" smtClean="0"/>
+              <a:t>Intercepter les erreurs et gérer les exceptions rigoureusement.</a:t>
+            </a:r>
           </a:p>
           <a:p>
             <a:pPr algn="just"/>
@@ -23032,7 +24207,7 @@
     </p:spTree>
     <p:extLst>
       <p:ext uri="{BB962C8B-B14F-4D97-AF65-F5344CB8AC3E}">
-        <p14:creationId xmlns:p14="http://schemas.microsoft.com/office/powerpoint/2010/main" xmlns="" val="2611854397"/>
+        <p14:creationId xmlns="" xmlns:p14="http://schemas.microsoft.com/office/powerpoint/2010/main" val="2611854397"/>
       </p:ext>
     </p:extLst>
   </p:cSld>
@@ -23539,7 +24714,7 @@
   <a:extraClrSchemeLst/>
   <a:extLst>
     <a:ext uri="{05A4C25C-085E-4340-85A3-A5531E510DB2}">
-      <thm15:themeFamily xmlns:thm15="http://schemas.microsoft.com/office/thememl/2012/main" xmlns="" name="Wisp" id="{7CB32D59-10C0-40DD-B7BD-2E94284A981C}" vid="{4F34B87B-9C7A-41AE-A6CB-48536223DFFD}"/>
+      <thm15:themeFamily xmlns="" xmlns:thm15="http://schemas.microsoft.com/office/thememl/2012/main" name="Wisp" id="{7CB32D59-10C0-40DD-B7BD-2E94284A981C}" vid="{4F34B87B-9C7A-41AE-A6CB-48536223DFFD}"/>
     </a:ext>
   </a:extLst>
 </a:theme>
@@ -23800,7 +24975,7 @@
   <a:extraClrSchemeLst/>
   <a:extLst>
     <a:ext uri="{05A4C25C-085E-4340-85A3-A5531E510DB2}">
-      <thm15:themeFamily xmlns:thm15="http://schemas.microsoft.com/office/thememl/2012/main" xmlns="" name="Office Theme" id="{62F939B6-93AF-4DB8-9C6B-D6C7DFDC589F}" vid="{4A3C46E8-61CC-4603-A589-7422A47A8E4A}"/>
+      <thm15:themeFamily xmlns="" xmlns:thm15="http://schemas.microsoft.com/office/thememl/2012/main" name="Office Theme" id="{62F939B6-93AF-4DB8-9C6B-D6C7DFDC589F}" vid="{4A3C46E8-61CC-4603-A589-7422A47A8E4A}"/>
     </a:ext>
   </a:extLst>
 </a:theme>
